--- a/IDI/Presentacio.pptx
+++ b/IDI/Presentacio.pptx
@@ -7,11 +7,17 @@
   <p:sldIdLst>
     <p:sldId id="256" r:id="rId2"/>
     <p:sldId id="257" r:id="rId3"/>
-    <p:sldId id="258" r:id="rId4"/>
-    <p:sldId id="259" r:id="rId5"/>
-    <p:sldId id="260" r:id="rId6"/>
-    <p:sldId id="261" r:id="rId7"/>
-    <p:sldId id="262" r:id="rId8"/>
+    <p:sldId id="263" r:id="rId4"/>
+    <p:sldId id="264" r:id="rId5"/>
+    <p:sldId id="265" r:id="rId6"/>
+    <p:sldId id="258" r:id="rId7"/>
+    <p:sldId id="266" r:id="rId8"/>
+    <p:sldId id="267" r:id="rId9"/>
+    <p:sldId id="259" r:id="rId10"/>
+    <p:sldId id="260" r:id="rId11"/>
+    <p:sldId id="261" r:id="rId12"/>
+    <p:sldId id="262" r:id="rId13"/>
+    <p:sldId id="268" r:id="rId14"/>
   </p:sldIdLst>
   <p:sldSz cx="12192000" cy="6858000"/>
   <p:notesSz cx="6858000" cy="9144000"/>
@@ -110,6 +116,11 @@
       </a:defRPr>
     </a:lvl9pPr>
   </p:defaultTextStyle>
+  <p:extLst>
+    <p:ext uri="{EFAFB233-063F-42B5-8137-9DF3F51BA10A}">
+      <p15:sldGuideLst xmlns:p15="http://schemas.microsoft.com/office/powerpoint/2012/main"/>
+    </p:ext>
+  </p:extLst>
 </p:presentation>
 </file>
 
@@ -155,7 +166,7 @@
           </a:lstStyle>
           <a:p>
             <a:r>
-              <a:rPr lang="es-ES" smtClean="0"/>
+              <a:rPr lang="es-ES"/>
               <a:t>Haga clic para modificar el estilo de título del patrón</a:t>
             </a:r>
             <a:endParaRPr lang="en-US" dirty="0"/>
@@ -272,7 +283,7 @@
           </a:lstStyle>
           <a:p>
             <a:r>
-              <a:rPr lang="es-ES" smtClean="0"/>
+              <a:rPr lang="es-ES"/>
               <a:t>Haga clic para editar el estilo de subtítulo del patrón</a:t>
             </a:r>
             <a:endParaRPr lang="en-US" dirty="0"/>
@@ -296,7 +307,7 @@
           <a:p>
             <a:fld id="{3817F6F1-6B00-4783-8D4D-89C642407FEC}" type="datetimeFigureOut">
               <a:rPr lang="es-ES" smtClean="0"/>
-              <a:t>12/12/2019</a:t>
+              <a:t>15/12/2019</a:t>
             </a:fld>
             <a:endParaRPr lang="es-ES"/>
           </a:p>
@@ -401,7 +412,7 @@
           </a:lstStyle>
           <a:p>
             <a:r>
-              <a:rPr lang="es-ES" smtClean="0"/>
+              <a:rPr lang="es-ES"/>
               <a:t>Haga clic para modificar el estilo de título del patrón</a:t>
             </a:r>
             <a:endParaRPr lang="en-US" dirty="0"/>
@@ -480,7 +491,7 @@
           </a:lstStyle>
           <a:p>
             <a:r>
-              <a:rPr lang="es-ES" smtClean="0"/>
+              <a:rPr lang="es-ES"/>
               <a:t>Haga clic en el icono para agregar una imagen</a:t>
             </a:r>
             <a:endParaRPr lang="en-US" dirty="0"/>
@@ -548,7 +559,7 @@
           <a:p>
             <a:pPr lvl="0"/>
             <a:r>
-              <a:rPr lang="es-ES" smtClean="0"/>
+              <a:rPr lang="es-ES"/>
               <a:t>Editar el estilo de texto del patrón</a:t>
             </a:r>
           </a:p>
@@ -571,7 +582,7 @@
           <a:p>
             <a:fld id="{3817F6F1-6B00-4783-8D4D-89C642407FEC}" type="datetimeFigureOut">
               <a:rPr lang="es-ES" smtClean="0"/>
-              <a:t>12/12/2019</a:t>
+              <a:t>15/12/2019</a:t>
             </a:fld>
             <a:endParaRPr lang="es-ES"/>
           </a:p>
@@ -674,7 +685,7 @@
           </a:lstStyle>
           <a:p>
             <a:r>
-              <a:rPr lang="es-ES" smtClean="0"/>
+              <a:rPr lang="es-ES"/>
               <a:t>Haga clic para modificar el estilo de título del patrón</a:t>
             </a:r>
             <a:endParaRPr lang="en-US" dirty="0"/>
@@ -742,7 +753,7 @@
           <a:p>
             <a:pPr lvl="0"/>
             <a:r>
-              <a:rPr lang="es-ES" smtClean="0"/>
+              <a:rPr lang="es-ES"/>
               <a:t>Editar el estilo de texto del patrón</a:t>
             </a:r>
           </a:p>
@@ -765,7 +776,7 @@
           <a:p>
             <a:fld id="{3817F6F1-6B00-4783-8D4D-89C642407FEC}" type="datetimeFigureOut">
               <a:rPr lang="es-ES" smtClean="0"/>
-              <a:t>12/12/2019</a:t>
+              <a:t>15/12/2019</a:t>
             </a:fld>
             <a:endParaRPr lang="es-ES"/>
           </a:p>
@@ -868,7 +879,7 @@
           </a:lstStyle>
           <a:p>
             <a:r>
-              <a:rPr lang="es-ES" smtClean="0"/>
+              <a:rPr lang="es-ES"/>
               <a:t>Haga clic para modificar el estilo de título del patrón</a:t>
             </a:r>
             <a:endParaRPr lang="en-US" dirty="0"/>
@@ -943,7 +954,7 @@
           <a:p>
             <a:pPr lvl="0"/>
             <a:r>
-              <a:rPr lang="es-ES" smtClean="0"/>
+              <a:rPr lang="es-ES"/>
               <a:t>Editar el estilo de texto del patrón</a:t>
             </a:r>
           </a:p>
@@ -1010,7 +1021,7 @@
           <a:p>
             <a:pPr lvl="0"/>
             <a:r>
-              <a:rPr lang="es-ES" smtClean="0"/>
+              <a:rPr lang="es-ES"/>
               <a:t>Editar el estilo de texto del patrón</a:t>
             </a:r>
           </a:p>
@@ -1033,7 +1044,7 @@
           <a:p>
             <a:fld id="{3817F6F1-6B00-4783-8D4D-89C642407FEC}" type="datetimeFigureOut">
               <a:rPr lang="es-ES" smtClean="0"/>
-              <a:t>12/12/2019</a:t>
+              <a:t>15/12/2019</a:t>
             </a:fld>
             <a:endParaRPr lang="es-ES"/>
           </a:p>
@@ -1224,7 +1235,7 @@
           </a:lstStyle>
           <a:p>
             <a:r>
-              <a:rPr lang="es-ES" smtClean="0"/>
+              <a:rPr lang="es-ES"/>
               <a:t>Haga clic para modificar el estilo de título del patrón</a:t>
             </a:r>
             <a:endParaRPr lang="en-US" dirty="0"/>
@@ -1342,7 +1353,7 @@
           <a:p>
             <a:pPr lvl="0"/>
             <a:r>
-              <a:rPr lang="es-ES" smtClean="0"/>
+              <a:rPr lang="es-ES"/>
               <a:t>Editar el estilo de texto del patrón</a:t>
             </a:r>
           </a:p>
@@ -1365,7 +1376,7 @@
           <a:p>
             <a:fld id="{3817F6F1-6B00-4783-8D4D-89C642407FEC}" type="datetimeFigureOut">
               <a:rPr lang="es-ES" smtClean="0"/>
-              <a:t>12/12/2019</a:t>
+              <a:t>15/12/2019</a:t>
             </a:fld>
             <a:endParaRPr lang="es-ES"/>
           </a:p>
@@ -1463,7 +1474,7 @@
           </a:lstStyle>
           <a:p>
             <a:r>
-              <a:rPr lang="es-ES" smtClean="0"/>
+              <a:rPr lang="es-ES"/>
               <a:t>Haga clic para modificar el estilo de título del patrón</a:t>
             </a:r>
             <a:endParaRPr lang="en-US" dirty="0"/>
@@ -1535,7 +1546,7 @@
           <a:p>
             <a:pPr lvl="0"/>
             <a:r>
-              <a:rPr lang="es-ES" smtClean="0"/>
+              <a:rPr lang="es-ES"/>
               <a:t>Editar el estilo de texto del patrón</a:t>
             </a:r>
           </a:p>
@@ -1602,7 +1613,7 @@
           <a:p>
             <a:pPr lvl="0"/>
             <a:r>
-              <a:rPr lang="es-ES" smtClean="0"/>
+              <a:rPr lang="es-ES"/>
               <a:t>Editar el estilo de texto del patrón</a:t>
             </a:r>
           </a:p>
@@ -1673,7 +1684,7 @@
           <a:p>
             <a:pPr lvl="0"/>
             <a:r>
-              <a:rPr lang="es-ES" smtClean="0"/>
+              <a:rPr lang="es-ES"/>
               <a:t>Editar el estilo de texto del patrón</a:t>
             </a:r>
           </a:p>
@@ -1740,7 +1751,7 @@
           <a:p>
             <a:pPr lvl="0"/>
             <a:r>
-              <a:rPr lang="es-ES" smtClean="0"/>
+              <a:rPr lang="es-ES"/>
               <a:t>Editar el estilo de texto del patrón</a:t>
             </a:r>
           </a:p>
@@ -1811,7 +1822,7 @@
           <a:p>
             <a:pPr lvl="0"/>
             <a:r>
-              <a:rPr lang="es-ES" smtClean="0"/>
+              <a:rPr lang="es-ES"/>
               <a:t>Editar el estilo de texto del patrón</a:t>
             </a:r>
           </a:p>
@@ -1878,7 +1889,7 @@
           <a:p>
             <a:pPr lvl="0"/>
             <a:r>
-              <a:rPr lang="es-ES" smtClean="0"/>
+              <a:rPr lang="es-ES"/>
               <a:t>Editar el estilo de texto del patrón</a:t>
             </a:r>
           </a:p>
@@ -1975,7 +1986,7 @@
           <a:p>
             <a:fld id="{3817F6F1-6B00-4783-8D4D-89C642407FEC}" type="datetimeFigureOut">
               <a:rPr lang="es-ES" smtClean="0"/>
-              <a:t>12/12/2019</a:t>
+              <a:t>15/12/2019</a:t>
             </a:fld>
             <a:endParaRPr lang="es-ES"/>
           </a:p>
@@ -2073,7 +2084,7 @@
           </a:lstStyle>
           <a:p>
             <a:r>
-              <a:rPr lang="es-ES" smtClean="0"/>
+              <a:rPr lang="es-ES"/>
               <a:t>Haga clic para modificar el estilo de título del patrón</a:t>
             </a:r>
             <a:endParaRPr lang="en-US" dirty="0"/>
@@ -2145,7 +2156,7 @@
           <a:p>
             <a:pPr lvl="0"/>
             <a:r>
-              <a:rPr lang="es-ES" smtClean="0"/>
+              <a:rPr lang="es-ES"/>
               <a:t>Editar el estilo de texto del patrón</a:t>
             </a:r>
           </a:p>
@@ -2223,7 +2234,7 @@
           </a:lstStyle>
           <a:p>
             <a:r>
-              <a:rPr lang="es-ES" smtClean="0"/>
+              <a:rPr lang="es-ES"/>
               <a:t>Haga clic en el icono para agregar una imagen</a:t>
             </a:r>
             <a:endParaRPr lang="en-US" dirty="0"/>
@@ -2291,7 +2302,7 @@
           <a:p>
             <a:pPr lvl="0"/>
             <a:r>
-              <a:rPr lang="es-ES" smtClean="0"/>
+              <a:rPr lang="es-ES"/>
               <a:t>Editar el estilo de texto del patrón</a:t>
             </a:r>
           </a:p>
@@ -2362,7 +2373,7 @@
           <a:p>
             <a:pPr lvl="0"/>
             <a:r>
-              <a:rPr lang="es-ES" smtClean="0"/>
+              <a:rPr lang="es-ES"/>
               <a:t>Editar el estilo de texto del patrón</a:t>
             </a:r>
           </a:p>
@@ -2440,7 +2451,7 @@
           </a:lstStyle>
           <a:p>
             <a:r>
-              <a:rPr lang="es-ES" smtClean="0"/>
+              <a:rPr lang="es-ES"/>
               <a:t>Haga clic en el icono para agregar una imagen</a:t>
             </a:r>
             <a:endParaRPr lang="en-US" dirty="0"/>
@@ -2508,7 +2519,7 @@
           <a:p>
             <a:pPr lvl="0"/>
             <a:r>
-              <a:rPr lang="es-ES" smtClean="0"/>
+              <a:rPr lang="es-ES"/>
               <a:t>Editar el estilo de texto del patrón</a:t>
             </a:r>
           </a:p>
@@ -2579,7 +2590,7 @@
           <a:p>
             <a:pPr lvl="0"/>
             <a:r>
-              <a:rPr lang="es-ES" smtClean="0"/>
+              <a:rPr lang="es-ES"/>
               <a:t>Editar el estilo de texto del patrón</a:t>
             </a:r>
           </a:p>
@@ -2657,7 +2668,7 @@
           </a:lstStyle>
           <a:p>
             <a:r>
-              <a:rPr lang="es-ES" smtClean="0"/>
+              <a:rPr lang="es-ES"/>
               <a:t>Haga clic en el icono para agregar una imagen</a:t>
             </a:r>
             <a:endParaRPr lang="en-US" dirty="0"/>
@@ -2725,7 +2736,7 @@
           <a:p>
             <a:pPr lvl="0"/>
             <a:r>
-              <a:rPr lang="es-ES" smtClean="0"/>
+              <a:rPr lang="es-ES"/>
               <a:t>Editar el estilo de texto del patrón</a:t>
             </a:r>
           </a:p>
@@ -2822,7 +2833,7 @@
           <a:p>
             <a:fld id="{3817F6F1-6B00-4783-8D4D-89C642407FEC}" type="datetimeFigureOut">
               <a:rPr lang="es-ES" smtClean="0"/>
-              <a:t>12/12/2019</a:t>
+              <a:t>15/12/2019</a:t>
             </a:fld>
             <a:endParaRPr lang="es-ES"/>
           </a:p>
@@ -2916,7 +2927,7 @@
           <a:lstStyle/>
           <a:p>
             <a:r>
-              <a:rPr lang="es-ES" smtClean="0"/>
+              <a:rPr lang="es-ES"/>
               <a:t>Haga clic para modificar el estilo de título del patrón</a:t>
             </a:r>
             <a:endParaRPr lang="en-US" dirty="0"/>
@@ -2940,35 +2951,35 @@
           <a:p>
             <a:pPr lvl="0"/>
             <a:r>
-              <a:rPr lang="es-ES" smtClean="0"/>
+              <a:rPr lang="es-ES"/>
               <a:t>Editar el estilo de texto del patrón</a:t>
             </a:r>
           </a:p>
           <a:p>
             <a:pPr lvl="1"/>
             <a:r>
-              <a:rPr lang="es-ES" smtClean="0"/>
+              <a:rPr lang="es-ES"/>
               <a:t>Segundo nivel</a:t>
             </a:r>
           </a:p>
           <a:p>
             <a:pPr lvl="2"/>
             <a:r>
-              <a:rPr lang="es-ES" smtClean="0"/>
+              <a:rPr lang="es-ES"/>
               <a:t>Tercer nivel</a:t>
             </a:r>
           </a:p>
           <a:p>
             <a:pPr lvl="3"/>
             <a:r>
-              <a:rPr lang="es-ES" smtClean="0"/>
+              <a:rPr lang="es-ES"/>
               <a:t>Cuarto nivel</a:t>
             </a:r>
           </a:p>
           <a:p>
             <a:pPr lvl="4"/>
             <a:r>
-              <a:rPr lang="es-ES" smtClean="0"/>
+              <a:rPr lang="es-ES"/>
               <a:t>Quinto nivel</a:t>
             </a:r>
             <a:endParaRPr lang="en-US" dirty="0"/>
@@ -2992,7 +3003,7 @@
           <a:p>
             <a:fld id="{3817F6F1-6B00-4783-8D4D-89C642407FEC}" type="datetimeFigureOut">
               <a:rPr lang="es-ES" smtClean="0"/>
-              <a:t>12/12/2019</a:t>
+              <a:t>15/12/2019</a:t>
             </a:fld>
             <a:endParaRPr lang="es-ES"/>
           </a:p>
@@ -3091,7 +3102,7 @@
           <a:lstStyle/>
           <a:p>
             <a:r>
-              <a:rPr lang="es-ES" smtClean="0"/>
+              <a:rPr lang="es-ES"/>
               <a:t>Haga clic para modificar el estilo de título del patrón</a:t>
             </a:r>
             <a:endParaRPr lang="en-US" dirty="0"/>
@@ -3120,35 +3131,35 @@
           <a:p>
             <a:pPr lvl="0"/>
             <a:r>
-              <a:rPr lang="es-ES" smtClean="0"/>
+              <a:rPr lang="es-ES"/>
               <a:t>Editar el estilo de texto del patrón</a:t>
             </a:r>
           </a:p>
           <a:p>
             <a:pPr lvl="1"/>
             <a:r>
-              <a:rPr lang="es-ES" smtClean="0"/>
+              <a:rPr lang="es-ES"/>
               <a:t>Segundo nivel</a:t>
             </a:r>
           </a:p>
           <a:p>
             <a:pPr lvl="2"/>
             <a:r>
-              <a:rPr lang="es-ES" smtClean="0"/>
+              <a:rPr lang="es-ES"/>
               <a:t>Tercer nivel</a:t>
             </a:r>
           </a:p>
           <a:p>
             <a:pPr lvl="3"/>
             <a:r>
-              <a:rPr lang="es-ES" smtClean="0"/>
+              <a:rPr lang="es-ES"/>
               <a:t>Cuarto nivel</a:t>
             </a:r>
           </a:p>
           <a:p>
             <a:pPr lvl="4"/>
             <a:r>
-              <a:rPr lang="es-ES" smtClean="0"/>
+              <a:rPr lang="es-ES"/>
               <a:t>Quinto nivel</a:t>
             </a:r>
             <a:endParaRPr lang="en-US" dirty="0"/>
@@ -3172,7 +3183,7 @@
           <a:p>
             <a:fld id="{3817F6F1-6B00-4783-8D4D-89C642407FEC}" type="datetimeFigureOut">
               <a:rPr lang="es-ES" smtClean="0"/>
-              <a:t>12/12/2019</a:t>
+              <a:t>15/12/2019</a:t>
             </a:fld>
             <a:endParaRPr lang="es-ES"/>
           </a:p>
@@ -3266,7 +3277,7 @@
           <a:lstStyle/>
           <a:p>
             <a:r>
-              <a:rPr lang="es-ES" smtClean="0"/>
+              <a:rPr lang="es-ES"/>
               <a:t>Haga clic para modificar el estilo de título del patrón</a:t>
             </a:r>
             <a:endParaRPr lang="en-US" dirty="0"/>
@@ -3290,35 +3301,35 @@
           <a:p>
             <a:pPr lvl="0"/>
             <a:r>
-              <a:rPr lang="es-ES" smtClean="0"/>
+              <a:rPr lang="es-ES"/>
               <a:t>Editar el estilo de texto del patrón</a:t>
             </a:r>
           </a:p>
           <a:p>
             <a:pPr lvl="1"/>
             <a:r>
-              <a:rPr lang="es-ES" smtClean="0"/>
+              <a:rPr lang="es-ES"/>
               <a:t>Segundo nivel</a:t>
             </a:r>
           </a:p>
           <a:p>
             <a:pPr lvl="2"/>
             <a:r>
-              <a:rPr lang="es-ES" smtClean="0"/>
+              <a:rPr lang="es-ES"/>
               <a:t>Tercer nivel</a:t>
             </a:r>
           </a:p>
           <a:p>
             <a:pPr lvl="3"/>
             <a:r>
-              <a:rPr lang="es-ES" smtClean="0"/>
+              <a:rPr lang="es-ES"/>
               <a:t>Cuarto nivel</a:t>
             </a:r>
           </a:p>
           <a:p>
             <a:pPr lvl="4"/>
             <a:r>
-              <a:rPr lang="es-ES" smtClean="0"/>
+              <a:rPr lang="es-ES"/>
               <a:t>Quinto nivel</a:t>
             </a:r>
             <a:endParaRPr lang="en-US" dirty="0"/>
@@ -3342,7 +3353,7 @@
           <a:p>
             <a:fld id="{3817F6F1-6B00-4783-8D4D-89C642407FEC}" type="datetimeFigureOut">
               <a:rPr lang="es-ES" smtClean="0"/>
-              <a:t>12/12/2019</a:t>
+              <a:t>15/12/2019</a:t>
             </a:fld>
             <a:endParaRPr lang="es-ES"/>
           </a:p>
@@ -3445,7 +3456,7 @@
           </a:lstStyle>
           <a:p>
             <a:r>
-              <a:rPr lang="es-ES" smtClean="0"/>
+              <a:rPr lang="es-ES"/>
               <a:t>Haga clic para modificar el estilo de título del patrón</a:t>
             </a:r>
             <a:endParaRPr lang="en-US" dirty="0"/>
@@ -3563,7 +3574,7 @@
           <a:p>
             <a:pPr lvl="0"/>
             <a:r>
-              <a:rPr lang="es-ES" smtClean="0"/>
+              <a:rPr lang="es-ES"/>
               <a:t>Editar el estilo de texto del patrón</a:t>
             </a:r>
           </a:p>
@@ -3586,7 +3597,7 @@
           <a:p>
             <a:fld id="{3817F6F1-6B00-4783-8D4D-89C642407FEC}" type="datetimeFigureOut">
               <a:rPr lang="es-ES" smtClean="0"/>
-              <a:t>12/12/2019</a:t>
+              <a:t>15/12/2019</a:t>
             </a:fld>
             <a:endParaRPr lang="es-ES"/>
           </a:p>
@@ -3680,7 +3691,7 @@
           <a:lstStyle/>
           <a:p>
             <a:r>
-              <a:rPr lang="es-ES" smtClean="0"/>
+              <a:rPr lang="es-ES"/>
               <a:t>Haga clic para modificar el estilo de título del patrón</a:t>
             </a:r>
             <a:endParaRPr lang="en-US" dirty="0"/>
@@ -3739,35 +3750,35 @@
           <a:p>
             <a:pPr lvl="0"/>
             <a:r>
-              <a:rPr lang="es-ES" smtClean="0"/>
+              <a:rPr lang="es-ES"/>
               <a:t>Editar el estilo de texto del patrón</a:t>
             </a:r>
           </a:p>
           <a:p>
             <a:pPr lvl="1"/>
             <a:r>
-              <a:rPr lang="es-ES" smtClean="0"/>
+              <a:rPr lang="es-ES"/>
               <a:t>Segundo nivel</a:t>
             </a:r>
           </a:p>
           <a:p>
             <a:pPr lvl="2"/>
             <a:r>
-              <a:rPr lang="es-ES" smtClean="0"/>
+              <a:rPr lang="es-ES"/>
               <a:t>Tercer nivel</a:t>
             </a:r>
           </a:p>
           <a:p>
             <a:pPr lvl="3"/>
             <a:r>
-              <a:rPr lang="es-ES" smtClean="0"/>
+              <a:rPr lang="es-ES"/>
               <a:t>Cuarto nivel</a:t>
             </a:r>
           </a:p>
           <a:p>
             <a:pPr lvl="4"/>
             <a:r>
-              <a:rPr lang="es-ES" smtClean="0"/>
+              <a:rPr lang="es-ES"/>
               <a:t>Quinto nivel</a:t>
             </a:r>
             <a:endParaRPr lang="en-US" dirty="0"/>
@@ -3826,35 +3837,35 @@
           <a:p>
             <a:pPr lvl="0"/>
             <a:r>
-              <a:rPr lang="es-ES" smtClean="0"/>
+              <a:rPr lang="es-ES"/>
               <a:t>Editar el estilo de texto del patrón</a:t>
             </a:r>
           </a:p>
           <a:p>
             <a:pPr lvl="1"/>
             <a:r>
-              <a:rPr lang="es-ES" smtClean="0"/>
+              <a:rPr lang="es-ES"/>
               <a:t>Segundo nivel</a:t>
             </a:r>
           </a:p>
           <a:p>
             <a:pPr lvl="2"/>
             <a:r>
-              <a:rPr lang="es-ES" smtClean="0"/>
+              <a:rPr lang="es-ES"/>
               <a:t>Tercer nivel</a:t>
             </a:r>
           </a:p>
           <a:p>
             <a:pPr lvl="3"/>
             <a:r>
-              <a:rPr lang="es-ES" smtClean="0"/>
+              <a:rPr lang="es-ES"/>
               <a:t>Cuarto nivel</a:t>
             </a:r>
           </a:p>
           <a:p>
             <a:pPr lvl="4"/>
             <a:r>
-              <a:rPr lang="es-ES" smtClean="0"/>
+              <a:rPr lang="es-ES"/>
               <a:t>Quinto nivel</a:t>
             </a:r>
             <a:endParaRPr lang="en-US" dirty="0"/>
@@ -3878,7 +3889,7 @@
           <a:p>
             <a:fld id="{3817F6F1-6B00-4783-8D4D-89C642407FEC}" type="datetimeFigureOut">
               <a:rPr lang="es-ES" smtClean="0"/>
-              <a:t>12/12/2019</a:t>
+              <a:t>15/12/2019</a:t>
             </a:fld>
             <a:endParaRPr lang="es-ES"/>
           </a:p>
@@ -3976,7 +3987,7 @@
           </a:lstStyle>
           <a:p>
             <a:r>
-              <a:rPr lang="es-ES" smtClean="0"/>
+              <a:rPr lang="es-ES"/>
               <a:t>Haga clic para modificar el estilo de título del patrón</a:t>
             </a:r>
             <a:endParaRPr lang="en-US" dirty="0"/>
@@ -4048,7 +4059,7 @@
           <a:p>
             <a:pPr lvl="0"/>
             <a:r>
-              <a:rPr lang="es-ES" smtClean="0"/>
+              <a:rPr lang="es-ES"/>
               <a:t>Editar el estilo de texto del patrón</a:t>
             </a:r>
           </a:p>
@@ -4106,35 +4117,35 @@
           <a:p>
             <a:pPr lvl="0"/>
             <a:r>
-              <a:rPr lang="es-ES" smtClean="0"/>
+              <a:rPr lang="es-ES"/>
               <a:t>Editar el estilo de texto del patrón</a:t>
             </a:r>
           </a:p>
           <a:p>
             <a:pPr lvl="1"/>
             <a:r>
-              <a:rPr lang="es-ES" smtClean="0"/>
+              <a:rPr lang="es-ES"/>
               <a:t>Segundo nivel</a:t>
             </a:r>
           </a:p>
           <a:p>
             <a:pPr lvl="2"/>
             <a:r>
-              <a:rPr lang="es-ES" smtClean="0"/>
+              <a:rPr lang="es-ES"/>
               <a:t>Tercer nivel</a:t>
             </a:r>
           </a:p>
           <a:p>
             <a:pPr lvl="3"/>
             <a:r>
-              <a:rPr lang="es-ES" smtClean="0"/>
+              <a:rPr lang="es-ES"/>
               <a:t>Cuarto nivel</a:t>
             </a:r>
           </a:p>
           <a:p>
             <a:pPr lvl="4"/>
             <a:r>
-              <a:rPr lang="es-ES" smtClean="0"/>
+              <a:rPr lang="es-ES"/>
               <a:t>Quinto nivel</a:t>
             </a:r>
             <a:endParaRPr lang="en-US" dirty="0"/>
@@ -4206,7 +4217,7 @@
           <a:p>
             <a:pPr lvl="0"/>
             <a:r>
-              <a:rPr lang="es-ES" smtClean="0"/>
+              <a:rPr lang="es-ES"/>
               <a:t>Editar el estilo de texto del patrón</a:t>
             </a:r>
           </a:p>
@@ -4264,35 +4275,35 @@
           <a:p>
             <a:pPr lvl="0"/>
             <a:r>
-              <a:rPr lang="es-ES" smtClean="0"/>
+              <a:rPr lang="es-ES"/>
               <a:t>Editar el estilo de texto del patrón</a:t>
             </a:r>
           </a:p>
           <a:p>
             <a:pPr lvl="1"/>
             <a:r>
-              <a:rPr lang="es-ES" smtClean="0"/>
+              <a:rPr lang="es-ES"/>
               <a:t>Segundo nivel</a:t>
             </a:r>
           </a:p>
           <a:p>
             <a:pPr lvl="2"/>
             <a:r>
-              <a:rPr lang="es-ES" smtClean="0"/>
+              <a:rPr lang="es-ES"/>
               <a:t>Tercer nivel</a:t>
             </a:r>
           </a:p>
           <a:p>
             <a:pPr lvl="3"/>
             <a:r>
-              <a:rPr lang="es-ES" smtClean="0"/>
+              <a:rPr lang="es-ES"/>
               <a:t>Cuarto nivel</a:t>
             </a:r>
           </a:p>
           <a:p>
             <a:pPr lvl="4"/>
             <a:r>
-              <a:rPr lang="es-ES" smtClean="0"/>
+              <a:rPr lang="es-ES"/>
               <a:t>Quinto nivel</a:t>
             </a:r>
             <a:endParaRPr lang="en-US" dirty="0"/>
@@ -4316,7 +4327,7 @@
           <a:p>
             <a:fld id="{3817F6F1-6B00-4783-8D4D-89C642407FEC}" type="datetimeFigureOut">
               <a:rPr lang="es-ES" smtClean="0"/>
-              <a:t>12/12/2019</a:t>
+              <a:t>15/12/2019</a:t>
             </a:fld>
             <a:endParaRPr lang="es-ES"/>
           </a:p>
@@ -4410,7 +4421,7 @@
           <a:lstStyle/>
           <a:p>
             <a:r>
-              <a:rPr lang="es-ES" smtClean="0"/>
+              <a:rPr lang="es-ES"/>
               <a:t>Haga clic para modificar el estilo de título del patrón</a:t>
             </a:r>
             <a:endParaRPr lang="en-US" dirty="0"/>
@@ -4434,7 +4445,7 @@
           <a:p>
             <a:fld id="{3817F6F1-6B00-4783-8D4D-89C642407FEC}" type="datetimeFigureOut">
               <a:rPr lang="es-ES" smtClean="0"/>
-              <a:t>12/12/2019</a:t>
+              <a:t>15/12/2019</a:t>
             </a:fld>
             <a:endParaRPr lang="es-ES"/>
           </a:p>
@@ -4529,7 +4540,7 @@
           <a:p>
             <a:fld id="{3817F6F1-6B00-4783-8D4D-89C642407FEC}" type="datetimeFigureOut">
               <a:rPr lang="es-ES" smtClean="0"/>
-              <a:t>12/12/2019</a:t>
+              <a:t>15/12/2019</a:t>
             </a:fld>
             <a:endParaRPr lang="es-ES"/>
           </a:p>
@@ -4632,7 +4643,7 @@
           </a:lstStyle>
           <a:p>
             <a:r>
-              <a:rPr lang="es-ES" smtClean="0"/>
+              <a:rPr lang="es-ES"/>
               <a:t>Haga clic para modificar el estilo de título del patrón</a:t>
             </a:r>
             <a:endParaRPr lang="en-US" dirty="0"/>
@@ -4691,35 +4702,35 @@
           <a:p>
             <a:pPr lvl="0"/>
             <a:r>
-              <a:rPr lang="es-ES" smtClean="0"/>
+              <a:rPr lang="es-ES"/>
               <a:t>Editar el estilo de texto del patrón</a:t>
             </a:r>
           </a:p>
           <a:p>
             <a:pPr lvl="1"/>
             <a:r>
-              <a:rPr lang="es-ES" smtClean="0"/>
+              <a:rPr lang="es-ES"/>
               <a:t>Segundo nivel</a:t>
             </a:r>
           </a:p>
           <a:p>
             <a:pPr lvl="2"/>
             <a:r>
-              <a:rPr lang="es-ES" smtClean="0"/>
+              <a:rPr lang="es-ES"/>
               <a:t>Tercer nivel</a:t>
             </a:r>
           </a:p>
           <a:p>
             <a:pPr lvl="3"/>
             <a:r>
-              <a:rPr lang="es-ES" smtClean="0"/>
+              <a:rPr lang="es-ES"/>
               <a:t>Cuarto nivel</a:t>
             </a:r>
           </a:p>
           <a:p>
             <a:pPr lvl="4"/>
             <a:r>
-              <a:rPr lang="es-ES" smtClean="0"/>
+              <a:rPr lang="es-ES"/>
               <a:t>Quinto nivel</a:t>
             </a:r>
             <a:endParaRPr lang="en-US" dirty="0"/>
@@ -4785,7 +4796,7 @@
           <a:p>
             <a:pPr lvl="0"/>
             <a:r>
-              <a:rPr lang="es-ES" smtClean="0"/>
+              <a:rPr lang="es-ES"/>
               <a:t>Editar el estilo de texto del patrón</a:t>
             </a:r>
           </a:p>
@@ -4808,7 +4819,7 @@
           <a:p>
             <a:fld id="{3817F6F1-6B00-4783-8D4D-89C642407FEC}" type="datetimeFigureOut">
               <a:rPr lang="es-ES" smtClean="0"/>
-              <a:t>12/12/2019</a:t>
+              <a:t>15/12/2019</a:t>
             </a:fld>
             <a:endParaRPr lang="es-ES"/>
           </a:p>
@@ -4913,7 +4924,7 @@
           </a:lstStyle>
           <a:p>
             <a:r>
-              <a:rPr lang="es-ES" smtClean="0"/>
+              <a:rPr lang="es-ES"/>
               <a:t>Haga clic para modificar el estilo de título del patrón</a:t>
             </a:r>
             <a:endParaRPr lang="en-US" dirty="0"/>
@@ -4992,7 +5003,7 @@
           </a:lstStyle>
           <a:p>
             <a:r>
-              <a:rPr lang="es-ES" smtClean="0"/>
+              <a:rPr lang="es-ES"/>
               <a:t>Haga clic en el icono para agregar una imagen</a:t>
             </a:r>
             <a:endParaRPr lang="en-US" dirty="0"/>
@@ -5060,7 +5071,7 @@
           <a:p>
             <a:pPr lvl="0"/>
             <a:r>
-              <a:rPr lang="es-ES" smtClean="0"/>
+              <a:rPr lang="es-ES"/>
               <a:t>Editar el estilo de texto del patrón</a:t>
             </a:r>
           </a:p>
@@ -5083,7 +5094,7 @@
           <a:p>
             <a:fld id="{3817F6F1-6B00-4783-8D4D-89C642407FEC}" type="datetimeFigureOut">
               <a:rPr lang="es-ES" smtClean="0"/>
-              <a:t>12/12/2019</a:t>
+              <a:t>15/12/2019</a:t>
             </a:fld>
             <a:endParaRPr lang="es-ES"/>
           </a:p>
@@ -5407,7 +5418,7 @@
           <a:lstStyle/>
           <a:p>
             <a:r>
-              <a:rPr lang="es-ES" smtClean="0"/>
+              <a:rPr lang="es-ES"/>
               <a:t>Haga clic para modificar el estilo de título del patrón</a:t>
             </a:r>
             <a:endParaRPr lang="en-US" dirty="0"/>
@@ -5441,35 +5452,35 @@
           <a:p>
             <a:pPr lvl="0"/>
             <a:r>
-              <a:rPr lang="es-ES" smtClean="0"/>
+              <a:rPr lang="es-ES"/>
               <a:t>Editar el estilo de texto del patrón</a:t>
             </a:r>
           </a:p>
           <a:p>
             <a:pPr lvl="1"/>
             <a:r>
-              <a:rPr lang="es-ES" smtClean="0"/>
+              <a:rPr lang="es-ES"/>
               <a:t>Segundo nivel</a:t>
             </a:r>
           </a:p>
           <a:p>
             <a:pPr lvl="2"/>
             <a:r>
-              <a:rPr lang="es-ES" smtClean="0"/>
+              <a:rPr lang="es-ES"/>
               <a:t>Tercer nivel</a:t>
             </a:r>
           </a:p>
           <a:p>
             <a:pPr lvl="3"/>
             <a:r>
-              <a:rPr lang="es-ES" smtClean="0"/>
+              <a:rPr lang="es-ES"/>
               <a:t>Cuarto nivel</a:t>
             </a:r>
           </a:p>
           <a:p>
             <a:pPr lvl="4"/>
             <a:r>
-              <a:rPr lang="es-ES" smtClean="0"/>
+              <a:rPr lang="es-ES"/>
               <a:t>Quinto nivel</a:t>
             </a:r>
             <a:endParaRPr lang="en-US" dirty="0"/>
@@ -5512,7 +5523,7 @@
           <a:p>
             <a:fld id="{3817F6F1-6B00-4783-8D4D-89C642407FEC}" type="datetimeFigureOut">
               <a:rPr lang="es-ES" smtClean="0"/>
-              <a:t>12/12/2019</a:t>
+              <a:t>15/12/2019</a:t>
             </a:fld>
             <a:endParaRPr lang="es-ES"/>
           </a:p>
@@ -6034,7 +6045,7 @@
           <a:lstStyle/>
           <a:p>
             <a:r>
-              <a:rPr lang="es-ES" b="1" dirty="0" smtClean="0">
+              <a:rPr lang="es-ES" b="1" dirty="0">
                 <a:ln w="13462">
                   <a:solidFill>
                     <a:schemeClr val="bg1"/>
@@ -6056,7 +6067,7 @@
               <a:t>Grupo 8</a:t>
             </a:r>
             <a:br>
-              <a:rPr lang="es-ES" b="1" dirty="0" smtClean="0">
+              <a:rPr lang="es-ES" b="1" dirty="0">
                 <a:ln w="13462">
                   <a:solidFill>
                     <a:schemeClr val="bg1"/>
@@ -6077,7 +6088,7 @@
               </a:rPr>
             </a:br>
             <a:r>
-              <a:rPr lang="es-ES" b="1" dirty="0" smtClean="0">
+              <a:rPr lang="es-ES" b="1" dirty="0">
                 <a:ln w="13462">
                   <a:solidFill>
                     <a:schemeClr val="bg1"/>
@@ -6098,25 +6109,6 @@
               </a:rPr>
               <a:t>Práctica 3 - IDI</a:t>
             </a:r>
-            <a:endParaRPr lang="es-ES" b="1" dirty="0">
-              <a:ln w="13462">
-                <a:solidFill>
-                  <a:schemeClr val="bg1"/>
-                </a:solidFill>
-                <a:prstDash val="solid"/>
-              </a:ln>
-              <a:solidFill>
-                <a:schemeClr val="tx1">
-                  <a:lumMod val="85000"/>
-                  <a:lumOff val="15000"/>
-                </a:schemeClr>
-              </a:solidFill>
-              <a:effectLst>
-                <a:outerShdw dist="38100" dir="2700000" algn="bl" rotWithShape="0">
-                  <a:schemeClr val="accent5"/>
-                </a:outerShdw>
-              </a:effectLst>
-            </a:endParaRPr>
           </a:p>
         </p:txBody>
       </p:sp>
@@ -6141,16 +6133,15 @@
           <a:lstStyle/>
           <a:p>
             <a:r>
-              <a:rPr lang="es-ES" dirty="0" smtClean="0"/>
+              <a:rPr lang="es-ES" dirty="0"/>
               <a:t>Eudald Garrofé			bernat casañas		</a:t>
             </a:r>
           </a:p>
           <a:p>
             <a:r>
-              <a:rPr lang="es-ES" dirty="0" smtClean="0"/>
+              <a:rPr lang="es-ES" dirty="0"/>
               <a:t>Miquel suau				Jordi pardo</a:t>
             </a:r>
-            <a:endParaRPr lang="es-ES" dirty="0"/>
           </a:p>
         </p:txBody>
       </p:sp>
@@ -6158,6 +6149,4307 @@
     <p:extLst>
       <p:ext uri="{BB962C8B-B14F-4D97-AF65-F5344CB8AC3E}">
         <p14:creationId xmlns:p14="http://schemas.microsoft.com/office/powerpoint/2010/main" val="4244956691"/>
+      </p:ext>
+    </p:extLst>
+  </p:cSld>
+  <p:clrMapOvr>
+    <a:masterClrMapping/>
+  </p:clrMapOvr>
+</p:sld>
+</file>
+
+<file path=ppt/slides/slide10.xml><?xml version="1.0" encoding="utf-8"?>
+<p:sld xmlns:a="http://schemas.openxmlformats.org/drawingml/2006/main" xmlns:r="http://schemas.openxmlformats.org/officeDocument/2006/relationships" xmlns:p="http://schemas.openxmlformats.org/presentationml/2006/main">
+  <p:cSld>
+    <p:spTree>
+      <p:nvGrpSpPr>
+        <p:cNvPr id="1" name=""/>
+        <p:cNvGrpSpPr/>
+        <p:nvPr/>
+      </p:nvGrpSpPr>
+      <p:grpSpPr>
+        <a:xfrm>
+          <a:off x="0" y="0"/>
+          <a:ext cx="0" cy="0"/>
+          <a:chOff x="0" y="0"/>
+          <a:chExt cx="0" cy="0"/>
+        </a:xfrm>
+      </p:grpSpPr>
+      <p:sp>
+        <p:nvSpPr>
+          <p:cNvPr id="2" name="Título 1"/>
+          <p:cNvSpPr>
+            <a:spLocks noGrp="1"/>
+          </p:cNvSpPr>
+          <p:nvPr>
+            <p:ph type="title"/>
+          </p:nvPr>
+        </p:nvSpPr>
+        <p:spPr/>
+        <p:txBody>
+          <a:bodyPr/>
+          <a:lstStyle/>
+          <a:p>
+            <a:endParaRPr lang="es-ES"/>
+          </a:p>
+        </p:txBody>
+      </p:sp>
+      <p:graphicFrame>
+        <p:nvGraphicFramePr>
+          <p:cNvPr id="5" name="Marcador de contenido 4">
+            <a:extLst>
+              <a:ext uri="{FF2B5EF4-FFF2-40B4-BE49-F238E27FC236}">
+                <a16:creationId xmlns:a16="http://schemas.microsoft.com/office/drawing/2014/main" id="{E648CE0C-42AC-42B0-BCD3-112CCEB66D49}"/>
+              </a:ext>
+            </a:extLst>
+          </p:cNvPr>
+          <p:cNvGraphicFramePr>
+            <a:graphicFrameLocks noGrp="1"/>
+          </p:cNvGraphicFramePr>
+          <p:nvPr>
+            <p:ph idx="1"/>
+            <p:extLst>
+              <p:ext uri="{D42A27DB-BD31-4B8C-83A1-F6EECF244321}">
+                <p14:modId xmlns:p14="http://schemas.microsoft.com/office/powerpoint/2010/main" val="3810297460"/>
+              </p:ext>
+            </p:extLst>
+          </p:nvPr>
+        </p:nvGraphicFramePr>
+        <p:xfrm>
+          <a:off x="646111" y="2144916"/>
+          <a:ext cx="10330884" cy="4524328"/>
+        </p:xfrm>
+        <a:graphic>
+          <a:graphicData uri="http://schemas.openxmlformats.org/drawingml/2006/table">
+            <a:tbl>
+              <a:tblPr bandRow="1">
+                <a:tableStyleId>{5C22544A-7EE6-4342-B048-85BDC9FD1C3A}</a:tableStyleId>
+              </a:tblPr>
+              <a:tblGrid>
+                <a:gridCol w="5165442">
+                  <a:extLst>
+                    <a:ext uri="{9D8B030D-6E8A-4147-A177-3AD203B41FA5}">
+                      <a16:colId xmlns:a16="http://schemas.microsoft.com/office/drawing/2014/main" val="3194678076"/>
+                    </a:ext>
+                  </a:extLst>
+                </a:gridCol>
+                <a:gridCol w="5165442">
+                  <a:extLst>
+                    <a:ext uri="{9D8B030D-6E8A-4147-A177-3AD203B41FA5}">
+                      <a16:colId xmlns:a16="http://schemas.microsoft.com/office/drawing/2014/main" val="18425457"/>
+                    </a:ext>
+                  </a:extLst>
+                </a:gridCol>
+              </a:tblGrid>
+              <a:tr h="565541">
+                <a:tc>
+                  <a:txBody>
+                    <a:bodyPr/>
+                    <a:lstStyle/>
+                    <a:p>
+                      <a:r>
+                        <a:rPr lang="es-ES" sz="900" dirty="0"/>
+                        <a:t>En el jugador se </a:t>
+                      </a:r>
+                      <a:r>
+                        <a:rPr lang="es-ES" sz="900" dirty="0" err="1"/>
+                        <a:t>li</a:t>
+                      </a:r>
+                      <a:r>
+                        <a:rPr lang="es-ES" sz="900" dirty="0"/>
+                        <a:t> presenten </a:t>
+                      </a:r>
+                      <a:r>
+                        <a:rPr lang="es-ES" sz="900" dirty="0" err="1"/>
+                        <a:t>objectius</a:t>
+                      </a:r>
+                      <a:r>
+                        <a:rPr lang="es-ES" sz="900" dirty="0"/>
+                        <a:t> </a:t>
+                      </a:r>
+                      <a:r>
+                        <a:rPr lang="es-ES" sz="900" dirty="0" err="1"/>
+                        <a:t>clars</a:t>
+                      </a:r>
+                      <a:r>
+                        <a:rPr lang="es-ES" sz="900" dirty="0"/>
+                        <a:t>, </a:t>
+                      </a:r>
+                      <a:r>
+                        <a:rPr lang="es-ES" sz="900" dirty="0" err="1"/>
+                        <a:t>compta</a:t>
+                      </a:r>
+                      <a:r>
+                        <a:rPr lang="es-ES" sz="900" dirty="0"/>
+                        <a:t> </a:t>
+                      </a:r>
+                      <a:r>
+                        <a:rPr lang="es-ES" sz="900" dirty="0" err="1"/>
+                        <a:t>amb</a:t>
+                      </a:r>
+                      <a:r>
+                        <a:rPr lang="es-ES" sz="900" dirty="0"/>
+                        <a:t> el </a:t>
+                      </a:r>
+                      <a:r>
+                        <a:rPr lang="es-ES" sz="900" dirty="0" err="1"/>
+                        <a:t>temps</a:t>
+                      </a:r>
+                      <a:r>
+                        <a:rPr lang="es-ES" sz="900" dirty="0"/>
+                        <a:t> </a:t>
+                      </a:r>
+                      <a:r>
+                        <a:rPr lang="es-ES" sz="900" dirty="0" err="1"/>
+                        <a:t>suficient</a:t>
+                      </a:r>
+                      <a:r>
+                        <a:rPr lang="es-ES" sz="900" dirty="0"/>
+                        <a:t> per </a:t>
+                      </a:r>
+                      <a:r>
+                        <a:rPr lang="es-ES" sz="900" dirty="0" err="1"/>
+                        <a:t>comprendre’ls</a:t>
+                      </a:r>
+                      <a:r>
+                        <a:rPr lang="es-ES" sz="900" dirty="0"/>
+                        <a:t> i identificar-los. </a:t>
+                      </a:r>
+                    </a:p>
+                  </a:txBody>
+                  <a:tcPr/>
+                </a:tc>
+                <a:tc>
+                  <a:txBody>
+                    <a:bodyPr/>
+                    <a:lstStyle/>
+                    <a:p>
+                      <a:r>
+                        <a:rPr lang="es-ES" sz="900" dirty="0"/>
+                        <a:t>-</a:t>
+                      </a:r>
+                    </a:p>
+                  </a:txBody>
+                  <a:tcPr/>
+                </a:tc>
+                <a:extLst>
+                  <a:ext uri="{0D108BD9-81ED-4DB2-BD59-A6C34878D82A}">
+                    <a16:rowId xmlns:a16="http://schemas.microsoft.com/office/drawing/2014/main" val="1842852396"/>
+                  </a:ext>
+                </a:extLst>
+              </a:tr>
+              <a:tr h="565541">
+                <a:tc>
+                  <a:txBody>
+                    <a:bodyPr/>
+                    <a:lstStyle/>
+                    <a:p>
+                      <a:r>
+                        <a:rPr lang="es-ES" sz="900" dirty="0"/>
+                        <a:t>El jugador </a:t>
+                      </a:r>
+                      <a:r>
+                        <a:rPr lang="es-ES" sz="900" dirty="0" err="1"/>
+                        <a:t>rep</a:t>
+                      </a:r>
+                      <a:r>
+                        <a:rPr lang="es-ES" sz="900" dirty="0"/>
+                        <a:t> recompenses </a:t>
+                      </a:r>
+                      <a:r>
+                        <a:rPr lang="es-ES" sz="900" dirty="0" err="1"/>
+                        <a:t>significatives</a:t>
+                      </a:r>
+                      <a:r>
+                        <a:rPr lang="es-ES" sz="900" dirty="0"/>
+                        <a:t>.</a:t>
+                      </a:r>
+                    </a:p>
+                  </a:txBody>
+                  <a:tcPr/>
+                </a:tc>
+                <a:tc>
+                  <a:txBody>
+                    <a:bodyPr/>
+                    <a:lstStyle/>
+                    <a:p>
+                      <a:r>
+                        <a:rPr lang="es-ES" sz="900" dirty="0"/>
+                        <a:t>sistema de </a:t>
+                      </a:r>
+                      <a:r>
+                        <a:rPr lang="es-ES" sz="900" dirty="0" err="1"/>
+                        <a:t>punts</a:t>
+                      </a:r>
+                      <a:r>
+                        <a:rPr lang="es-ES" sz="900" dirty="0"/>
+                        <a:t> per nivel, </a:t>
+                      </a:r>
+                      <a:r>
+                        <a:rPr lang="es-ES" sz="900" dirty="0" err="1"/>
+                        <a:t>Power</a:t>
+                      </a:r>
+                      <a:r>
+                        <a:rPr lang="es-ES" sz="900" dirty="0"/>
+                        <a:t>-Up, </a:t>
+                      </a:r>
+                      <a:r>
+                        <a:rPr lang="es-ES" sz="900" dirty="0" err="1"/>
+                        <a:t>currency</a:t>
+                      </a:r>
+                      <a:endParaRPr lang="es-ES" sz="900" dirty="0"/>
+                    </a:p>
+                  </a:txBody>
+                  <a:tcPr/>
+                </a:tc>
+                <a:extLst>
+                  <a:ext uri="{0D108BD9-81ED-4DB2-BD59-A6C34878D82A}">
+                    <a16:rowId xmlns:a16="http://schemas.microsoft.com/office/drawing/2014/main" val="2615158322"/>
+                  </a:ext>
+                </a:extLst>
+              </a:tr>
+              <a:tr h="565541">
+                <a:tc>
+                  <a:txBody>
+                    <a:bodyPr/>
+                    <a:lstStyle/>
+                    <a:p>
+                      <a:r>
+                        <a:rPr lang="es-ES" sz="900" dirty="0"/>
+                        <a:t>El </a:t>
+                      </a:r>
+                      <a:r>
+                        <a:rPr lang="es-ES" sz="900" dirty="0" err="1"/>
+                        <a:t>joc</a:t>
+                      </a:r>
+                      <a:r>
+                        <a:rPr lang="es-ES" sz="900" dirty="0"/>
+                        <a:t> no </a:t>
+                      </a:r>
+                      <a:r>
+                        <a:rPr lang="es-ES" sz="900" dirty="0" err="1"/>
+                        <a:t>s’estanca</a:t>
+                      </a:r>
+                      <a:r>
+                        <a:rPr lang="es-ES" sz="900" dirty="0"/>
+                        <a:t> i el jugador </a:t>
+                      </a:r>
+                      <a:r>
+                        <a:rPr lang="es-ES" sz="900" dirty="0" err="1"/>
+                        <a:t>sent</a:t>
+                      </a:r>
+                      <a:r>
+                        <a:rPr lang="es-ES" sz="900" dirty="0"/>
+                        <a:t> el </a:t>
+                      </a:r>
+                      <a:r>
+                        <a:rPr lang="es-ES" sz="900" dirty="0" err="1"/>
+                        <a:t>progrés</a:t>
+                      </a:r>
+                      <a:r>
+                        <a:rPr lang="es-ES" sz="900" dirty="0"/>
+                        <a:t> </a:t>
+                      </a:r>
+                    </a:p>
+                  </a:txBody>
+                  <a:tcPr/>
+                </a:tc>
+                <a:tc>
+                  <a:txBody>
+                    <a:bodyPr/>
+                    <a:lstStyle/>
+                    <a:p>
+                      <a:r>
+                        <a:rPr lang="es-ES" sz="900" dirty="0"/>
+                        <a:t> Incrementar la </a:t>
+                      </a:r>
+                      <a:r>
+                        <a:rPr lang="es-ES" sz="900" dirty="0" err="1"/>
+                        <a:t>dificultat</a:t>
+                      </a:r>
+                      <a:r>
+                        <a:rPr lang="es-ES" sz="900" dirty="0"/>
+                        <a:t> , </a:t>
+                      </a:r>
+                      <a:r>
+                        <a:rPr lang="es-ES" sz="900" dirty="0" err="1"/>
+                        <a:t>més</a:t>
+                      </a:r>
+                      <a:r>
+                        <a:rPr lang="es-ES" sz="900" dirty="0"/>
+                        <a:t> </a:t>
+                      </a:r>
+                      <a:r>
+                        <a:rPr lang="es-ES" sz="900" dirty="0" err="1"/>
+                        <a:t>varietats</a:t>
+                      </a:r>
+                      <a:r>
+                        <a:rPr lang="es-ES" sz="900" dirty="0"/>
+                        <a:t> de nivel. </a:t>
+                      </a:r>
+                    </a:p>
+                    <a:p>
+                      <a:r>
+                        <a:rPr lang="es-ES" sz="900" dirty="0"/>
+                        <a:t> </a:t>
+                      </a:r>
+                    </a:p>
+                  </a:txBody>
+                  <a:tcPr/>
+                </a:tc>
+                <a:extLst>
+                  <a:ext uri="{0D108BD9-81ED-4DB2-BD59-A6C34878D82A}">
+                    <a16:rowId xmlns:a16="http://schemas.microsoft.com/office/drawing/2014/main" val="484621764"/>
+                  </a:ext>
+                </a:extLst>
+              </a:tr>
+              <a:tr h="565541">
+                <a:tc>
+                  <a:txBody>
+                    <a:bodyPr/>
+                    <a:lstStyle/>
+                    <a:p>
+                      <a:r>
+                        <a:rPr lang="es-ES" sz="900" dirty="0"/>
+                        <a:t>La </a:t>
+                      </a:r>
+                      <a:r>
+                        <a:rPr lang="es-ES" sz="900" dirty="0" err="1"/>
+                        <a:t>intel·ligència</a:t>
+                      </a:r>
+                      <a:r>
+                        <a:rPr lang="es-ES" sz="900" dirty="0"/>
+                        <a:t> artificial </a:t>
+                      </a:r>
+                      <a:r>
+                        <a:rPr lang="es-ES" sz="900" dirty="0" err="1"/>
+                        <a:t>és</a:t>
+                      </a:r>
+                      <a:r>
+                        <a:rPr lang="es-ES" sz="900" dirty="0"/>
+                        <a:t> </a:t>
+                      </a:r>
+                      <a:r>
+                        <a:rPr lang="es-ES" sz="900" dirty="0" err="1"/>
+                        <a:t>raonable</a:t>
+                      </a:r>
+                      <a:r>
+                        <a:rPr lang="es-ES" sz="900" dirty="0"/>
+                        <a:t> i visible per el jugador, </a:t>
+                      </a:r>
+                      <a:r>
+                        <a:rPr lang="es-ES" sz="900" dirty="0" err="1"/>
+                        <a:t>compleix</a:t>
+                      </a:r>
+                      <a:r>
+                        <a:rPr lang="es-ES" sz="900" dirty="0"/>
+                        <a:t> les </a:t>
+                      </a:r>
+                      <a:r>
+                        <a:rPr lang="es-ES" sz="900" dirty="0" err="1"/>
+                        <a:t>expectatives</a:t>
+                      </a:r>
+                      <a:r>
+                        <a:rPr lang="es-ES" sz="900" dirty="0"/>
+                        <a:t> del jugador </a:t>
+                      </a:r>
+                      <a:r>
+                        <a:rPr lang="es-ES" sz="900" dirty="0" err="1"/>
+                        <a:t>però</a:t>
+                      </a:r>
+                      <a:r>
+                        <a:rPr lang="es-ES" sz="900" dirty="0"/>
+                        <a:t> </a:t>
+                      </a:r>
+                      <a:r>
+                        <a:rPr lang="es-ES" sz="900" dirty="0" err="1"/>
+                        <a:t>tot</a:t>
+                      </a:r>
+                      <a:r>
+                        <a:rPr lang="es-ES" sz="900" dirty="0"/>
+                        <a:t> i </a:t>
+                      </a:r>
+                      <a:r>
+                        <a:rPr lang="es-ES" sz="900" dirty="0" err="1"/>
+                        <a:t>així</a:t>
+                      </a:r>
+                      <a:r>
+                        <a:rPr lang="es-ES" sz="900" dirty="0"/>
+                        <a:t> </a:t>
+                      </a:r>
+                      <a:r>
+                        <a:rPr lang="es-ES" sz="900" dirty="0" err="1"/>
+                        <a:t>és</a:t>
+                      </a:r>
+                      <a:r>
+                        <a:rPr lang="es-ES" sz="900" dirty="0"/>
+                        <a:t> imprevisible</a:t>
+                      </a:r>
+                    </a:p>
+                  </a:txBody>
+                  <a:tcPr/>
+                </a:tc>
+                <a:tc>
+                  <a:txBody>
+                    <a:bodyPr/>
+                    <a:lstStyle/>
+                    <a:p>
+                      <a:r>
+                        <a:rPr lang="es-ES" sz="900" dirty="0"/>
+                        <a:t> IA que </a:t>
+                      </a:r>
+                      <a:r>
+                        <a:rPr lang="es-ES" sz="900" dirty="0" err="1"/>
+                        <a:t>fos</a:t>
+                      </a:r>
+                      <a:r>
+                        <a:rPr lang="es-ES" sz="900" dirty="0"/>
+                        <a:t> </a:t>
+                      </a:r>
+                      <a:r>
+                        <a:rPr lang="es-ES" sz="900" dirty="0" err="1"/>
+                        <a:t>capaç</a:t>
+                      </a:r>
+                      <a:r>
+                        <a:rPr lang="es-ES" sz="900" dirty="0"/>
+                        <a:t> </a:t>
+                      </a:r>
+                      <a:r>
+                        <a:rPr lang="es-ES" sz="900" dirty="0" err="1"/>
+                        <a:t>d’entendre</a:t>
+                      </a:r>
+                      <a:r>
+                        <a:rPr lang="es-ES" sz="900" dirty="0"/>
+                        <a:t> la </a:t>
+                      </a:r>
+                      <a:r>
+                        <a:rPr lang="es-ES" sz="900" dirty="0" err="1"/>
+                        <a:t>teva</a:t>
+                      </a:r>
+                      <a:r>
+                        <a:rPr lang="es-ES" sz="900" dirty="0"/>
+                        <a:t> </a:t>
+                      </a:r>
+                      <a:r>
+                        <a:rPr lang="es-ES" sz="900" dirty="0" err="1"/>
+                        <a:t>posició</a:t>
+                      </a:r>
+                      <a:r>
+                        <a:rPr lang="es-ES" sz="900" dirty="0"/>
+                        <a:t> a cada momento, </a:t>
+                      </a:r>
+                      <a:r>
+                        <a:rPr lang="es-ES" sz="900" dirty="0" err="1"/>
+                        <a:t>enemics</a:t>
+                      </a:r>
+                      <a:r>
+                        <a:rPr lang="es-ES" sz="900" dirty="0"/>
+                        <a:t> es </a:t>
+                      </a:r>
+                      <a:r>
+                        <a:rPr lang="es-ES" sz="900" dirty="0" err="1"/>
+                        <a:t>puguin</a:t>
+                      </a:r>
+                      <a:r>
+                        <a:rPr lang="es-ES" sz="900" dirty="0"/>
+                        <a:t> amagar </a:t>
+                      </a:r>
+                    </a:p>
+                  </a:txBody>
+                  <a:tcPr/>
+                </a:tc>
+                <a:extLst>
+                  <a:ext uri="{0D108BD9-81ED-4DB2-BD59-A6C34878D82A}">
+                    <a16:rowId xmlns:a16="http://schemas.microsoft.com/office/drawing/2014/main" val="3404214485"/>
+                  </a:ext>
+                </a:extLst>
+              </a:tr>
+              <a:tr h="565541">
+                <a:tc>
+                  <a:txBody>
+                    <a:bodyPr/>
+                    <a:lstStyle/>
+                    <a:p>
+                      <a:r>
+                        <a:rPr lang="es-ES" sz="900" dirty="0"/>
+                        <a:t>Se </a:t>
+                      </a:r>
+                      <a:r>
+                        <a:rPr lang="es-ES" sz="900" dirty="0" err="1"/>
+                        <a:t>li</a:t>
+                      </a:r>
+                      <a:r>
+                        <a:rPr lang="es-ES" sz="900" dirty="0"/>
+                        <a:t> proporciona al jugador la </a:t>
+                      </a:r>
+                      <a:r>
+                        <a:rPr lang="es-ES" sz="900" dirty="0" err="1"/>
+                        <a:t>capacitat</a:t>
+                      </a:r>
+                      <a:r>
+                        <a:rPr lang="es-ES" sz="900" dirty="0"/>
+                        <a:t> de </a:t>
+                      </a:r>
+                      <a:r>
+                        <a:rPr lang="es-ES" sz="900" dirty="0" err="1"/>
+                        <a:t>cometre</a:t>
+                      </a:r>
+                      <a:r>
+                        <a:rPr lang="es-ES" sz="900" dirty="0"/>
+                        <a:t> </a:t>
+                      </a:r>
+                      <a:r>
+                        <a:rPr lang="es-ES" sz="900" dirty="0" err="1"/>
+                        <a:t>errors</a:t>
+                      </a:r>
+                      <a:r>
+                        <a:rPr lang="es-ES" sz="900" dirty="0"/>
+                        <a:t> i </a:t>
+                      </a:r>
+                      <a:r>
+                        <a:rPr lang="es-ES" sz="900" dirty="0" err="1"/>
+                        <a:t>són</a:t>
+                      </a:r>
+                      <a:r>
+                        <a:rPr lang="es-ES" sz="900" dirty="0"/>
+                        <a:t> </a:t>
+                      </a:r>
+                      <a:r>
+                        <a:rPr lang="es-ES" sz="900" dirty="0" err="1"/>
+                        <a:t>càstigs</a:t>
+                      </a:r>
+                      <a:r>
+                        <a:rPr lang="es-ES" sz="900" dirty="0"/>
+                        <a:t> comprensibles </a:t>
+                      </a:r>
+                    </a:p>
+                  </a:txBody>
+                  <a:tcPr/>
+                </a:tc>
+                <a:tc>
+                  <a:txBody>
+                    <a:bodyPr/>
+                    <a:lstStyle/>
+                    <a:p>
+                      <a:r>
+                        <a:rPr lang="es-ES" sz="900" dirty="0"/>
+                        <a:t> </a:t>
+                      </a:r>
+                      <a:r>
+                        <a:rPr lang="es-ES" sz="900" dirty="0" err="1"/>
+                        <a:t>enemics</a:t>
+                      </a:r>
+                      <a:r>
+                        <a:rPr lang="es-ES" sz="900" dirty="0"/>
+                        <a:t> et </a:t>
+                      </a:r>
+                      <a:r>
+                        <a:rPr lang="es-ES" sz="900" dirty="0" err="1"/>
+                        <a:t>poguessin</a:t>
+                      </a:r>
+                      <a:r>
+                        <a:rPr lang="es-ES" sz="900" dirty="0"/>
+                        <a:t>  atacar</a:t>
+                      </a:r>
+                    </a:p>
+                  </a:txBody>
+                  <a:tcPr/>
+                </a:tc>
+                <a:extLst>
+                  <a:ext uri="{0D108BD9-81ED-4DB2-BD59-A6C34878D82A}">
+                    <a16:rowId xmlns:a16="http://schemas.microsoft.com/office/drawing/2014/main" val="1312246556"/>
+                  </a:ext>
+                </a:extLst>
+              </a:tr>
+              <a:tr h="565541">
+                <a:tc>
+                  <a:txBody>
+                    <a:bodyPr/>
+                    <a:lstStyle/>
+                    <a:p>
+                      <a:r>
+                        <a:rPr lang="es-ES" sz="900" dirty="0"/>
+                        <a:t>Les </a:t>
+                      </a:r>
+                      <a:r>
+                        <a:rPr lang="es-ES" sz="900" dirty="0" err="1"/>
+                        <a:t>mecàniques</a:t>
+                      </a:r>
+                      <a:r>
+                        <a:rPr lang="es-ES" sz="900" dirty="0"/>
+                        <a:t> del </a:t>
+                      </a:r>
+                      <a:r>
+                        <a:rPr lang="es-ES" sz="900" dirty="0" err="1"/>
+                        <a:t>joc</a:t>
+                      </a:r>
+                      <a:r>
+                        <a:rPr lang="es-ES" sz="900" dirty="0"/>
+                        <a:t> </a:t>
+                      </a:r>
+                      <a:r>
+                        <a:rPr lang="es-ES" sz="900" dirty="0" err="1"/>
+                        <a:t>són</a:t>
+                      </a:r>
+                      <a:r>
+                        <a:rPr lang="es-ES" sz="900" dirty="0"/>
+                        <a:t> </a:t>
+                      </a:r>
+                      <a:r>
+                        <a:rPr lang="es-ES" sz="900" dirty="0" err="1"/>
+                        <a:t>naturals</a:t>
+                      </a:r>
+                      <a:r>
+                        <a:rPr lang="es-ES" sz="900" dirty="0"/>
+                        <a:t> i </a:t>
+                      </a:r>
+                      <a:r>
+                        <a:rPr lang="es-ES" sz="900" dirty="0" err="1"/>
+                        <a:t>tenen</a:t>
+                      </a:r>
+                      <a:r>
+                        <a:rPr lang="es-ES" sz="900" dirty="0"/>
+                        <a:t> un pes i </a:t>
+                      </a:r>
+                      <a:r>
+                        <a:rPr lang="es-ES" sz="900" dirty="0" err="1"/>
+                        <a:t>moment</a:t>
+                      </a:r>
+                      <a:r>
+                        <a:rPr lang="es-ES" sz="900" dirty="0"/>
+                        <a:t> </a:t>
+                      </a:r>
+                      <a:r>
+                        <a:rPr lang="es-ES" sz="900" dirty="0" err="1"/>
+                        <a:t>correcte</a:t>
+                      </a:r>
+                      <a:r>
+                        <a:rPr lang="es-ES" sz="900" dirty="0"/>
+                        <a:t>. A </a:t>
+                      </a:r>
+                      <a:r>
+                        <a:rPr lang="es-ES" sz="900" dirty="0" err="1"/>
+                        <a:t>més</a:t>
+                      </a:r>
+                      <a:r>
+                        <a:rPr lang="es-ES" sz="900" dirty="0"/>
+                        <a:t>, </a:t>
+                      </a:r>
+                      <a:r>
+                        <a:rPr lang="es-ES" sz="900" dirty="0" err="1"/>
+                        <a:t>són</a:t>
+                      </a:r>
+                      <a:r>
+                        <a:rPr lang="es-ES" sz="900" dirty="0"/>
+                        <a:t> </a:t>
+                      </a:r>
+                      <a:r>
+                        <a:rPr lang="es-ES" sz="900" dirty="0" err="1"/>
+                        <a:t>apropiades</a:t>
+                      </a:r>
+                      <a:r>
+                        <a:rPr lang="es-ES" sz="900" dirty="0"/>
+                        <a:t> per la </a:t>
+                      </a:r>
+                      <a:r>
+                        <a:rPr lang="es-ES" sz="900" dirty="0" err="1"/>
+                        <a:t>situació</a:t>
+                      </a:r>
+                      <a:r>
+                        <a:rPr lang="es-ES" sz="900" dirty="0"/>
+                        <a:t> que el jugador té </a:t>
+                      </a:r>
+                      <a:r>
+                        <a:rPr lang="es-ES" sz="900" dirty="0" err="1"/>
+                        <a:t>davant</a:t>
+                      </a:r>
+                      <a:endParaRPr lang="es-ES" sz="900" dirty="0"/>
+                    </a:p>
+                  </a:txBody>
+                  <a:tcPr/>
+                </a:tc>
+                <a:tc>
+                  <a:txBody>
+                    <a:bodyPr/>
+                    <a:lstStyle/>
+                    <a:p>
+                      <a:r>
+                        <a:rPr lang="es-ES" sz="900" dirty="0"/>
+                        <a:t> botó per atacar i no que </a:t>
+                      </a:r>
+                      <a:r>
+                        <a:rPr lang="es-ES" sz="900" dirty="0" err="1"/>
+                        <a:t>només</a:t>
+                      </a:r>
+                      <a:r>
+                        <a:rPr lang="es-ES" sz="900" dirty="0"/>
+                        <a:t> </a:t>
+                      </a:r>
+                      <a:r>
+                        <a:rPr lang="es-ES" sz="900" dirty="0" err="1"/>
+                        <a:t>tocant</a:t>
+                      </a:r>
+                      <a:r>
+                        <a:rPr lang="es-ES" sz="900" dirty="0"/>
+                        <a:t> </a:t>
+                      </a:r>
+                      <a:r>
+                        <a:rPr lang="es-ES" sz="900" dirty="0" err="1"/>
+                        <a:t>els</a:t>
+                      </a:r>
+                      <a:r>
+                        <a:rPr lang="es-ES" sz="900" dirty="0"/>
+                        <a:t> </a:t>
+                      </a:r>
+                      <a:r>
+                        <a:rPr lang="es-ES" sz="900" dirty="0" err="1"/>
+                        <a:t>enemics</a:t>
+                      </a:r>
+                      <a:r>
+                        <a:rPr lang="es-ES" sz="900" dirty="0"/>
+                        <a:t> </a:t>
+                      </a:r>
+                      <a:r>
+                        <a:rPr lang="es-ES" sz="900" dirty="0" err="1"/>
+                        <a:t>morin</a:t>
+                      </a:r>
+                      <a:r>
+                        <a:rPr lang="es-ES" sz="900" dirty="0"/>
+                        <a:t>.</a:t>
+                      </a:r>
+                    </a:p>
+                  </a:txBody>
+                  <a:tcPr/>
+                </a:tc>
+                <a:extLst>
+                  <a:ext uri="{0D108BD9-81ED-4DB2-BD59-A6C34878D82A}">
+                    <a16:rowId xmlns:a16="http://schemas.microsoft.com/office/drawing/2014/main" val="3222689346"/>
+                  </a:ext>
+                </a:extLst>
+              </a:tr>
+              <a:tr h="565541">
+                <a:tc>
+                  <a:txBody>
+                    <a:bodyPr/>
+                    <a:lstStyle/>
+                    <a:p>
+                      <a:r>
+                        <a:rPr lang="es-ES" sz="900" dirty="0" err="1"/>
+                        <a:t>Els</a:t>
+                      </a:r>
+                      <a:r>
+                        <a:rPr lang="es-ES" sz="900" dirty="0"/>
+                        <a:t> </a:t>
+                      </a:r>
+                      <a:r>
+                        <a:rPr lang="es-ES" sz="900" dirty="0" err="1"/>
+                        <a:t>efectes</a:t>
+                      </a:r>
+                      <a:r>
+                        <a:rPr lang="es-ES" sz="900" dirty="0"/>
+                        <a:t> </a:t>
+                      </a:r>
+                      <a:r>
+                        <a:rPr lang="es-ES" sz="900" dirty="0" err="1"/>
+                        <a:t>acústics</a:t>
+                      </a:r>
+                      <a:r>
+                        <a:rPr lang="es-ES" sz="900" dirty="0"/>
+                        <a:t> i </a:t>
+                      </a:r>
+                      <a:r>
+                        <a:rPr lang="es-ES" sz="900" dirty="0" err="1"/>
+                        <a:t>visuals</a:t>
+                      </a:r>
+                      <a:r>
+                        <a:rPr lang="es-ES" sz="900" dirty="0"/>
+                        <a:t> </a:t>
+                      </a:r>
+                      <a:r>
+                        <a:rPr lang="es-ES" sz="900" dirty="0" err="1"/>
+                        <a:t>desperten</a:t>
+                      </a:r>
+                      <a:r>
+                        <a:rPr lang="es-ES" sz="900" dirty="0"/>
+                        <a:t> </a:t>
+                      </a:r>
+                      <a:r>
+                        <a:rPr lang="es-ES" sz="900" dirty="0" err="1"/>
+                        <a:t>l’interès</a:t>
+                      </a:r>
+                      <a:r>
+                        <a:rPr lang="es-ES" sz="900" dirty="0"/>
+                        <a:t> i proporcionen </a:t>
+                      </a:r>
+                      <a:r>
+                        <a:rPr lang="es-ES" sz="900" dirty="0" err="1"/>
+                        <a:t>retroalimentació</a:t>
+                      </a:r>
+                      <a:r>
+                        <a:rPr lang="es-ES" sz="900" dirty="0"/>
+                        <a:t> significativa en el </a:t>
+                      </a:r>
+                      <a:r>
+                        <a:rPr lang="es-ES" sz="900" dirty="0" err="1"/>
+                        <a:t>moment</a:t>
+                      </a:r>
+                      <a:r>
+                        <a:rPr lang="es-ES" sz="900" dirty="0"/>
+                        <a:t> </a:t>
+                      </a:r>
+                      <a:r>
+                        <a:rPr lang="es-ES" sz="900" dirty="0" err="1"/>
+                        <a:t>adequat</a:t>
+                      </a:r>
+                      <a:r>
+                        <a:rPr lang="es-ES" sz="900" dirty="0"/>
+                        <a:t>.</a:t>
+                      </a:r>
+                    </a:p>
+                  </a:txBody>
+                  <a:tcPr/>
+                </a:tc>
+                <a:tc>
+                  <a:txBody>
+                    <a:bodyPr/>
+                    <a:lstStyle/>
+                    <a:p>
+                      <a:r>
+                        <a:rPr lang="es-ES" sz="900" dirty="0" err="1"/>
+                        <a:t>Canviar</a:t>
+                      </a:r>
+                      <a:r>
+                        <a:rPr lang="es-ES" sz="900" dirty="0"/>
+                        <a:t> </a:t>
+                      </a:r>
+                      <a:r>
+                        <a:rPr lang="es-ES" sz="900" dirty="0" err="1"/>
+                        <a:t>completament</a:t>
+                      </a:r>
+                      <a:r>
+                        <a:rPr lang="es-ES" sz="900" dirty="0"/>
+                        <a:t> </a:t>
+                      </a:r>
+                      <a:r>
+                        <a:rPr lang="es-ES" sz="900" dirty="0" err="1"/>
+                        <a:t>els</a:t>
+                      </a:r>
+                      <a:r>
+                        <a:rPr lang="es-ES" sz="900" dirty="0"/>
+                        <a:t> </a:t>
+                      </a:r>
+                      <a:r>
+                        <a:rPr lang="es-ES" sz="900" dirty="0" err="1"/>
+                        <a:t>sons</a:t>
+                      </a:r>
+                      <a:r>
+                        <a:rPr lang="es-ES" sz="900" dirty="0"/>
+                        <a:t> del </a:t>
+                      </a:r>
+                      <a:r>
+                        <a:rPr lang="es-ES" sz="900" dirty="0" err="1"/>
+                        <a:t>joc</a:t>
+                      </a:r>
+                      <a:r>
+                        <a:rPr lang="es-ES" sz="900" dirty="0"/>
+                        <a:t>, </a:t>
+                      </a:r>
+                      <a:r>
+                        <a:rPr lang="es-ES" sz="900" dirty="0" err="1"/>
+                        <a:t>Vibració</a:t>
+                      </a:r>
+                      <a:r>
+                        <a:rPr lang="es-ES" sz="900" dirty="0"/>
+                        <a:t> </a:t>
+                      </a:r>
+                      <a:r>
+                        <a:rPr lang="es-ES" sz="900" dirty="0" err="1"/>
+                        <a:t>quan</a:t>
+                      </a:r>
+                      <a:r>
+                        <a:rPr lang="es-ES" sz="900" dirty="0"/>
+                        <a:t> mates, Tacar de </a:t>
+                      </a:r>
+                      <a:r>
+                        <a:rPr lang="es-ES" sz="900" dirty="0" err="1"/>
+                        <a:t>sang</a:t>
+                      </a:r>
+                      <a:r>
+                        <a:rPr lang="es-ES" sz="900" dirty="0"/>
+                        <a:t> la pantalla </a:t>
+                      </a:r>
+                    </a:p>
+                  </a:txBody>
+                  <a:tcPr/>
+                </a:tc>
+                <a:extLst>
+                  <a:ext uri="{0D108BD9-81ED-4DB2-BD59-A6C34878D82A}">
+                    <a16:rowId xmlns:a16="http://schemas.microsoft.com/office/drawing/2014/main" val="2167259354"/>
+                  </a:ext>
+                </a:extLst>
+              </a:tr>
+              <a:tr h="565541">
+                <a:tc>
+                  <a:txBody>
+                    <a:bodyPr/>
+                    <a:lstStyle/>
+                    <a:p>
+                      <a:r>
+                        <a:rPr lang="es-ES" sz="900" dirty="0"/>
+                        <a:t>El </a:t>
+                      </a:r>
+                      <a:r>
+                        <a:rPr lang="es-ES" sz="900" dirty="0" err="1"/>
+                        <a:t>joc</a:t>
+                      </a:r>
+                      <a:r>
+                        <a:rPr lang="es-ES" sz="900" dirty="0"/>
+                        <a:t> </a:t>
+                      </a:r>
+                      <a:r>
+                        <a:rPr lang="es-ES" sz="900" dirty="0" err="1"/>
+                        <a:t>permet</a:t>
+                      </a:r>
+                      <a:r>
+                        <a:rPr lang="es-ES" sz="900" dirty="0"/>
+                        <a:t> un </a:t>
+                      </a:r>
+                      <a:r>
+                        <a:rPr lang="es-ES" sz="900" dirty="0" err="1"/>
+                        <a:t>nivell</a:t>
+                      </a:r>
+                      <a:r>
+                        <a:rPr lang="es-ES" sz="900" dirty="0"/>
+                        <a:t> </a:t>
+                      </a:r>
+                      <a:r>
+                        <a:rPr lang="es-ES" sz="900" dirty="0" err="1"/>
+                        <a:t>adequat</a:t>
+                      </a:r>
+                      <a:r>
+                        <a:rPr lang="es-ES" sz="900" dirty="0"/>
+                        <a:t> de </a:t>
+                      </a:r>
+                      <a:r>
+                        <a:rPr lang="es-ES" sz="900" dirty="0" err="1"/>
+                        <a:t>personalització</a:t>
+                      </a:r>
+                      <a:r>
+                        <a:rPr lang="es-ES" sz="900" dirty="0"/>
+                        <a:t> en </a:t>
+                      </a:r>
+                      <a:r>
+                        <a:rPr lang="es-ES" sz="900" dirty="0" err="1"/>
+                        <a:t>relació</a:t>
+                      </a:r>
+                      <a:r>
+                        <a:rPr lang="es-ES" sz="900" dirty="0"/>
+                        <a:t> </a:t>
+                      </a:r>
+                      <a:r>
+                        <a:rPr lang="es-ES" sz="900" dirty="0" err="1"/>
+                        <a:t>amb</a:t>
+                      </a:r>
+                      <a:r>
+                        <a:rPr lang="es-ES" sz="900" dirty="0"/>
+                        <a:t> </a:t>
+                      </a:r>
+                      <a:r>
+                        <a:rPr lang="es-ES" sz="900" dirty="0" err="1"/>
+                        <a:t>diferents</a:t>
+                      </a:r>
+                      <a:r>
+                        <a:rPr lang="es-ES" sz="900" dirty="0"/>
+                        <a:t> </a:t>
+                      </a:r>
+                      <a:r>
+                        <a:rPr lang="es-ES" sz="900" dirty="0" err="1"/>
+                        <a:t>aspectes</a:t>
+                      </a:r>
+                      <a:r>
+                        <a:rPr lang="es-ES" sz="900" dirty="0"/>
+                        <a:t> (</a:t>
+                      </a:r>
+                      <a:r>
+                        <a:rPr lang="es-ES" sz="900" dirty="0" err="1"/>
+                        <a:t>Àudio</a:t>
+                      </a:r>
+                      <a:r>
+                        <a:rPr lang="es-ES" sz="900" dirty="0"/>
+                        <a:t>, vídeo…)</a:t>
+                      </a:r>
+                    </a:p>
+                  </a:txBody>
+                  <a:tcPr/>
+                </a:tc>
+                <a:tc>
+                  <a:txBody>
+                    <a:bodyPr/>
+                    <a:lstStyle/>
+                    <a:p>
+                      <a:r>
+                        <a:rPr lang="es-ES" sz="900" dirty="0"/>
+                        <a:t> </a:t>
+                      </a:r>
+                      <a:r>
+                        <a:rPr lang="es-ES" sz="900" dirty="0" err="1"/>
+                        <a:t>baixar</a:t>
+                      </a:r>
+                      <a:r>
+                        <a:rPr lang="es-ES" sz="900" dirty="0"/>
+                        <a:t> el </a:t>
+                      </a:r>
+                      <a:r>
+                        <a:rPr lang="es-ES" sz="900" dirty="0" err="1"/>
+                        <a:t>volum</a:t>
+                      </a:r>
+                      <a:r>
+                        <a:rPr lang="es-ES" sz="900" dirty="0"/>
+                        <a:t> del </a:t>
+                      </a:r>
+                      <a:r>
+                        <a:rPr lang="es-ES" sz="900" dirty="0" err="1"/>
+                        <a:t>joc</a:t>
+                      </a:r>
+                      <a:r>
+                        <a:rPr lang="es-ES" sz="900" dirty="0"/>
+                        <a:t> i no del </a:t>
+                      </a:r>
+                      <a:r>
+                        <a:rPr lang="es-ES" sz="900" dirty="0" err="1"/>
+                        <a:t>dispositiu</a:t>
+                      </a:r>
+                      <a:r>
+                        <a:rPr lang="es-ES" sz="900" dirty="0"/>
+                        <a:t> </a:t>
+                      </a:r>
+                      <a:r>
+                        <a:rPr lang="es-ES" sz="900" dirty="0" err="1"/>
+                        <a:t>sencer</a:t>
+                      </a:r>
+                      <a:r>
+                        <a:rPr lang="es-ES" sz="900" dirty="0"/>
+                        <a:t>, </a:t>
+                      </a:r>
+                      <a:r>
+                        <a:rPr lang="es-ES" sz="900" dirty="0" err="1"/>
+                        <a:t>Settings</a:t>
+                      </a:r>
+                      <a:r>
+                        <a:rPr lang="es-ES" sz="900" dirty="0"/>
+                        <a:t>, Anular la </a:t>
+                      </a:r>
+                      <a:r>
+                        <a:rPr lang="es-ES" sz="900" dirty="0" err="1"/>
+                        <a:t>musica</a:t>
+                      </a:r>
+                      <a:r>
+                        <a:rPr lang="es-ES" sz="900" dirty="0"/>
+                        <a:t> i </a:t>
+                      </a:r>
+                      <a:r>
+                        <a:rPr lang="es-ES" sz="900" dirty="0" err="1"/>
+                        <a:t>els</a:t>
+                      </a:r>
+                      <a:r>
+                        <a:rPr lang="es-ES" sz="900" dirty="0"/>
+                        <a:t> </a:t>
+                      </a:r>
+                      <a:r>
+                        <a:rPr lang="es-ES" sz="900" dirty="0" err="1"/>
+                        <a:t>fx</a:t>
+                      </a:r>
+                      <a:r>
+                        <a:rPr lang="es-ES" sz="900" dirty="0"/>
+                        <a:t> de forma separada</a:t>
+                      </a:r>
+                    </a:p>
+                  </a:txBody>
+                  <a:tcPr/>
+                </a:tc>
+                <a:extLst>
+                  <a:ext uri="{0D108BD9-81ED-4DB2-BD59-A6C34878D82A}">
+                    <a16:rowId xmlns:a16="http://schemas.microsoft.com/office/drawing/2014/main" val="354717743"/>
+                  </a:ext>
+                </a:extLst>
+              </a:tr>
+            </a:tbl>
+          </a:graphicData>
+        </a:graphic>
+      </p:graphicFrame>
+      <p:pic>
+        <p:nvPicPr>
+          <p:cNvPr id="4" name="Imagen 3"/>
+          <p:cNvPicPr>
+            <a:picLocks noChangeAspect="1"/>
+          </p:cNvPicPr>
+          <p:nvPr/>
+        </p:nvPicPr>
+        <p:blipFill>
+          <a:blip r:embed="rId2"/>
+          <a:stretch>
+            <a:fillRect/>
+          </a:stretch>
+        </p:blipFill>
+        <p:spPr>
+          <a:xfrm>
+            <a:off x="10341643" y="452718"/>
+            <a:ext cx="899820" cy="904876"/>
+          </a:xfrm>
+          <a:prstGeom prst="rect">
+            <a:avLst/>
+          </a:prstGeom>
+        </p:spPr>
+      </p:pic>
+    </p:spTree>
+    <p:extLst>
+      <p:ext uri="{BB962C8B-B14F-4D97-AF65-F5344CB8AC3E}">
+        <p14:creationId xmlns:p14="http://schemas.microsoft.com/office/powerpoint/2010/main" val="806089221"/>
+      </p:ext>
+    </p:extLst>
+  </p:cSld>
+  <p:clrMapOvr>
+    <a:masterClrMapping/>
+  </p:clrMapOvr>
+</p:sld>
+</file>
+
+<file path=ppt/slides/slide11.xml><?xml version="1.0" encoding="utf-8"?>
+<p:sld xmlns:a="http://schemas.openxmlformats.org/drawingml/2006/main" xmlns:r="http://schemas.openxmlformats.org/officeDocument/2006/relationships" xmlns:p="http://schemas.openxmlformats.org/presentationml/2006/main">
+  <p:cSld>
+    <p:spTree>
+      <p:nvGrpSpPr>
+        <p:cNvPr id="1" name=""/>
+        <p:cNvGrpSpPr/>
+        <p:nvPr/>
+      </p:nvGrpSpPr>
+      <p:grpSpPr>
+        <a:xfrm>
+          <a:off x="0" y="0"/>
+          <a:ext cx="0" cy="0"/>
+          <a:chOff x="0" y="0"/>
+          <a:chExt cx="0" cy="0"/>
+        </a:xfrm>
+      </p:grpSpPr>
+      <p:sp>
+        <p:nvSpPr>
+          <p:cNvPr id="2" name="Título 1"/>
+          <p:cNvSpPr>
+            <a:spLocks noGrp="1"/>
+          </p:cNvSpPr>
+          <p:nvPr>
+            <p:ph type="title"/>
+          </p:nvPr>
+        </p:nvSpPr>
+        <p:spPr/>
+        <p:txBody>
+          <a:bodyPr/>
+          <a:lstStyle/>
+          <a:p>
+            <a:r>
+              <a:rPr lang="es-ES" b="1" dirty="0">
+                <a:ln w="9525">
+                  <a:solidFill>
+                    <a:schemeClr val="bg1"/>
+                  </a:solidFill>
+                  <a:prstDash val="solid"/>
+                </a:ln>
+                <a:solidFill>
+                  <a:schemeClr val="tx1"/>
+                </a:solidFill>
+                <a:effectLst>
+                  <a:outerShdw blurRad="12700" dist="38100" dir="2700000" algn="tl" rotWithShape="0">
+                    <a:schemeClr val="bg1">
+                      <a:lumMod val="50000"/>
+                    </a:schemeClr>
+                  </a:outerShdw>
+                </a:effectLst>
+              </a:rPr>
+              <a:t>Recorrido Cognitivo: 		</a:t>
+            </a:r>
+            <a:r>
+              <a:rPr lang="es-ES" sz="3600" b="1" dirty="0">
+                <a:ln w="9525">
+                  <a:solidFill>
+                    <a:schemeClr val="bg1"/>
+                  </a:solidFill>
+                  <a:prstDash val="solid"/>
+                </a:ln>
+                <a:solidFill>
+                  <a:schemeClr val="tx1"/>
+                </a:solidFill>
+                <a:effectLst>
+                  <a:outerShdw blurRad="12700" dist="38100" dir="2700000" algn="tl" rotWithShape="0">
+                    <a:schemeClr val="bg1">
+                      <a:lumMod val="50000"/>
+                    </a:schemeClr>
+                  </a:outerShdw>
+                </a:effectLst>
+              </a:rPr>
+              <a:t>Lines</a:t>
+            </a:r>
+            <a:endParaRPr lang="es-ES" sz="3600" dirty="0"/>
+          </a:p>
+        </p:txBody>
+      </p:sp>
+      <p:graphicFrame>
+        <p:nvGraphicFramePr>
+          <p:cNvPr id="5" name="Tabla 5">
+            <a:extLst>
+              <a:ext uri="{FF2B5EF4-FFF2-40B4-BE49-F238E27FC236}">
+                <a16:creationId xmlns:a16="http://schemas.microsoft.com/office/drawing/2014/main" id="{15AFA40F-8EB4-4C10-919D-E6DE3ABEE2DD}"/>
+              </a:ext>
+            </a:extLst>
+          </p:cNvPr>
+          <p:cNvGraphicFramePr>
+            <a:graphicFrameLocks noGrp="1"/>
+          </p:cNvGraphicFramePr>
+          <p:nvPr>
+            <p:ph idx="1"/>
+            <p:extLst>
+              <p:ext uri="{D42A27DB-BD31-4B8C-83A1-F6EECF244321}">
+                <p14:modId xmlns:p14="http://schemas.microsoft.com/office/powerpoint/2010/main" val="1932726397"/>
+              </p:ext>
+            </p:extLst>
+          </p:nvPr>
+        </p:nvGraphicFramePr>
+        <p:xfrm>
+          <a:off x="646110" y="1255684"/>
+          <a:ext cx="8132965" cy="1854200"/>
+        </p:xfrm>
+        <a:graphic>
+          <a:graphicData uri="http://schemas.openxmlformats.org/drawingml/2006/table">
+            <a:tbl>
+              <a:tblPr firstRow="1" bandRow="1">
+                <a:tableStyleId>{5C22544A-7EE6-4342-B048-85BDC9FD1C3A}</a:tableStyleId>
+              </a:tblPr>
+              <a:tblGrid>
+                <a:gridCol w="4259857">
+                  <a:extLst>
+                    <a:ext uri="{9D8B030D-6E8A-4147-A177-3AD203B41FA5}">
+                      <a16:colId xmlns:a16="http://schemas.microsoft.com/office/drawing/2014/main" val="444513870"/>
+                    </a:ext>
+                  </a:extLst>
+                </a:gridCol>
+                <a:gridCol w="968277">
+                  <a:extLst>
+                    <a:ext uri="{9D8B030D-6E8A-4147-A177-3AD203B41FA5}">
+                      <a16:colId xmlns:a16="http://schemas.microsoft.com/office/drawing/2014/main" val="3744387589"/>
+                    </a:ext>
+                  </a:extLst>
+                </a:gridCol>
+                <a:gridCol w="968277">
+                  <a:extLst>
+                    <a:ext uri="{9D8B030D-6E8A-4147-A177-3AD203B41FA5}">
+                      <a16:colId xmlns:a16="http://schemas.microsoft.com/office/drawing/2014/main" val="2237753491"/>
+                    </a:ext>
+                  </a:extLst>
+                </a:gridCol>
+                <a:gridCol w="968277">
+                  <a:extLst>
+                    <a:ext uri="{9D8B030D-6E8A-4147-A177-3AD203B41FA5}">
+                      <a16:colId xmlns:a16="http://schemas.microsoft.com/office/drawing/2014/main" val="3411150803"/>
+                    </a:ext>
+                  </a:extLst>
+                </a:gridCol>
+                <a:gridCol w="968277">
+                  <a:extLst>
+                    <a:ext uri="{9D8B030D-6E8A-4147-A177-3AD203B41FA5}">
+                      <a16:colId xmlns:a16="http://schemas.microsoft.com/office/drawing/2014/main" val="2686235798"/>
+                    </a:ext>
+                  </a:extLst>
+                </a:gridCol>
+              </a:tblGrid>
+              <a:tr h="370840">
+                <a:tc>
+                  <a:txBody>
+                    <a:bodyPr/>
+                    <a:lstStyle/>
+                    <a:p>
+                      <a:r>
+                        <a:rPr lang="es-ES" dirty="0"/>
+                        <a:t>Gana el segundo nivel a la primera:</a:t>
+                      </a:r>
+                    </a:p>
+                  </a:txBody>
+                  <a:tcPr/>
+                </a:tc>
+                <a:tc>
+                  <a:txBody>
+                    <a:bodyPr/>
+                    <a:lstStyle/>
+                    <a:p>
+                      <a:r>
+                        <a:rPr lang="es-ES" dirty="0"/>
+                        <a:t>Eudald</a:t>
+                      </a:r>
+                    </a:p>
+                  </a:txBody>
+                  <a:tcPr/>
+                </a:tc>
+                <a:tc>
+                  <a:txBody>
+                    <a:bodyPr/>
+                    <a:lstStyle/>
+                    <a:p>
+                      <a:r>
+                        <a:rPr lang="es-ES" dirty="0"/>
+                        <a:t>Miquel</a:t>
+                      </a:r>
+                    </a:p>
+                  </a:txBody>
+                  <a:tcPr/>
+                </a:tc>
+                <a:tc>
+                  <a:txBody>
+                    <a:bodyPr/>
+                    <a:lstStyle/>
+                    <a:p>
+                      <a:r>
+                        <a:rPr lang="es-ES" dirty="0"/>
+                        <a:t>Jordi</a:t>
+                      </a:r>
+                    </a:p>
+                  </a:txBody>
+                  <a:tcPr/>
+                </a:tc>
+                <a:tc>
+                  <a:txBody>
+                    <a:bodyPr/>
+                    <a:lstStyle/>
+                    <a:p>
+                      <a:r>
+                        <a:rPr lang="es-ES" dirty="0"/>
+                        <a:t>Bernat</a:t>
+                      </a:r>
+                    </a:p>
+                  </a:txBody>
+                  <a:tcPr/>
+                </a:tc>
+                <a:extLst>
+                  <a:ext uri="{0D108BD9-81ED-4DB2-BD59-A6C34878D82A}">
+                    <a16:rowId xmlns:a16="http://schemas.microsoft.com/office/drawing/2014/main" val="104966058"/>
+                  </a:ext>
+                </a:extLst>
+              </a:tr>
+              <a:tr h="370840">
+                <a:tc>
+                  <a:txBody>
+                    <a:bodyPr/>
+                    <a:lstStyle/>
+                    <a:p>
+                      <a:r>
+                        <a:rPr lang="en-US" dirty="0"/>
+                        <a:t>Click play button </a:t>
+                      </a:r>
+                    </a:p>
+                  </a:txBody>
+                  <a:tcPr/>
+                </a:tc>
+                <a:tc>
+                  <a:txBody>
+                    <a:bodyPr/>
+                    <a:lstStyle/>
+                    <a:p>
+                      <a:endParaRPr lang="es-ES" dirty="0"/>
+                    </a:p>
+                  </a:txBody>
+                  <a:tcPr>
+                    <a:solidFill>
+                      <a:srgbClr val="92D050"/>
+                    </a:solidFill>
+                  </a:tcPr>
+                </a:tc>
+                <a:tc>
+                  <a:txBody>
+                    <a:bodyPr/>
+                    <a:lstStyle/>
+                    <a:p>
+                      <a:endParaRPr lang="es-ES" dirty="0"/>
+                    </a:p>
+                  </a:txBody>
+                  <a:tcPr>
+                    <a:solidFill>
+                      <a:srgbClr val="92D050"/>
+                    </a:solidFill>
+                  </a:tcPr>
+                </a:tc>
+                <a:tc>
+                  <a:txBody>
+                    <a:bodyPr/>
+                    <a:lstStyle/>
+                    <a:p>
+                      <a:endParaRPr lang="es-ES" dirty="0"/>
+                    </a:p>
+                  </a:txBody>
+                  <a:tcPr>
+                    <a:solidFill>
+                      <a:srgbClr val="92D050"/>
+                    </a:solidFill>
+                  </a:tcPr>
+                </a:tc>
+                <a:tc>
+                  <a:txBody>
+                    <a:bodyPr/>
+                    <a:lstStyle/>
+                    <a:p>
+                      <a:endParaRPr lang="es-ES" dirty="0"/>
+                    </a:p>
+                  </a:txBody>
+                  <a:tcPr>
+                    <a:solidFill>
+                      <a:srgbClr val="92D050"/>
+                    </a:solidFill>
+                  </a:tcPr>
+                </a:tc>
+                <a:extLst>
+                  <a:ext uri="{0D108BD9-81ED-4DB2-BD59-A6C34878D82A}">
+                    <a16:rowId xmlns:a16="http://schemas.microsoft.com/office/drawing/2014/main" val="4229076764"/>
+                  </a:ext>
+                </a:extLst>
+              </a:tr>
+              <a:tr h="370840">
+                <a:tc>
+                  <a:txBody>
+                    <a:bodyPr/>
+                    <a:lstStyle/>
+                    <a:p>
+                      <a:pPr marL="0" marR="0" lvl="0" indent="0" algn="l" defTabSz="457200" rtl="0" eaLnBrk="1" fontAlgn="auto" latinLnBrk="0" hangingPunct="1">
+                        <a:lnSpc>
+                          <a:spcPct val="100000"/>
+                        </a:lnSpc>
+                        <a:spcBef>
+                          <a:spcPts val="0"/>
+                        </a:spcBef>
+                        <a:spcAft>
+                          <a:spcPts val="0"/>
+                        </a:spcAft>
+                        <a:buClrTx/>
+                        <a:buSzTx/>
+                        <a:buFontTx/>
+                        <a:buNone/>
+                        <a:tabLst/>
+                        <a:defRPr/>
+                      </a:pPr>
+                      <a:r>
+                        <a:rPr lang="en-US" dirty="0"/>
+                        <a:t>Select point mode </a:t>
+                      </a:r>
+                    </a:p>
+                  </a:txBody>
+                  <a:tcPr/>
+                </a:tc>
+                <a:tc>
+                  <a:txBody>
+                    <a:bodyPr/>
+                    <a:lstStyle/>
+                    <a:p>
+                      <a:endParaRPr lang="es-ES" dirty="0"/>
+                    </a:p>
+                  </a:txBody>
+                  <a:tcPr>
+                    <a:solidFill>
+                      <a:srgbClr val="FF0000"/>
+                    </a:solidFill>
+                  </a:tcPr>
+                </a:tc>
+                <a:tc>
+                  <a:txBody>
+                    <a:bodyPr/>
+                    <a:lstStyle/>
+                    <a:p>
+                      <a:endParaRPr lang="es-ES" dirty="0"/>
+                    </a:p>
+                  </a:txBody>
+                  <a:tcPr>
+                    <a:solidFill>
+                      <a:srgbClr val="92D050"/>
+                    </a:solidFill>
+                  </a:tcPr>
+                </a:tc>
+                <a:tc>
+                  <a:txBody>
+                    <a:bodyPr/>
+                    <a:lstStyle/>
+                    <a:p>
+                      <a:endParaRPr lang="es-ES" dirty="0"/>
+                    </a:p>
+                  </a:txBody>
+                  <a:tcPr>
+                    <a:solidFill>
+                      <a:srgbClr val="92D050"/>
+                    </a:solidFill>
+                  </a:tcPr>
+                </a:tc>
+                <a:tc>
+                  <a:txBody>
+                    <a:bodyPr/>
+                    <a:lstStyle/>
+                    <a:p>
+                      <a:endParaRPr lang="es-ES" dirty="0"/>
+                    </a:p>
+                  </a:txBody>
+                  <a:tcPr>
+                    <a:solidFill>
+                      <a:srgbClr val="92D050"/>
+                    </a:solidFill>
+                  </a:tcPr>
+                </a:tc>
+                <a:extLst>
+                  <a:ext uri="{0D108BD9-81ED-4DB2-BD59-A6C34878D82A}">
+                    <a16:rowId xmlns:a16="http://schemas.microsoft.com/office/drawing/2014/main" val="3280790667"/>
+                  </a:ext>
+                </a:extLst>
+              </a:tr>
+              <a:tr h="370840">
+                <a:tc>
+                  <a:txBody>
+                    <a:bodyPr/>
+                    <a:lstStyle/>
+                    <a:p>
+                      <a:pPr marL="0" marR="0" lvl="0" indent="0" algn="l" defTabSz="457200" rtl="0" eaLnBrk="1" fontAlgn="auto" latinLnBrk="0" hangingPunct="1">
+                        <a:lnSpc>
+                          <a:spcPct val="100000"/>
+                        </a:lnSpc>
+                        <a:spcBef>
+                          <a:spcPts val="0"/>
+                        </a:spcBef>
+                        <a:spcAft>
+                          <a:spcPts val="0"/>
+                        </a:spcAft>
+                        <a:buClrTx/>
+                        <a:buSzTx/>
+                        <a:buFontTx/>
+                        <a:buNone/>
+                        <a:tabLst/>
+                        <a:defRPr/>
+                      </a:pPr>
+                      <a:r>
+                        <a:rPr lang="en-US" dirty="0"/>
+                        <a:t>Scroll to “Fence” level and click play </a:t>
+                      </a:r>
+                    </a:p>
+                  </a:txBody>
+                  <a:tcPr/>
+                </a:tc>
+                <a:tc>
+                  <a:txBody>
+                    <a:bodyPr/>
+                    <a:lstStyle/>
+                    <a:p>
+                      <a:endParaRPr lang="es-ES" dirty="0"/>
+                    </a:p>
+                  </a:txBody>
+                  <a:tcPr>
+                    <a:solidFill>
+                      <a:srgbClr val="92D050"/>
+                    </a:solidFill>
+                  </a:tcPr>
+                </a:tc>
+                <a:tc>
+                  <a:txBody>
+                    <a:bodyPr/>
+                    <a:lstStyle/>
+                    <a:p>
+                      <a:endParaRPr lang="es-ES" dirty="0"/>
+                    </a:p>
+                  </a:txBody>
+                  <a:tcPr>
+                    <a:solidFill>
+                      <a:srgbClr val="92D050"/>
+                    </a:solidFill>
+                  </a:tcPr>
+                </a:tc>
+                <a:tc>
+                  <a:txBody>
+                    <a:bodyPr/>
+                    <a:lstStyle/>
+                    <a:p>
+                      <a:endParaRPr lang="es-ES" dirty="0"/>
+                    </a:p>
+                  </a:txBody>
+                  <a:tcPr>
+                    <a:solidFill>
+                      <a:srgbClr val="92D050"/>
+                    </a:solidFill>
+                  </a:tcPr>
+                </a:tc>
+                <a:tc>
+                  <a:txBody>
+                    <a:bodyPr/>
+                    <a:lstStyle/>
+                    <a:p>
+                      <a:endParaRPr lang="es-ES" dirty="0"/>
+                    </a:p>
+                  </a:txBody>
+                  <a:tcPr>
+                    <a:solidFill>
+                      <a:srgbClr val="92D050"/>
+                    </a:solidFill>
+                  </a:tcPr>
+                </a:tc>
+                <a:extLst>
+                  <a:ext uri="{0D108BD9-81ED-4DB2-BD59-A6C34878D82A}">
+                    <a16:rowId xmlns:a16="http://schemas.microsoft.com/office/drawing/2014/main" val="2169048919"/>
+                  </a:ext>
+                </a:extLst>
+              </a:tr>
+              <a:tr h="370840">
+                <a:tc>
+                  <a:txBody>
+                    <a:bodyPr/>
+                    <a:lstStyle/>
+                    <a:p>
+                      <a:pPr marL="0" marR="0" lvl="0" indent="0" algn="l" defTabSz="457200" rtl="0" eaLnBrk="1" fontAlgn="auto" latinLnBrk="0" hangingPunct="1">
+                        <a:lnSpc>
+                          <a:spcPct val="100000"/>
+                        </a:lnSpc>
+                        <a:spcBef>
+                          <a:spcPts val="0"/>
+                        </a:spcBef>
+                        <a:spcAft>
+                          <a:spcPts val="0"/>
+                        </a:spcAft>
+                        <a:buClrTx/>
+                        <a:buSzTx/>
+                        <a:buFontTx/>
+                        <a:buNone/>
+                        <a:tabLst/>
+                        <a:defRPr/>
+                      </a:pPr>
+                      <a:r>
+                        <a:rPr lang="en-US" dirty="0"/>
+                        <a:t>Set a point to win the level </a:t>
+                      </a:r>
+                      <a:endParaRPr lang="es-ES" dirty="0"/>
+                    </a:p>
+                  </a:txBody>
+                  <a:tcPr/>
+                </a:tc>
+                <a:tc>
+                  <a:txBody>
+                    <a:bodyPr/>
+                    <a:lstStyle/>
+                    <a:p>
+                      <a:endParaRPr lang="es-ES" dirty="0"/>
+                    </a:p>
+                  </a:txBody>
+                  <a:tcPr>
+                    <a:solidFill>
+                      <a:srgbClr val="FF0000"/>
+                    </a:solidFill>
+                  </a:tcPr>
+                </a:tc>
+                <a:tc>
+                  <a:txBody>
+                    <a:bodyPr/>
+                    <a:lstStyle/>
+                    <a:p>
+                      <a:endParaRPr lang="es-ES" dirty="0"/>
+                    </a:p>
+                  </a:txBody>
+                  <a:tcPr>
+                    <a:solidFill>
+                      <a:srgbClr val="FF0000"/>
+                    </a:solidFill>
+                  </a:tcPr>
+                </a:tc>
+                <a:tc>
+                  <a:txBody>
+                    <a:bodyPr/>
+                    <a:lstStyle/>
+                    <a:p>
+                      <a:endParaRPr lang="es-ES" dirty="0"/>
+                    </a:p>
+                  </a:txBody>
+                  <a:tcPr>
+                    <a:solidFill>
+                      <a:srgbClr val="FF0000"/>
+                    </a:solidFill>
+                  </a:tcPr>
+                </a:tc>
+                <a:tc>
+                  <a:txBody>
+                    <a:bodyPr/>
+                    <a:lstStyle/>
+                    <a:p>
+                      <a:endParaRPr lang="es-ES" dirty="0"/>
+                    </a:p>
+                  </a:txBody>
+                  <a:tcPr>
+                    <a:solidFill>
+                      <a:srgbClr val="FF0000"/>
+                    </a:solidFill>
+                  </a:tcPr>
+                </a:tc>
+                <a:extLst>
+                  <a:ext uri="{0D108BD9-81ED-4DB2-BD59-A6C34878D82A}">
+                    <a16:rowId xmlns:a16="http://schemas.microsoft.com/office/drawing/2014/main" val="3102995925"/>
+                  </a:ext>
+                </a:extLst>
+              </a:tr>
+            </a:tbl>
+          </a:graphicData>
+        </a:graphic>
+      </p:graphicFrame>
+      <p:pic>
+        <p:nvPicPr>
+          <p:cNvPr id="4" name="Imagen 3"/>
+          <p:cNvPicPr>
+            <a:picLocks noChangeAspect="1"/>
+          </p:cNvPicPr>
+          <p:nvPr/>
+        </p:nvPicPr>
+        <p:blipFill>
+          <a:blip r:embed="rId2"/>
+          <a:stretch>
+            <a:fillRect/>
+          </a:stretch>
+        </p:blipFill>
+        <p:spPr>
+          <a:xfrm>
+            <a:off x="10323095" y="452718"/>
+            <a:ext cx="954505" cy="949081"/>
+          </a:xfrm>
+          <a:prstGeom prst="rect">
+            <a:avLst/>
+          </a:prstGeom>
+        </p:spPr>
+      </p:pic>
+      <p:graphicFrame>
+        <p:nvGraphicFramePr>
+          <p:cNvPr id="10" name="Tabla 10">
+            <a:extLst>
+              <a:ext uri="{FF2B5EF4-FFF2-40B4-BE49-F238E27FC236}">
+                <a16:creationId xmlns:a16="http://schemas.microsoft.com/office/drawing/2014/main" id="{823EEBE8-DD67-4FCF-8E6C-6DAE4E66DE71}"/>
+              </a:ext>
+            </a:extLst>
+          </p:cNvPr>
+          <p:cNvGraphicFramePr>
+            <a:graphicFrameLocks noGrp="1"/>
+          </p:cNvGraphicFramePr>
+          <p:nvPr>
+            <p:extLst>
+              <p:ext uri="{D42A27DB-BD31-4B8C-83A1-F6EECF244321}">
+                <p14:modId xmlns:p14="http://schemas.microsoft.com/office/powerpoint/2010/main" val="4010024616"/>
+              </p:ext>
+            </p:extLst>
+          </p:nvPr>
+        </p:nvGraphicFramePr>
+        <p:xfrm>
+          <a:off x="646110" y="3354848"/>
+          <a:ext cx="10318456" cy="2743200"/>
+        </p:xfrm>
+        <a:graphic>
+          <a:graphicData uri="http://schemas.openxmlformats.org/drawingml/2006/table">
+            <a:tbl>
+              <a:tblPr firstCol="1" bandRow="1">
+                <a:tableStyleId>{5C22544A-7EE6-4342-B048-85BDC9FD1C3A}</a:tableStyleId>
+              </a:tblPr>
+              <a:tblGrid>
+                <a:gridCol w="1289807">
+                  <a:extLst>
+                    <a:ext uri="{9D8B030D-6E8A-4147-A177-3AD203B41FA5}">
+                      <a16:colId xmlns:a16="http://schemas.microsoft.com/office/drawing/2014/main" val="847668118"/>
+                    </a:ext>
+                  </a:extLst>
+                </a:gridCol>
+                <a:gridCol w="1289807">
+                  <a:extLst>
+                    <a:ext uri="{9D8B030D-6E8A-4147-A177-3AD203B41FA5}">
+                      <a16:colId xmlns:a16="http://schemas.microsoft.com/office/drawing/2014/main" val="2010335900"/>
+                    </a:ext>
+                  </a:extLst>
+                </a:gridCol>
+                <a:gridCol w="1289807">
+                  <a:extLst>
+                    <a:ext uri="{9D8B030D-6E8A-4147-A177-3AD203B41FA5}">
+                      <a16:colId xmlns:a16="http://schemas.microsoft.com/office/drawing/2014/main" val="1376220219"/>
+                    </a:ext>
+                  </a:extLst>
+                </a:gridCol>
+                <a:gridCol w="1289807">
+                  <a:extLst>
+                    <a:ext uri="{9D8B030D-6E8A-4147-A177-3AD203B41FA5}">
+                      <a16:colId xmlns:a16="http://schemas.microsoft.com/office/drawing/2014/main" val="3572718361"/>
+                    </a:ext>
+                  </a:extLst>
+                </a:gridCol>
+                <a:gridCol w="1289807">
+                  <a:extLst>
+                    <a:ext uri="{9D8B030D-6E8A-4147-A177-3AD203B41FA5}">
+                      <a16:colId xmlns:a16="http://schemas.microsoft.com/office/drawing/2014/main" val="1649241592"/>
+                    </a:ext>
+                  </a:extLst>
+                </a:gridCol>
+                <a:gridCol w="1289807">
+                  <a:extLst>
+                    <a:ext uri="{9D8B030D-6E8A-4147-A177-3AD203B41FA5}">
+                      <a16:colId xmlns:a16="http://schemas.microsoft.com/office/drawing/2014/main" val="904026057"/>
+                    </a:ext>
+                  </a:extLst>
+                </a:gridCol>
+                <a:gridCol w="1289807">
+                  <a:extLst>
+                    <a:ext uri="{9D8B030D-6E8A-4147-A177-3AD203B41FA5}">
+                      <a16:colId xmlns:a16="http://schemas.microsoft.com/office/drawing/2014/main" val="2940711141"/>
+                    </a:ext>
+                  </a:extLst>
+                </a:gridCol>
+                <a:gridCol w="1289807">
+                  <a:extLst>
+                    <a:ext uri="{9D8B030D-6E8A-4147-A177-3AD203B41FA5}">
+                      <a16:colId xmlns:a16="http://schemas.microsoft.com/office/drawing/2014/main" val="3521462052"/>
+                    </a:ext>
+                  </a:extLst>
+                </a:gridCol>
+              </a:tblGrid>
+              <a:tr h="370840">
+                <a:tc>
+                  <a:txBody>
+                    <a:bodyPr/>
+                    <a:lstStyle/>
+                    <a:p>
+                      <a:pPr marL="0" marR="0" lvl="0" indent="0" algn="l" defTabSz="457200" rtl="0" eaLnBrk="1" fontAlgn="auto" latinLnBrk="0" hangingPunct="1">
+                        <a:lnSpc>
+                          <a:spcPct val="100000"/>
+                        </a:lnSpc>
+                        <a:spcBef>
+                          <a:spcPts val="0"/>
+                        </a:spcBef>
+                        <a:spcAft>
+                          <a:spcPts val="0"/>
+                        </a:spcAft>
+                        <a:buClrTx/>
+                        <a:buSzTx/>
+                        <a:buFontTx/>
+                        <a:buNone/>
+                        <a:tabLst/>
+                        <a:defRPr/>
+                      </a:pPr>
+                      <a:endParaRPr lang="en-US" dirty="0"/>
+                    </a:p>
+                  </a:txBody>
+                  <a:tcPr/>
+                </a:tc>
+                <a:tc>
+                  <a:txBody>
+                    <a:bodyPr/>
+                    <a:lstStyle/>
+                    <a:p>
+                      <a:r>
+                        <a:rPr lang="es-ES" sz="900" dirty="0"/>
+                        <a:t>Problema</a:t>
+                      </a:r>
+                    </a:p>
+                  </a:txBody>
+                  <a:tcPr/>
+                </a:tc>
+                <a:tc>
+                  <a:txBody>
+                    <a:bodyPr/>
+                    <a:lstStyle/>
+                    <a:p>
+                      <a:r>
+                        <a:rPr lang="es-ES" sz="900" dirty="0"/>
+                        <a:t>Eudald</a:t>
+                      </a:r>
+                    </a:p>
+                  </a:txBody>
+                  <a:tcPr/>
+                </a:tc>
+                <a:tc>
+                  <a:txBody>
+                    <a:bodyPr/>
+                    <a:lstStyle/>
+                    <a:p>
+                      <a:r>
+                        <a:rPr lang="es-ES" sz="900" dirty="0"/>
+                        <a:t>Miquel</a:t>
+                      </a:r>
+                    </a:p>
+                  </a:txBody>
+                  <a:tcPr/>
+                </a:tc>
+                <a:tc>
+                  <a:txBody>
+                    <a:bodyPr/>
+                    <a:lstStyle/>
+                    <a:p>
+                      <a:r>
+                        <a:rPr lang="es-ES" sz="900" dirty="0"/>
+                        <a:t>Jordi</a:t>
+                      </a:r>
+                    </a:p>
+                  </a:txBody>
+                  <a:tcPr/>
+                </a:tc>
+                <a:tc>
+                  <a:txBody>
+                    <a:bodyPr/>
+                    <a:lstStyle/>
+                    <a:p>
+                      <a:r>
+                        <a:rPr lang="es-ES" sz="900" dirty="0"/>
+                        <a:t>Bernat</a:t>
+                      </a:r>
+                    </a:p>
+                  </a:txBody>
+                  <a:tcPr/>
+                </a:tc>
+                <a:tc>
+                  <a:txBody>
+                    <a:bodyPr/>
+                    <a:lstStyle/>
+                    <a:p>
+                      <a:r>
+                        <a:rPr lang="es-ES" sz="900" dirty="0"/>
+                        <a:t>Impacto negativo sobre la posibilidad de completar la tarea (1-5)</a:t>
+                      </a:r>
+                    </a:p>
+                  </a:txBody>
+                  <a:tcPr/>
+                </a:tc>
+                <a:tc>
+                  <a:txBody>
+                    <a:bodyPr/>
+                    <a:lstStyle/>
+                    <a:p>
+                      <a:r>
+                        <a:rPr lang="es-ES" sz="900" dirty="0"/>
+                        <a:t>Frecuencia con la que puede aparecer: (1-5)</a:t>
+                      </a:r>
+                    </a:p>
+                  </a:txBody>
+                  <a:tcPr/>
+                </a:tc>
+                <a:extLst>
+                  <a:ext uri="{0D108BD9-81ED-4DB2-BD59-A6C34878D82A}">
+                    <a16:rowId xmlns:a16="http://schemas.microsoft.com/office/drawing/2014/main" val="4080578070"/>
+                  </a:ext>
+                </a:extLst>
+              </a:tr>
+              <a:tr h="370840">
+                <a:tc>
+                  <a:txBody>
+                    <a:bodyPr/>
+                    <a:lstStyle/>
+                    <a:p>
+                      <a:pPr marL="0" marR="0" lvl="0" indent="0" algn="l" defTabSz="457200" rtl="0" eaLnBrk="1" fontAlgn="auto" latinLnBrk="0" hangingPunct="1">
+                        <a:lnSpc>
+                          <a:spcPct val="100000"/>
+                        </a:lnSpc>
+                        <a:spcBef>
+                          <a:spcPts val="0"/>
+                        </a:spcBef>
+                        <a:spcAft>
+                          <a:spcPts val="0"/>
+                        </a:spcAft>
+                        <a:buClrTx/>
+                        <a:buSzTx/>
+                        <a:buFontTx/>
+                        <a:buNone/>
+                        <a:tabLst/>
+                        <a:defRPr/>
+                      </a:pPr>
+                      <a:r>
+                        <a:rPr lang="en-US" dirty="0"/>
+                        <a:t>Select point mode </a:t>
+                      </a:r>
+                    </a:p>
+                  </a:txBody>
+                  <a:tcPr/>
+                </a:tc>
+                <a:tc>
+                  <a:txBody>
+                    <a:bodyPr/>
+                    <a:lstStyle/>
+                    <a:p>
+                      <a:r>
+                        <a:rPr lang="es-ES" sz="1050" dirty="0"/>
+                        <a:t>similitud que existe entre los menús</a:t>
+                      </a:r>
+                    </a:p>
+                  </a:txBody>
+                  <a:tcPr/>
+                </a:tc>
+                <a:tc>
+                  <a:txBody>
+                    <a:bodyPr/>
+                    <a:lstStyle/>
+                    <a:p>
+                      <a:r>
+                        <a:rPr lang="es-ES" sz="1050" dirty="0"/>
+                        <a:t>distinción entre menús </a:t>
+                      </a:r>
+                    </a:p>
+                  </a:txBody>
+                  <a:tcPr/>
+                </a:tc>
+                <a:tc>
+                  <a:txBody>
+                    <a:bodyPr/>
+                    <a:lstStyle/>
+                    <a:p>
+                      <a:endParaRPr lang="es-ES" dirty="0"/>
+                    </a:p>
+                  </a:txBody>
+                  <a:tcPr/>
+                </a:tc>
+                <a:tc>
+                  <a:txBody>
+                    <a:bodyPr/>
+                    <a:lstStyle/>
+                    <a:p>
+                      <a:endParaRPr lang="es-ES" dirty="0"/>
+                    </a:p>
+                  </a:txBody>
+                  <a:tcPr/>
+                </a:tc>
+                <a:tc>
+                  <a:txBody>
+                    <a:bodyPr/>
+                    <a:lstStyle/>
+                    <a:p>
+                      <a:endParaRPr lang="es-ES"/>
+                    </a:p>
+                  </a:txBody>
+                  <a:tcPr/>
+                </a:tc>
+                <a:tc>
+                  <a:txBody>
+                    <a:bodyPr/>
+                    <a:lstStyle/>
+                    <a:p>
+                      <a:r>
+                        <a:rPr lang="es-ES" dirty="0"/>
+                        <a:t>2</a:t>
+                      </a:r>
+                    </a:p>
+                  </a:txBody>
+                  <a:tcPr/>
+                </a:tc>
+                <a:tc>
+                  <a:txBody>
+                    <a:bodyPr/>
+                    <a:lstStyle/>
+                    <a:p>
+                      <a:r>
+                        <a:rPr lang="es-ES" dirty="0"/>
+                        <a:t>4</a:t>
+                      </a:r>
+                    </a:p>
+                  </a:txBody>
+                  <a:tcPr/>
+                </a:tc>
+                <a:extLst>
+                  <a:ext uri="{0D108BD9-81ED-4DB2-BD59-A6C34878D82A}">
+                    <a16:rowId xmlns:a16="http://schemas.microsoft.com/office/drawing/2014/main" val="1986260720"/>
+                  </a:ext>
+                </a:extLst>
+              </a:tr>
+              <a:tr h="370840">
+                <a:tc>
+                  <a:txBody>
+                    <a:bodyPr/>
+                    <a:lstStyle/>
+                    <a:p>
+                      <a:pPr marL="0" marR="0" lvl="0" indent="0" algn="l" defTabSz="457200" rtl="0" eaLnBrk="1" fontAlgn="auto" latinLnBrk="0" hangingPunct="1">
+                        <a:lnSpc>
+                          <a:spcPct val="100000"/>
+                        </a:lnSpc>
+                        <a:spcBef>
+                          <a:spcPts val="0"/>
+                        </a:spcBef>
+                        <a:spcAft>
+                          <a:spcPts val="0"/>
+                        </a:spcAft>
+                        <a:buClrTx/>
+                        <a:buSzTx/>
+                        <a:buFontTx/>
+                        <a:buNone/>
+                        <a:tabLst/>
+                        <a:defRPr/>
+                      </a:pPr>
+                      <a:r>
+                        <a:rPr lang="en-US" dirty="0"/>
+                        <a:t>Set a point to win the level </a:t>
+                      </a:r>
+                      <a:endParaRPr lang="es-ES" dirty="0"/>
+                    </a:p>
+                  </a:txBody>
+                  <a:tcPr/>
+                </a:tc>
+                <a:tc>
+                  <a:txBody>
+                    <a:bodyPr/>
+                    <a:lstStyle/>
+                    <a:p>
+                      <a:r>
+                        <a:rPr lang="es-ES" sz="1050" dirty="0"/>
+                        <a:t>condiciones de victoria, funcionamiento de la mecánica </a:t>
+                      </a:r>
+                    </a:p>
+                  </a:txBody>
+                  <a:tcPr/>
+                </a:tc>
+                <a:tc>
+                  <a:txBody>
+                    <a:bodyPr/>
+                    <a:lstStyle/>
+                    <a:p>
+                      <a:r>
+                        <a:rPr lang="es-ES" sz="1050" dirty="0"/>
+                        <a:t>Añadir en una línea de texto con los requisitos </a:t>
+                      </a:r>
+                    </a:p>
+                  </a:txBody>
+                  <a:tcPr/>
+                </a:tc>
+                <a:tc>
+                  <a:txBody>
+                    <a:bodyPr/>
+                    <a:lstStyle/>
+                    <a:p>
+                      <a:pPr marL="0" marR="0" lvl="0" indent="0" algn="l" defTabSz="457200" rtl="0" eaLnBrk="1" fontAlgn="auto" latinLnBrk="0" hangingPunct="1">
+                        <a:lnSpc>
+                          <a:spcPct val="100000"/>
+                        </a:lnSpc>
+                        <a:spcBef>
+                          <a:spcPts val="0"/>
+                        </a:spcBef>
+                        <a:spcAft>
+                          <a:spcPts val="0"/>
+                        </a:spcAft>
+                        <a:buClrTx/>
+                        <a:buSzTx/>
+                        <a:buFontTx/>
+                        <a:buNone/>
+                        <a:tabLst/>
+                        <a:defRPr/>
+                      </a:pPr>
+                      <a:r>
+                        <a:rPr lang="es-ES" sz="1050" dirty="0"/>
+                        <a:t>Añadir en una línea de texto con los requisitos </a:t>
+                      </a:r>
+                    </a:p>
+                    <a:p>
+                      <a:endParaRPr lang="es-ES" sz="1050" dirty="0"/>
+                    </a:p>
+                  </a:txBody>
+                  <a:tcPr/>
+                </a:tc>
+                <a:tc>
+                  <a:txBody>
+                    <a:bodyPr/>
+                    <a:lstStyle/>
+                    <a:p>
+                      <a:pPr marL="0" marR="0" lvl="0" indent="0" algn="l" defTabSz="457200" rtl="0" eaLnBrk="1" fontAlgn="auto" latinLnBrk="0" hangingPunct="1">
+                        <a:lnSpc>
+                          <a:spcPct val="100000"/>
+                        </a:lnSpc>
+                        <a:spcBef>
+                          <a:spcPts val="0"/>
+                        </a:spcBef>
+                        <a:spcAft>
+                          <a:spcPts val="0"/>
+                        </a:spcAft>
+                        <a:buClrTx/>
+                        <a:buSzTx/>
+                        <a:buFontTx/>
+                        <a:buNone/>
+                        <a:tabLst/>
+                        <a:defRPr/>
+                      </a:pPr>
+                      <a:r>
+                        <a:rPr lang="es-ES" sz="1050" dirty="0"/>
+                        <a:t>Ofrecer un o dos niveles más de tutorial </a:t>
+                      </a:r>
+                    </a:p>
+                    <a:p>
+                      <a:endParaRPr lang="es-ES" sz="1050" dirty="0"/>
+                    </a:p>
+                  </a:txBody>
+                  <a:tcPr/>
+                </a:tc>
+                <a:tc>
+                  <a:txBody>
+                    <a:bodyPr/>
+                    <a:lstStyle/>
+                    <a:p>
+                      <a:r>
+                        <a:rPr lang="es-ES" sz="1050" dirty="0"/>
+                        <a:t>Ofrecer un o dos niveles más de tutorial </a:t>
+                      </a:r>
+                    </a:p>
+                  </a:txBody>
+                  <a:tcPr/>
+                </a:tc>
+                <a:tc>
+                  <a:txBody>
+                    <a:bodyPr/>
+                    <a:lstStyle/>
+                    <a:p>
+                      <a:r>
+                        <a:rPr lang="es-ES" dirty="0"/>
+                        <a:t>3</a:t>
+                      </a:r>
+                    </a:p>
+                  </a:txBody>
+                  <a:tcPr/>
+                </a:tc>
+                <a:tc>
+                  <a:txBody>
+                    <a:bodyPr/>
+                    <a:lstStyle/>
+                    <a:p>
+                      <a:r>
+                        <a:rPr lang="es-ES" dirty="0"/>
+                        <a:t>4</a:t>
+                      </a:r>
+                    </a:p>
+                  </a:txBody>
+                  <a:tcPr/>
+                </a:tc>
+                <a:extLst>
+                  <a:ext uri="{0D108BD9-81ED-4DB2-BD59-A6C34878D82A}">
+                    <a16:rowId xmlns:a16="http://schemas.microsoft.com/office/drawing/2014/main" val="2247430811"/>
+                  </a:ext>
+                </a:extLst>
+              </a:tr>
+            </a:tbl>
+          </a:graphicData>
+        </a:graphic>
+      </p:graphicFrame>
+    </p:spTree>
+    <p:extLst>
+      <p:ext uri="{BB962C8B-B14F-4D97-AF65-F5344CB8AC3E}">
+        <p14:creationId xmlns:p14="http://schemas.microsoft.com/office/powerpoint/2010/main" val="2696578865"/>
+      </p:ext>
+    </p:extLst>
+  </p:cSld>
+  <p:clrMapOvr>
+    <a:masterClrMapping/>
+  </p:clrMapOvr>
+</p:sld>
+</file>
+
+<file path=ppt/slides/slide12.xml><?xml version="1.0" encoding="utf-8"?>
+<p:sld xmlns:a="http://schemas.openxmlformats.org/drawingml/2006/main" xmlns:r="http://schemas.openxmlformats.org/officeDocument/2006/relationships" xmlns:p="http://schemas.openxmlformats.org/presentationml/2006/main">
+  <p:cSld>
+    <p:spTree>
+      <p:nvGrpSpPr>
+        <p:cNvPr id="1" name=""/>
+        <p:cNvGrpSpPr/>
+        <p:nvPr/>
+      </p:nvGrpSpPr>
+      <p:grpSpPr>
+        <a:xfrm>
+          <a:off x="0" y="0"/>
+          <a:ext cx="0" cy="0"/>
+          <a:chOff x="0" y="0"/>
+          <a:chExt cx="0" cy="0"/>
+        </a:xfrm>
+      </p:grpSpPr>
+      <p:sp>
+        <p:nvSpPr>
+          <p:cNvPr id="2" name="Título 1"/>
+          <p:cNvSpPr>
+            <a:spLocks noGrp="1"/>
+          </p:cNvSpPr>
+          <p:nvPr>
+            <p:ph type="title"/>
+          </p:nvPr>
+        </p:nvSpPr>
+        <p:spPr/>
+        <p:txBody>
+          <a:bodyPr/>
+          <a:lstStyle/>
+          <a:p>
+            <a:endParaRPr lang="es-ES"/>
+          </a:p>
+        </p:txBody>
+      </p:sp>
+      <p:sp>
+        <p:nvSpPr>
+          <p:cNvPr id="3" name="Marcador de contenido 2"/>
+          <p:cNvSpPr>
+            <a:spLocks noGrp="1"/>
+          </p:cNvSpPr>
+          <p:nvPr>
+            <p:ph idx="1"/>
+          </p:nvPr>
+        </p:nvSpPr>
+        <p:spPr/>
+        <p:txBody>
+          <a:bodyPr/>
+          <a:lstStyle/>
+          <a:p>
+            <a:endParaRPr lang="es-ES"/>
+          </a:p>
+        </p:txBody>
+      </p:sp>
+      <p:pic>
+        <p:nvPicPr>
+          <p:cNvPr id="4" name="Imagen 3"/>
+          <p:cNvPicPr>
+            <a:picLocks noChangeAspect="1"/>
+          </p:cNvPicPr>
+          <p:nvPr/>
+        </p:nvPicPr>
+        <p:blipFill>
+          <a:blip r:embed="rId2"/>
+          <a:stretch>
+            <a:fillRect/>
+          </a:stretch>
+        </p:blipFill>
+        <p:spPr>
+          <a:xfrm>
+            <a:off x="10323095" y="452718"/>
+            <a:ext cx="954505" cy="949081"/>
+          </a:xfrm>
+          <a:prstGeom prst="rect">
+            <a:avLst/>
+          </a:prstGeom>
+        </p:spPr>
+      </p:pic>
+      <p:graphicFrame>
+        <p:nvGraphicFramePr>
+          <p:cNvPr id="5" name="Tabla 5">
+            <a:extLst>
+              <a:ext uri="{FF2B5EF4-FFF2-40B4-BE49-F238E27FC236}">
+                <a16:creationId xmlns:a16="http://schemas.microsoft.com/office/drawing/2014/main" id="{3B988C52-9144-4233-8629-D8772C63AC15}"/>
+              </a:ext>
+            </a:extLst>
+          </p:cNvPr>
+          <p:cNvGraphicFramePr>
+            <a:graphicFrameLocks/>
+          </p:cNvGraphicFramePr>
+          <p:nvPr>
+            <p:extLst>
+              <p:ext uri="{D42A27DB-BD31-4B8C-83A1-F6EECF244321}">
+                <p14:modId xmlns:p14="http://schemas.microsoft.com/office/powerpoint/2010/main" val="1660738809"/>
+              </p:ext>
+            </p:extLst>
+          </p:nvPr>
+        </p:nvGraphicFramePr>
+        <p:xfrm>
+          <a:off x="646110" y="431624"/>
+          <a:ext cx="8132965" cy="1483360"/>
+        </p:xfrm>
+        <a:graphic>
+          <a:graphicData uri="http://schemas.openxmlformats.org/drawingml/2006/table">
+            <a:tbl>
+              <a:tblPr firstRow="1" bandRow="1">
+                <a:tableStyleId>{5C22544A-7EE6-4342-B048-85BDC9FD1C3A}</a:tableStyleId>
+              </a:tblPr>
+              <a:tblGrid>
+                <a:gridCol w="4259857">
+                  <a:extLst>
+                    <a:ext uri="{9D8B030D-6E8A-4147-A177-3AD203B41FA5}">
+                      <a16:colId xmlns:a16="http://schemas.microsoft.com/office/drawing/2014/main" val="444513870"/>
+                    </a:ext>
+                  </a:extLst>
+                </a:gridCol>
+                <a:gridCol w="968277">
+                  <a:extLst>
+                    <a:ext uri="{9D8B030D-6E8A-4147-A177-3AD203B41FA5}">
+                      <a16:colId xmlns:a16="http://schemas.microsoft.com/office/drawing/2014/main" val="3744387589"/>
+                    </a:ext>
+                  </a:extLst>
+                </a:gridCol>
+                <a:gridCol w="968277">
+                  <a:extLst>
+                    <a:ext uri="{9D8B030D-6E8A-4147-A177-3AD203B41FA5}">
+                      <a16:colId xmlns:a16="http://schemas.microsoft.com/office/drawing/2014/main" val="2237753491"/>
+                    </a:ext>
+                  </a:extLst>
+                </a:gridCol>
+                <a:gridCol w="968277">
+                  <a:extLst>
+                    <a:ext uri="{9D8B030D-6E8A-4147-A177-3AD203B41FA5}">
+                      <a16:colId xmlns:a16="http://schemas.microsoft.com/office/drawing/2014/main" val="3411150803"/>
+                    </a:ext>
+                  </a:extLst>
+                </a:gridCol>
+                <a:gridCol w="968277">
+                  <a:extLst>
+                    <a:ext uri="{9D8B030D-6E8A-4147-A177-3AD203B41FA5}">
+                      <a16:colId xmlns:a16="http://schemas.microsoft.com/office/drawing/2014/main" val="2686235798"/>
+                    </a:ext>
+                  </a:extLst>
+                </a:gridCol>
+              </a:tblGrid>
+              <a:tr h="370840">
+                <a:tc>
+                  <a:txBody>
+                    <a:bodyPr/>
+                    <a:lstStyle/>
+                    <a:p>
+                      <a:r>
+                        <a:rPr lang="es-ES" dirty="0"/>
+                        <a:t>Busca tus estadísticas </a:t>
+                      </a:r>
+                    </a:p>
+                  </a:txBody>
+                  <a:tcPr/>
+                </a:tc>
+                <a:tc>
+                  <a:txBody>
+                    <a:bodyPr/>
+                    <a:lstStyle/>
+                    <a:p>
+                      <a:r>
+                        <a:rPr lang="es-ES" dirty="0"/>
+                        <a:t>Eudald</a:t>
+                      </a:r>
+                    </a:p>
+                  </a:txBody>
+                  <a:tcPr/>
+                </a:tc>
+                <a:tc>
+                  <a:txBody>
+                    <a:bodyPr/>
+                    <a:lstStyle/>
+                    <a:p>
+                      <a:r>
+                        <a:rPr lang="es-ES" dirty="0"/>
+                        <a:t>Miquel</a:t>
+                      </a:r>
+                    </a:p>
+                  </a:txBody>
+                  <a:tcPr/>
+                </a:tc>
+                <a:tc>
+                  <a:txBody>
+                    <a:bodyPr/>
+                    <a:lstStyle/>
+                    <a:p>
+                      <a:r>
+                        <a:rPr lang="es-ES" dirty="0"/>
+                        <a:t>Jordi</a:t>
+                      </a:r>
+                    </a:p>
+                  </a:txBody>
+                  <a:tcPr/>
+                </a:tc>
+                <a:tc>
+                  <a:txBody>
+                    <a:bodyPr/>
+                    <a:lstStyle/>
+                    <a:p>
+                      <a:r>
+                        <a:rPr lang="es-ES" dirty="0"/>
+                        <a:t>Bernat</a:t>
+                      </a:r>
+                    </a:p>
+                  </a:txBody>
+                  <a:tcPr/>
+                </a:tc>
+                <a:extLst>
+                  <a:ext uri="{0D108BD9-81ED-4DB2-BD59-A6C34878D82A}">
+                    <a16:rowId xmlns:a16="http://schemas.microsoft.com/office/drawing/2014/main" val="104966058"/>
+                  </a:ext>
+                </a:extLst>
+              </a:tr>
+              <a:tr h="370840">
+                <a:tc>
+                  <a:txBody>
+                    <a:bodyPr/>
+                    <a:lstStyle/>
+                    <a:p>
+                      <a:r>
+                        <a:rPr lang="en-US" dirty="0"/>
+                        <a:t>Click play button </a:t>
+                      </a:r>
+                    </a:p>
+                  </a:txBody>
+                  <a:tcPr/>
+                </a:tc>
+                <a:tc>
+                  <a:txBody>
+                    <a:bodyPr/>
+                    <a:lstStyle/>
+                    <a:p>
+                      <a:endParaRPr lang="es-ES" dirty="0"/>
+                    </a:p>
+                  </a:txBody>
+                  <a:tcPr>
+                    <a:solidFill>
+                      <a:srgbClr val="92D050"/>
+                    </a:solidFill>
+                  </a:tcPr>
+                </a:tc>
+                <a:tc>
+                  <a:txBody>
+                    <a:bodyPr/>
+                    <a:lstStyle/>
+                    <a:p>
+                      <a:endParaRPr lang="es-ES" dirty="0"/>
+                    </a:p>
+                  </a:txBody>
+                  <a:tcPr>
+                    <a:solidFill>
+                      <a:srgbClr val="92D050"/>
+                    </a:solidFill>
+                  </a:tcPr>
+                </a:tc>
+                <a:tc>
+                  <a:txBody>
+                    <a:bodyPr/>
+                    <a:lstStyle/>
+                    <a:p>
+                      <a:endParaRPr lang="es-ES" dirty="0"/>
+                    </a:p>
+                  </a:txBody>
+                  <a:tcPr>
+                    <a:solidFill>
+                      <a:srgbClr val="FF0000"/>
+                    </a:solidFill>
+                  </a:tcPr>
+                </a:tc>
+                <a:tc>
+                  <a:txBody>
+                    <a:bodyPr/>
+                    <a:lstStyle/>
+                    <a:p>
+                      <a:endParaRPr lang="es-ES" dirty="0"/>
+                    </a:p>
+                  </a:txBody>
+                  <a:tcPr>
+                    <a:solidFill>
+                      <a:srgbClr val="92D050"/>
+                    </a:solidFill>
+                  </a:tcPr>
+                </a:tc>
+                <a:extLst>
+                  <a:ext uri="{0D108BD9-81ED-4DB2-BD59-A6C34878D82A}">
+                    <a16:rowId xmlns:a16="http://schemas.microsoft.com/office/drawing/2014/main" val="4229076764"/>
+                  </a:ext>
+                </a:extLst>
+              </a:tr>
+              <a:tr h="370840">
+                <a:tc>
+                  <a:txBody>
+                    <a:bodyPr/>
+                    <a:lstStyle/>
+                    <a:p>
+                      <a:pPr marL="0" marR="0" lvl="0" indent="0" algn="l" defTabSz="457200" rtl="0" eaLnBrk="1" fontAlgn="auto" latinLnBrk="0" hangingPunct="1">
+                        <a:lnSpc>
+                          <a:spcPct val="100000"/>
+                        </a:lnSpc>
+                        <a:spcBef>
+                          <a:spcPts val="0"/>
+                        </a:spcBef>
+                        <a:spcAft>
+                          <a:spcPts val="0"/>
+                        </a:spcAft>
+                        <a:buClrTx/>
+                        <a:buSzTx/>
+                        <a:buFontTx/>
+                        <a:buNone/>
+                        <a:tabLst/>
+                        <a:defRPr/>
+                      </a:pPr>
+                      <a:r>
+                        <a:rPr lang="en-US" dirty="0"/>
+                        <a:t>Select point mode</a:t>
+                      </a:r>
+                    </a:p>
+                  </a:txBody>
+                  <a:tcPr/>
+                </a:tc>
+                <a:tc>
+                  <a:txBody>
+                    <a:bodyPr/>
+                    <a:lstStyle/>
+                    <a:p>
+                      <a:endParaRPr lang="es-ES" dirty="0"/>
+                    </a:p>
+                  </a:txBody>
+                  <a:tcPr>
+                    <a:solidFill>
+                      <a:srgbClr val="FF0000"/>
+                    </a:solidFill>
+                  </a:tcPr>
+                </a:tc>
+                <a:tc>
+                  <a:txBody>
+                    <a:bodyPr/>
+                    <a:lstStyle/>
+                    <a:p>
+                      <a:endParaRPr lang="es-ES" dirty="0"/>
+                    </a:p>
+                  </a:txBody>
+                  <a:tcPr>
+                    <a:solidFill>
+                      <a:srgbClr val="92D050"/>
+                    </a:solidFill>
+                  </a:tcPr>
+                </a:tc>
+                <a:tc>
+                  <a:txBody>
+                    <a:bodyPr/>
+                    <a:lstStyle/>
+                    <a:p>
+                      <a:endParaRPr lang="es-ES" dirty="0"/>
+                    </a:p>
+                  </a:txBody>
+                  <a:tcPr>
+                    <a:solidFill>
+                      <a:srgbClr val="92D050"/>
+                    </a:solidFill>
+                  </a:tcPr>
+                </a:tc>
+                <a:tc>
+                  <a:txBody>
+                    <a:bodyPr/>
+                    <a:lstStyle/>
+                    <a:p>
+                      <a:endParaRPr lang="es-ES" dirty="0"/>
+                    </a:p>
+                  </a:txBody>
+                  <a:tcPr>
+                    <a:solidFill>
+                      <a:srgbClr val="92D050"/>
+                    </a:solidFill>
+                  </a:tcPr>
+                </a:tc>
+                <a:extLst>
+                  <a:ext uri="{0D108BD9-81ED-4DB2-BD59-A6C34878D82A}">
+                    <a16:rowId xmlns:a16="http://schemas.microsoft.com/office/drawing/2014/main" val="3280790667"/>
+                  </a:ext>
+                </a:extLst>
+              </a:tr>
+              <a:tr h="370840">
+                <a:tc>
+                  <a:txBody>
+                    <a:bodyPr/>
+                    <a:lstStyle/>
+                    <a:p>
+                      <a:pPr marL="0" marR="0" lvl="0" indent="0" algn="l" defTabSz="457200" rtl="0" eaLnBrk="1" fontAlgn="auto" latinLnBrk="0" hangingPunct="1">
+                        <a:lnSpc>
+                          <a:spcPct val="100000"/>
+                        </a:lnSpc>
+                        <a:spcBef>
+                          <a:spcPts val="0"/>
+                        </a:spcBef>
+                        <a:spcAft>
+                          <a:spcPts val="0"/>
+                        </a:spcAft>
+                        <a:buClrTx/>
+                        <a:buSzTx/>
+                        <a:buFontTx/>
+                        <a:buNone/>
+                        <a:tabLst/>
+                        <a:defRPr/>
+                      </a:pPr>
+                      <a:r>
+                        <a:rPr lang="en-US" dirty="0"/>
+                        <a:t>Scroll left all the way to find the stats</a:t>
+                      </a:r>
+                    </a:p>
+                  </a:txBody>
+                  <a:tcPr/>
+                </a:tc>
+                <a:tc>
+                  <a:txBody>
+                    <a:bodyPr/>
+                    <a:lstStyle/>
+                    <a:p>
+                      <a:endParaRPr lang="es-ES" dirty="0"/>
+                    </a:p>
+                  </a:txBody>
+                  <a:tcPr>
+                    <a:solidFill>
+                      <a:srgbClr val="92D050"/>
+                    </a:solidFill>
+                  </a:tcPr>
+                </a:tc>
+                <a:tc>
+                  <a:txBody>
+                    <a:bodyPr/>
+                    <a:lstStyle/>
+                    <a:p>
+                      <a:endParaRPr lang="es-ES" dirty="0"/>
+                    </a:p>
+                  </a:txBody>
+                  <a:tcPr>
+                    <a:solidFill>
+                      <a:srgbClr val="FF0000"/>
+                    </a:solidFill>
+                  </a:tcPr>
+                </a:tc>
+                <a:tc>
+                  <a:txBody>
+                    <a:bodyPr/>
+                    <a:lstStyle/>
+                    <a:p>
+                      <a:endParaRPr lang="es-ES" dirty="0"/>
+                    </a:p>
+                  </a:txBody>
+                  <a:tcPr>
+                    <a:solidFill>
+                      <a:srgbClr val="92D050"/>
+                    </a:solidFill>
+                  </a:tcPr>
+                </a:tc>
+                <a:tc>
+                  <a:txBody>
+                    <a:bodyPr/>
+                    <a:lstStyle/>
+                    <a:p>
+                      <a:endParaRPr lang="es-ES" dirty="0"/>
+                    </a:p>
+                  </a:txBody>
+                  <a:tcPr>
+                    <a:solidFill>
+                      <a:srgbClr val="FF0000"/>
+                    </a:solidFill>
+                  </a:tcPr>
+                </a:tc>
+                <a:extLst>
+                  <a:ext uri="{0D108BD9-81ED-4DB2-BD59-A6C34878D82A}">
+                    <a16:rowId xmlns:a16="http://schemas.microsoft.com/office/drawing/2014/main" val="2169048919"/>
+                  </a:ext>
+                </a:extLst>
+              </a:tr>
+            </a:tbl>
+          </a:graphicData>
+        </a:graphic>
+      </p:graphicFrame>
+      <p:graphicFrame>
+        <p:nvGraphicFramePr>
+          <p:cNvPr id="6" name="Tabla 10">
+            <a:extLst>
+              <a:ext uri="{FF2B5EF4-FFF2-40B4-BE49-F238E27FC236}">
+                <a16:creationId xmlns:a16="http://schemas.microsoft.com/office/drawing/2014/main" id="{83CC8DAA-B41C-422A-BBBD-0A8BEC6F8088}"/>
+              </a:ext>
+            </a:extLst>
+          </p:cNvPr>
+          <p:cNvGraphicFramePr>
+            <a:graphicFrameLocks noGrp="1"/>
+          </p:cNvGraphicFramePr>
+          <p:nvPr>
+            <p:extLst>
+              <p:ext uri="{D42A27DB-BD31-4B8C-83A1-F6EECF244321}">
+                <p14:modId xmlns:p14="http://schemas.microsoft.com/office/powerpoint/2010/main" val="2670500208"/>
+              </p:ext>
+            </p:extLst>
+          </p:nvPr>
+        </p:nvGraphicFramePr>
+        <p:xfrm>
+          <a:off x="646110" y="2114654"/>
+          <a:ext cx="11241088" cy="3728676"/>
+        </p:xfrm>
+        <a:graphic>
+          <a:graphicData uri="http://schemas.openxmlformats.org/drawingml/2006/table">
+            <a:tbl>
+              <a:tblPr firstCol="1" bandRow="1">
+                <a:tableStyleId>{5C22544A-7EE6-4342-B048-85BDC9FD1C3A}</a:tableStyleId>
+              </a:tblPr>
+              <a:tblGrid>
+                <a:gridCol w="1405136">
+                  <a:extLst>
+                    <a:ext uri="{9D8B030D-6E8A-4147-A177-3AD203B41FA5}">
+                      <a16:colId xmlns:a16="http://schemas.microsoft.com/office/drawing/2014/main" val="847668118"/>
+                    </a:ext>
+                  </a:extLst>
+                </a:gridCol>
+                <a:gridCol w="1405136">
+                  <a:extLst>
+                    <a:ext uri="{9D8B030D-6E8A-4147-A177-3AD203B41FA5}">
+                      <a16:colId xmlns:a16="http://schemas.microsoft.com/office/drawing/2014/main" val="2010335900"/>
+                    </a:ext>
+                  </a:extLst>
+                </a:gridCol>
+                <a:gridCol w="1405136">
+                  <a:extLst>
+                    <a:ext uri="{9D8B030D-6E8A-4147-A177-3AD203B41FA5}">
+                      <a16:colId xmlns:a16="http://schemas.microsoft.com/office/drawing/2014/main" val="1376220219"/>
+                    </a:ext>
+                  </a:extLst>
+                </a:gridCol>
+                <a:gridCol w="1405136">
+                  <a:extLst>
+                    <a:ext uri="{9D8B030D-6E8A-4147-A177-3AD203B41FA5}">
+                      <a16:colId xmlns:a16="http://schemas.microsoft.com/office/drawing/2014/main" val="3572718361"/>
+                    </a:ext>
+                  </a:extLst>
+                </a:gridCol>
+                <a:gridCol w="1405136">
+                  <a:extLst>
+                    <a:ext uri="{9D8B030D-6E8A-4147-A177-3AD203B41FA5}">
+                      <a16:colId xmlns:a16="http://schemas.microsoft.com/office/drawing/2014/main" val="1649241592"/>
+                    </a:ext>
+                  </a:extLst>
+                </a:gridCol>
+                <a:gridCol w="1405136">
+                  <a:extLst>
+                    <a:ext uri="{9D8B030D-6E8A-4147-A177-3AD203B41FA5}">
+                      <a16:colId xmlns:a16="http://schemas.microsoft.com/office/drawing/2014/main" val="904026057"/>
+                    </a:ext>
+                  </a:extLst>
+                </a:gridCol>
+                <a:gridCol w="1405136">
+                  <a:extLst>
+                    <a:ext uri="{9D8B030D-6E8A-4147-A177-3AD203B41FA5}">
+                      <a16:colId xmlns:a16="http://schemas.microsoft.com/office/drawing/2014/main" val="2940711141"/>
+                    </a:ext>
+                  </a:extLst>
+                </a:gridCol>
+                <a:gridCol w="1405136">
+                  <a:extLst>
+                    <a:ext uri="{9D8B030D-6E8A-4147-A177-3AD203B41FA5}">
+                      <a16:colId xmlns:a16="http://schemas.microsoft.com/office/drawing/2014/main" val="3521462052"/>
+                    </a:ext>
+                  </a:extLst>
+                </a:gridCol>
+              </a:tblGrid>
+              <a:tr h="542950">
+                <a:tc>
+                  <a:txBody>
+                    <a:bodyPr/>
+                    <a:lstStyle/>
+                    <a:p>
+                      <a:pPr marL="0" marR="0" lvl="0" indent="0" algn="l" defTabSz="457200" rtl="0" eaLnBrk="1" fontAlgn="auto" latinLnBrk="0" hangingPunct="1">
+                        <a:lnSpc>
+                          <a:spcPct val="100000"/>
+                        </a:lnSpc>
+                        <a:spcBef>
+                          <a:spcPts val="0"/>
+                        </a:spcBef>
+                        <a:spcAft>
+                          <a:spcPts val="0"/>
+                        </a:spcAft>
+                        <a:buClrTx/>
+                        <a:buSzTx/>
+                        <a:buFontTx/>
+                        <a:buNone/>
+                        <a:tabLst/>
+                        <a:defRPr/>
+                      </a:pPr>
+                      <a:endParaRPr lang="en-US" dirty="0"/>
+                    </a:p>
+                  </a:txBody>
+                  <a:tcPr/>
+                </a:tc>
+                <a:tc>
+                  <a:txBody>
+                    <a:bodyPr/>
+                    <a:lstStyle/>
+                    <a:p>
+                      <a:r>
+                        <a:rPr lang="es-ES" sz="900" dirty="0"/>
+                        <a:t>Problema</a:t>
+                      </a:r>
+                    </a:p>
+                  </a:txBody>
+                  <a:tcPr/>
+                </a:tc>
+                <a:tc>
+                  <a:txBody>
+                    <a:bodyPr/>
+                    <a:lstStyle/>
+                    <a:p>
+                      <a:r>
+                        <a:rPr lang="es-ES" sz="900" dirty="0"/>
+                        <a:t>Eudald</a:t>
+                      </a:r>
+                    </a:p>
+                  </a:txBody>
+                  <a:tcPr/>
+                </a:tc>
+                <a:tc>
+                  <a:txBody>
+                    <a:bodyPr/>
+                    <a:lstStyle/>
+                    <a:p>
+                      <a:r>
+                        <a:rPr lang="es-ES" sz="900" dirty="0"/>
+                        <a:t>Miquel</a:t>
+                      </a:r>
+                    </a:p>
+                  </a:txBody>
+                  <a:tcPr/>
+                </a:tc>
+                <a:tc>
+                  <a:txBody>
+                    <a:bodyPr/>
+                    <a:lstStyle/>
+                    <a:p>
+                      <a:r>
+                        <a:rPr lang="es-ES" sz="900" dirty="0"/>
+                        <a:t>Jordi</a:t>
+                      </a:r>
+                    </a:p>
+                  </a:txBody>
+                  <a:tcPr/>
+                </a:tc>
+                <a:tc>
+                  <a:txBody>
+                    <a:bodyPr/>
+                    <a:lstStyle/>
+                    <a:p>
+                      <a:r>
+                        <a:rPr lang="es-ES" sz="900" dirty="0"/>
+                        <a:t>Bernat</a:t>
+                      </a:r>
+                    </a:p>
+                  </a:txBody>
+                  <a:tcPr/>
+                </a:tc>
+                <a:tc>
+                  <a:txBody>
+                    <a:bodyPr/>
+                    <a:lstStyle/>
+                    <a:p>
+                      <a:r>
+                        <a:rPr lang="es-ES" sz="900" dirty="0"/>
+                        <a:t>Impacto negativo sobre la posibilidad de completar la tarea (1-5)</a:t>
+                      </a:r>
+                    </a:p>
+                  </a:txBody>
+                  <a:tcPr/>
+                </a:tc>
+                <a:tc>
+                  <a:txBody>
+                    <a:bodyPr/>
+                    <a:lstStyle/>
+                    <a:p>
+                      <a:r>
+                        <a:rPr lang="es-ES" sz="900" dirty="0"/>
+                        <a:t>Frecuencia con la que puede aparecer: (1-5)</a:t>
+                      </a:r>
+                    </a:p>
+                  </a:txBody>
+                  <a:tcPr/>
+                </a:tc>
+                <a:extLst>
+                  <a:ext uri="{0D108BD9-81ED-4DB2-BD59-A6C34878D82A}">
+                    <a16:rowId xmlns:a16="http://schemas.microsoft.com/office/drawing/2014/main" val="4080578070"/>
+                  </a:ext>
+                </a:extLst>
+              </a:tr>
+              <a:tr h="775643">
+                <a:tc>
+                  <a:txBody>
+                    <a:bodyPr/>
+                    <a:lstStyle/>
+                    <a:p>
+                      <a:r>
+                        <a:rPr lang="en-US" dirty="0"/>
+                        <a:t>Click play button </a:t>
+                      </a:r>
+                    </a:p>
+                  </a:txBody>
+                  <a:tcPr/>
+                </a:tc>
+                <a:tc>
+                  <a:txBody>
+                    <a:bodyPr/>
+                    <a:lstStyle/>
+                    <a:p>
+                      <a:r>
+                        <a:rPr lang="es-ES" sz="1050" dirty="0"/>
+                        <a:t>no se entiende que tenga que darle a </a:t>
+                      </a:r>
+                      <a:r>
+                        <a:rPr lang="es-ES" sz="1050" dirty="0" err="1"/>
+                        <a:t>play</a:t>
+                      </a:r>
+                      <a:endParaRPr lang="es-ES" sz="1050" dirty="0"/>
+                    </a:p>
+                  </a:txBody>
+                  <a:tcPr/>
+                </a:tc>
+                <a:tc>
+                  <a:txBody>
+                    <a:bodyPr/>
+                    <a:lstStyle/>
+                    <a:p>
+                      <a:endParaRPr lang="es-ES" sz="1050" dirty="0"/>
+                    </a:p>
+                  </a:txBody>
+                  <a:tcPr/>
+                </a:tc>
+                <a:tc>
+                  <a:txBody>
+                    <a:bodyPr/>
+                    <a:lstStyle/>
+                    <a:p>
+                      <a:endParaRPr lang="es-ES" dirty="0"/>
+                    </a:p>
+                  </a:txBody>
+                  <a:tcPr/>
+                </a:tc>
+                <a:tc>
+                  <a:txBody>
+                    <a:bodyPr/>
+                    <a:lstStyle/>
+                    <a:p>
+                      <a:r>
+                        <a:rPr lang="es-ES" sz="1050" dirty="0"/>
+                        <a:t>Poner las estadísticas antes de tener que apretar el botón de Play</a:t>
+                      </a:r>
+                    </a:p>
+                  </a:txBody>
+                  <a:tcPr/>
+                </a:tc>
+                <a:tc>
+                  <a:txBody>
+                    <a:bodyPr/>
+                    <a:lstStyle/>
+                    <a:p>
+                      <a:endParaRPr lang="es-ES"/>
+                    </a:p>
+                  </a:txBody>
+                  <a:tcPr/>
+                </a:tc>
+                <a:tc>
+                  <a:txBody>
+                    <a:bodyPr/>
+                    <a:lstStyle/>
+                    <a:p>
+                      <a:r>
+                        <a:rPr lang="es-ES" dirty="0"/>
+                        <a:t>2</a:t>
+                      </a:r>
+                    </a:p>
+                  </a:txBody>
+                  <a:tcPr/>
+                </a:tc>
+                <a:tc>
+                  <a:txBody>
+                    <a:bodyPr/>
+                    <a:lstStyle/>
+                    <a:p>
+                      <a:r>
+                        <a:rPr lang="es-ES" dirty="0"/>
+                        <a:t>4</a:t>
+                      </a:r>
+                    </a:p>
+                  </a:txBody>
+                  <a:tcPr/>
+                </a:tc>
+                <a:extLst>
+                  <a:ext uri="{0D108BD9-81ED-4DB2-BD59-A6C34878D82A}">
+                    <a16:rowId xmlns:a16="http://schemas.microsoft.com/office/drawing/2014/main" val="1986260720"/>
+                  </a:ext>
+                </a:extLst>
+              </a:tr>
+              <a:tr h="1008336">
+                <a:tc>
+                  <a:txBody>
+                    <a:bodyPr/>
+                    <a:lstStyle/>
+                    <a:p>
+                      <a:pPr marL="0" marR="0" lvl="0" indent="0" algn="l" defTabSz="457200" rtl="0" eaLnBrk="1" fontAlgn="auto" latinLnBrk="0" hangingPunct="1">
+                        <a:lnSpc>
+                          <a:spcPct val="100000"/>
+                        </a:lnSpc>
+                        <a:spcBef>
+                          <a:spcPts val="0"/>
+                        </a:spcBef>
+                        <a:spcAft>
+                          <a:spcPts val="0"/>
+                        </a:spcAft>
+                        <a:buClrTx/>
+                        <a:buSzTx/>
+                        <a:buFontTx/>
+                        <a:buNone/>
+                        <a:tabLst/>
+                        <a:defRPr/>
+                      </a:pPr>
+                      <a:r>
+                        <a:rPr lang="en-US" dirty="0"/>
+                        <a:t>Select point mode </a:t>
+                      </a:r>
+                    </a:p>
+                  </a:txBody>
+                  <a:tcPr/>
+                </a:tc>
+                <a:tc>
+                  <a:txBody>
+                    <a:bodyPr/>
+                    <a:lstStyle/>
+                    <a:p>
+                      <a:r>
+                        <a:rPr lang="es-ES" sz="1050" dirty="0"/>
+                        <a:t>similitud que existe entre los menús</a:t>
+                      </a:r>
+                    </a:p>
+                  </a:txBody>
+                  <a:tcPr/>
+                </a:tc>
+                <a:tc>
+                  <a:txBody>
+                    <a:bodyPr/>
+                    <a:lstStyle/>
+                    <a:p>
+                      <a:r>
+                        <a:rPr lang="es-ES" sz="1050" dirty="0"/>
+                        <a:t>distinción entre menús </a:t>
+                      </a:r>
+                    </a:p>
+                  </a:txBody>
+                  <a:tcPr/>
+                </a:tc>
+                <a:tc>
+                  <a:txBody>
+                    <a:bodyPr/>
+                    <a:lstStyle/>
+                    <a:p>
+                      <a:endParaRPr lang="es-ES" dirty="0"/>
+                    </a:p>
+                  </a:txBody>
+                  <a:tcPr/>
+                </a:tc>
+                <a:tc>
+                  <a:txBody>
+                    <a:bodyPr/>
+                    <a:lstStyle/>
+                    <a:p>
+                      <a:endParaRPr lang="es-ES" dirty="0"/>
+                    </a:p>
+                  </a:txBody>
+                  <a:tcPr/>
+                </a:tc>
+                <a:tc>
+                  <a:txBody>
+                    <a:bodyPr/>
+                    <a:lstStyle/>
+                    <a:p>
+                      <a:endParaRPr lang="es-ES"/>
+                    </a:p>
+                  </a:txBody>
+                  <a:tcPr/>
+                </a:tc>
+                <a:tc>
+                  <a:txBody>
+                    <a:bodyPr/>
+                    <a:lstStyle/>
+                    <a:p>
+                      <a:r>
+                        <a:rPr lang="es-ES" dirty="0"/>
+                        <a:t>2</a:t>
+                      </a:r>
+                    </a:p>
+                  </a:txBody>
+                  <a:tcPr/>
+                </a:tc>
+                <a:tc>
+                  <a:txBody>
+                    <a:bodyPr/>
+                    <a:lstStyle/>
+                    <a:p>
+                      <a:r>
+                        <a:rPr lang="es-ES" dirty="0"/>
+                        <a:t>4</a:t>
+                      </a:r>
+                    </a:p>
+                  </a:txBody>
+                  <a:tcPr/>
+                </a:tc>
+                <a:extLst>
+                  <a:ext uri="{0D108BD9-81ED-4DB2-BD59-A6C34878D82A}">
+                    <a16:rowId xmlns:a16="http://schemas.microsoft.com/office/drawing/2014/main" val="2247430811"/>
+                  </a:ext>
+                </a:extLst>
+              </a:tr>
+              <a:tr h="1008336">
+                <a:tc>
+                  <a:txBody>
+                    <a:bodyPr/>
+                    <a:lstStyle/>
+                    <a:p>
+                      <a:pPr marL="0" marR="0" lvl="0" indent="0" algn="l" defTabSz="457200" rtl="0" eaLnBrk="1" fontAlgn="auto" latinLnBrk="0" hangingPunct="1">
+                        <a:lnSpc>
+                          <a:spcPct val="100000"/>
+                        </a:lnSpc>
+                        <a:spcBef>
+                          <a:spcPts val="0"/>
+                        </a:spcBef>
+                        <a:spcAft>
+                          <a:spcPts val="0"/>
+                        </a:spcAft>
+                        <a:buClrTx/>
+                        <a:buSzTx/>
+                        <a:buFontTx/>
+                        <a:buNone/>
+                        <a:tabLst/>
+                        <a:defRPr/>
+                      </a:pPr>
+                      <a:r>
+                        <a:rPr lang="en-US" dirty="0"/>
+                        <a:t>Scroll left all the way to find the stats</a:t>
+                      </a:r>
+                    </a:p>
+                  </a:txBody>
+                  <a:tcPr/>
+                </a:tc>
+                <a:tc>
+                  <a:txBody>
+                    <a:bodyPr/>
+                    <a:lstStyle/>
+                    <a:p>
+                      <a:r>
+                        <a:rPr lang="es-ES" sz="1050" dirty="0"/>
+                        <a:t>no se esperaría encontrarlo ahí</a:t>
+                      </a:r>
+                    </a:p>
+                  </a:txBody>
+                  <a:tcPr/>
+                </a:tc>
+                <a:tc>
+                  <a:txBody>
+                    <a:bodyPr/>
+                    <a:lstStyle/>
+                    <a:p>
+                      <a:endParaRPr lang="es-ES" sz="1050" dirty="0"/>
+                    </a:p>
+                  </a:txBody>
+                  <a:tcPr/>
+                </a:tc>
+                <a:tc>
+                  <a:txBody>
+                    <a:bodyPr/>
+                    <a:lstStyle/>
+                    <a:p>
+                      <a:r>
+                        <a:rPr lang="es-ES" sz="1050" dirty="0"/>
+                        <a:t>apartado en el menú principal enfocado a las estadísticas</a:t>
+                      </a:r>
+                    </a:p>
+                  </a:txBody>
+                  <a:tcPr/>
+                </a:tc>
+                <a:tc>
+                  <a:txBody>
+                    <a:bodyPr/>
+                    <a:lstStyle/>
+                    <a:p>
+                      <a:endParaRPr lang="es-ES" sz="1050" dirty="0"/>
+                    </a:p>
+                  </a:txBody>
+                  <a:tcPr/>
+                </a:tc>
+                <a:tc>
+                  <a:txBody>
+                    <a:bodyPr/>
+                    <a:lstStyle/>
+                    <a:p>
+                      <a:r>
+                        <a:rPr lang="es-ES" sz="1050" dirty="0"/>
+                        <a:t>Hacer un “</a:t>
+                      </a:r>
+                      <a:r>
+                        <a:rPr lang="es-ES" sz="1050" dirty="0" err="1"/>
+                        <a:t>click</a:t>
+                      </a:r>
+                      <a:r>
+                        <a:rPr lang="es-ES" sz="1050" dirty="0"/>
+                        <a:t> </a:t>
+                      </a:r>
+                      <a:r>
+                        <a:rPr lang="es-ES" sz="1050" dirty="0" err="1"/>
+                        <a:t>button</a:t>
+                      </a:r>
+                      <a:r>
+                        <a:rPr lang="es-ES" sz="1050" dirty="0"/>
+                        <a:t>” para que pueda acceder a toda una interfaz que sea un menú </a:t>
+                      </a:r>
+                    </a:p>
+                  </a:txBody>
+                  <a:tcPr/>
+                </a:tc>
+                <a:tc>
+                  <a:txBody>
+                    <a:bodyPr/>
+                    <a:lstStyle/>
+                    <a:p>
+                      <a:r>
+                        <a:rPr lang="es-ES" dirty="0"/>
+                        <a:t>3</a:t>
+                      </a:r>
+                    </a:p>
+                  </a:txBody>
+                  <a:tcPr/>
+                </a:tc>
+                <a:tc>
+                  <a:txBody>
+                    <a:bodyPr/>
+                    <a:lstStyle/>
+                    <a:p>
+                      <a:r>
+                        <a:rPr lang="es-ES" dirty="0"/>
+                        <a:t>2</a:t>
+                      </a:r>
+                    </a:p>
+                  </a:txBody>
+                  <a:tcPr/>
+                </a:tc>
+                <a:extLst>
+                  <a:ext uri="{0D108BD9-81ED-4DB2-BD59-A6C34878D82A}">
+                    <a16:rowId xmlns:a16="http://schemas.microsoft.com/office/drawing/2014/main" val="1221237099"/>
+                  </a:ext>
+                </a:extLst>
+              </a:tr>
+            </a:tbl>
+          </a:graphicData>
+        </a:graphic>
+      </p:graphicFrame>
+    </p:spTree>
+    <p:extLst>
+      <p:ext uri="{BB962C8B-B14F-4D97-AF65-F5344CB8AC3E}">
+        <p14:creationId xmlns:p14="http://schemas.microsoft.com/office/powerpoint/2010/main" val="2725393338"/>
+      </p:ext>
+    </p:extLst>
+  </p:cSld>
+  <p:clrMapOvr>
+    <a:masterClrMapping/>
+  </p:clrMapOvr>
+</p:sld>
+</file>
+
+<file path=ppt/slides/slide13.xml><?xml version="1.0" encoding="utf-8"?>
+<p:sld xmlns:a="http://schemas.openxmlformats.org/drawingml/2006/main" xmlns:r="http://schemas.openxmlformats.org/officeDocument/2006/relationships" xmlns:p="http://schemas.openxmlformats.org/presentationml/2006/main">
+  <p:cSld>
+    <p:spTree>
+      <p:nvGrpSpPr>
+        <p:cNvPr id="1" name=""/>
+        <p:cNvGrpSpPr/>
+        <p:nvPr/>
+      </p:nvGrpSpPr>
+      <p:grpSpPr>
+        <a:xfrm>
+          <a:off x="0" y="0"/>
+          <a:ext cx="0" cy="0"/>
+          <a:chOff x="0" y="0"/>
+          <a:chExt cx="0" cy="0"/>
+        </a:xfrm>
+      </p:grpSpPr>
+      <p:sp>
+        <p:nvSpPr>
+          <p:cNvPr id="2" name="Título 1">
+            <a:extLst>
+              <a:ext uri="{FF2B5EF4-FFF2-40B4-BE49-F238E27FC236}">
+                <a16:creationId xmlns:a16="http://schemas.microsoft.com/office/drawing/2014/main" id="{7C3227F5-3AC7-45B0-9831-E4CDF8DC6F86}"/>
+              </a:ext>
+            </a:extLst>
+          </p:cNvPr>
+          <p:cNvSpPr>
+            <a:spLocks noGrp="1"/>
+          </p:cNvSpPr>
+          <p:nvPr>
+            <p:ph type="title"/>
+          </p:nvPr>
+        </p:nvSpPr>
+        <p:spPr/>
+        <p:txBody>
+          <a:bodyPr/>
+          <a:lstStyle/>
+          <a:p>
+            <a:endParaRPr lang="es-ES"/>
+          </a:p>
+        </p:txBody>
+      </p:sp>
+      <p:sp>
+        <p:nvSpPr>
+          <p:cNvPr id="3" name="Marcador de contenido 2">
+            <a:extLst>
+              <a:ext uri="{FF2B5EF4-FFF2-40B4-BE49-F238E27FC236}">
+                <a16:creationId xmlns:a16="http://schemas.microsoft.com/office/drawing/2014/main" id="{8E0993E6-6E8A-4B2B-84D8-6E308BB5DDD9}"/>
+              </a:ext>
+            </a:extLst>
+          </p:cNvPr>
+          <p:cNvSpPr>
+            <a:spLocks noGrp="1"/>
+          </p:cNvSpPr>
+          <p:nvPr>
+            <p:ph idx="1"/>
+          </p:nvPr>
+        </p:nvSpPr>
+        <p:spPr/>
+        <p:txBody>
+          <a:bodyPr/>
+          <a:lstStyle/>
+          <a:p>
+            <a:endParaRPr lang="es-ES" dirty="0"/>
+          </a:p>
+        </p:txBody>
+      </p:sp>
+      <p:graphicFrame>
+        <p:nvGraphicFramePr>
+          <p:cNvPr id="4" name="Tabla 5">
+            <a:extLst>
+              <a:ext uri="{FF2B5EF4-FFF2-40B4-BE49-F238E27FC236}">
+                <a16:creationId xmlns:a16="http://schemas.microsoft.com/office/drawing/2014/main" id="{564CE298-6649-4BA9-80FB-94AC5A7A7406}"/>
+              </a:ext>
+            </a:extLst>
+          </p:cNvPr>
+          <p:cNvGraphicFramePr>
+            <a:graphicFrameLocks/>
+          </p:cNvGraphicFramePr>
+          <p:nvPr>
+            <p:extLst>
+              <p:ext uri="{D42A27DB-BD31-4B8C-83A1-F6EECF244321}">
+                <p14:modId xmlns:p14="http://schemas.microsoft.com/office/powerpoint/2010/main" val="2684821979"/>
+              </p:ext>
+            </p:extLst>
+          </p:nvPr>
+        </p:nvGraphicFramePr>
+        <p:xfrm>
+          <a:off x="704834" y="217395"/>
+          <a:ext cx="8132965" cy="2021840"/>
+        </p:xfrm>
+        <a:graphic>
+          <a:graphicData uri="http://schemas.openxmlformats.org/drawingml/2006/table">
+            <a:tbl>
+              <a:tblPr firstRow="1" bandRow="1">
+                <a:tableStyleId>{5C22544A-7EE6-4342-B048-85BDC9FD1C3A}</a:tableStyleId>
+              </a:tblPr>
+              <a:tblGrid>
+                <a:gridCol w="4259857">
+                  <a:extLst>
+                    <a:ext uri="{9D8B030D-6E8A-4147-A177-3AD203B41FA5}">
+                      <a16:colId xmlns:a16="http://schemas.microsoft.com/office/drawing/2014/main" val="444513870"/>
+                    </a:ext>
+                  </a:extLst>
+                </a:gridCol>
+                <a:gridCol w="968277">
+                  <a:extLst>
+                    <a:ext uri="{9D8B030D-6E8A-4147-A177-3AD203B41FA5}">
+                      <a16:colId xmlns:a16="http://schemas.microsoft.com/office/drawing/2014/main" val="3744387589"/>
+                    </a:ext>
+                  </a:extLst>
+                </a:gridCol>
+                <a:gridCol w="968277">
+                  <a:extLst>
+                    <a:ext uri="{9D8B030D-6E8A-4147-A177-3AD203B41FA5}">
+                      <a16:colId xmlns:a16="http://schemas.microsoft.com/office/drawing/2014/main" val="2237753491"/>
+                    </a:ext>
+                  </a:extLst>
+                </a:gridCol>
+                <a:gridCol w="968277">
+                  <a:extLst>
+                    <a:ext uri="{9D8B030D-6E8A-4147-A177-3AD203B41FA5}">
+                      <a16:colId xmlns:a16="http://schemas.microsoft.com/office/drawing/2014/main" val="3411150803"/>
+                    </a:ext>
+                  </a:extLst>
+                </a:gridCol>
+                <a:gridCol w="968277">
+                  <a:extLst>
+                    <a:ext uri="{9D8B030D-6E8A-4147-A177-3AD203B41FA5}">
+                      <a16:colId xmlns:a16="http://schemas.microsoft.com/office/drawing/2014/main" val="2686235798"/>
+                    </a:ext>
+                  </a:extLst>
+                </a:gridCol>
+              </a:tblGrid>
+              <a:tr h="370840">
+                <a:tc>
+                  <a:txBody>
+                    <a:bodyPr/>
+                    <a:lstStyle/>
+                    <a:p>
+                      <a:r>
+                        <a:rPr lang="es-ES" dirty="0"/>
+                        <a:t>Activa “</a:t>
+                      </a:r>
+                      <a:r>
+                        <a:rPr lang="es-ES" dirty="0" err="1"/>
+                        <a:t>colorblind</a:t>
+                      </a:r>
+                      <a:r>
+                        <a:rPr lang="es-ES" dirty="0"/>
+                        <a:t>” </a:t>
+                      </a:r>
+                      <a:r>
+                        <a:rPr lang="es-ES" dirty="0" err="1"/>
+                        <a:t>mode</a:t>
+                      </a:r>
+                      <a:endParaRPr lang="es-ES" dirty="0"/>
+                    </a:p>
+                  </a:txBody>
+                  <a:tcPr/>
+                </a:tc>
+                <a:tc>
+                  <a:txBody>
+                    <a:bodyPr/>
+                    <a:lstStyle/>
+                    <a:p>
+                      <a:r>
+                        <a:rPr lang="es-ES" dirty="0"/>
+                        <a:t>Eudald</a:t>
+                      </a:r>
+                    </a:p>
+                  </a:txBody>
+                  <a:tcPr/>
+                </a:tc>
+                <a:tc>
+                  <a:txBody>
+                    <a:bodyPr/>
+                    <a:lstStyle/>
+                    <a:p>
+                      <a:r>
+                        <a:rPr lang="es-ES" dirty="0"/>
+                        <a:t>Miquel</a:t>
+                      </a:r>
+                    </a:p>
+                  </a:txBody>
+                  <a:tcPr/>
+                </a:tc>
+                <a:tc>
+                  <a:txBody>
+                    <a:bodyPr/>
+                    <a:lstStyle/>
+                    <a:p>
+                      <a:r>
+                        <a:rPr lang="es-ES" dirty="0"/>
+                        <a:t>Jordi</a:t>
+                      </a:r>
+                    </a:p>
+                  </a:txBody>
+                  <a:tcPr/>
+                </a:tc>
+                <a:tc>
+                  <a:txBody>
+                    <a:bodyPr/>
+                    <a:lstStyle/>
+                    <a:p>
+                      <a:r>
+                        <a:rPr lang="es-ES" dirty="0"/>
+                        <a:t>Bernat</a:t>
+                      </a:r>
+                    </a:p>
+                  </a:txBody>
+                  <a:tcPr/>
+                </a:tc>
+                <a:extLst>
+                  <a:ext uri="{0D108BD9-81ED-4DB2-BD59-A6C34878D82A}">
+                    <a16:rowId xmlns:a16="http://schemas.microsoft.com/office/drawing/2014/main" val="104966058"/>
+                  </a:ext>
+                </a:extLst>
+              </a:tr>
+              <a:tr h="370840">
+                <a:tc>
+                  <a:txBody>
+                    <a:bodyPr/>
+                    <a:lstStyle/>
+                    <a:p>
+                      <a:r>
+                        <a:rPr lang="en-US" dirty="0"/>
+                        <a:t>Scroll right to settings and click on it</a:t>
+                      </a:r>
+                    </a:p>
+                  </a:txBody>
+                  <a:tcPr/>
+                </a:tc>
+                <a:tc>
+                  <a:txBody>
+                    <a:bodyPr/>
+                    <a:lstStyle/>
+                    <a:p>
+                      <a:endParaRPr lang="es-ES" dirty="0"/>
+                    </a:p>
+                  </a:txBody>
+                  <a:tcPr>
+                    <a:solidFill>
+                      <a:srgbClr val="FF0000"/>
+                    </a:solidFill>
+                  </a:tcPr>
+                </a:tc>
+                <a:tc>
+                  <a:txBody>
+                    <a:bodyPr/>
+                    <a:lstStyle/>
+                    <a:p>
+                      <a:endParaRPr lang="es-ES" dirty="0"/>
+                    </a:p>
+                  </a:txBody>
+                  <a:tcPr>
+                    <a:solidFill>
+                      <a:srgbClr val="92D050"/>
+                    </a:solidFill>
+                  </a:tcPr>
+                </a:tc>
+                <a:tc>
+                  <a:txBody>
+                    <a:bodyPr/>
+                    <a:lstStyle/>
+                    <a:p>
+                      <a:endParaRPr lang="es-ES" dirty="0"/>
+                    </a:p>
+                  </a:txBody>
+                  <a:tcPr>
+                    <a:solidFill>
+                      <a:srgbClr val="92D050"/>
+                    </a:solidFill>
+                  </a:tcPr>
+                </a:tc>
+                <a:tc>
+                  <a:txBody>
+                    <a:bodyPr/>
+                    <a:lstStyle/>
+                    <a:p>
+                      <a:endParaRPr lang="es-ES" dirty="0"/>
+                    </a:p>
+                  </a:txBody>
+                  <a:tcPr>
+                    <a:solidFill>
+                      <a:srgbClr val="92D050"/>
+                    </a:solidFill>
+                  </a:tcPr>
+                </a:tc>
+                <a:extLst>
+                  <a:ext uri="{0D108BD9-81ED-4DB2-BD59-A6C34878D82A}">
+                    <a16:rowId xmlns:a16="http://schemas.microsoft.com/office/drawing/2014/main" val="4229076764"/>
+                  </a:ext>
+                </a:extLst>
+              </a:tr>
+              <a:tr h="370840">
+                <a:tc>
+                  <a:txBody>
+                    <a:bodyPr/>
+                    <a:lstStyle/>
+                    <a:p>
+                      <a:pPr marL="0" marR="0" lvl="0" indent="0" algn="l" defTabSz="457200" rtl="0" eaLnBrk="1" fontAlgn="auto" latinLnBrk="0" hangingPunct="1">
+                        <a:lnSpc>
+                          <a:spcPct val="100000"/>
+                        </a:lnSpc>
+                        <a:spcBef>
+                          <a:spcPts val="0"/>
+                        </a:spcBef>
+                        <a:spcAft>
+                          <a:spcPts val="0"/>
+                        </a:spcAft>
+                        <a:buClrTx/>
+                        <a:buSzTx/>
+                        <a:buFontTx/>
+                        <a:buNone/>
+                        <a:tabLst/>
+                        <a:defRPr/>
+                      </a:pPr>
+                      <a:r>
+                        <a:rPr lang="en-US" dirty="0"/>
+                        <a:t>Scroll to the right until you find the colorblind mode</a:t>
+                      </a:r>
+                    </a:p>
+                  </a:txBody>
+                  <a:tcPr/>
+                </a:tc>
+                <a:tc>
+                  <a:txBody>
+                    <a:bodyPr/>
+                    <a:lstStyle/>
+                    <a:p>
+                      <a:endParaRPr lang="es-ES" dirty="0"/>
+                    </a:p>
+                  </a:txBody>
+                  <a:tcPr>
+                    <a:solidFill>
+                      <a:srgbClr val="92D050"/>
+                    </a:solidFill>
+                  </a:tcPr>
+                </a:tc>
+                <a:tc>
+                  <a:txBody>
+                    <a:bodyPr/>
+                    <a:lstStyle/>
+                    <a:p>
+                      <a:endParaRPr lang="es-ES" dirty="0"/>
+                    </a:p>
+                  </a:txBody>
+                  <a:tcPr>
+                    <a:solidFill>
+                      <a:srgbClr val="FF0000"/>
+                    </a:solidFill>
+                  </a:tcPr>
+                </a:tc>
+                <a:tc>
+                  <a:txBody>
+                    <a:bodyPr/>
+                    <a:lstStyle/>
+                    <a:p>
+                      <a:endParaRPr lang="es-ES" dirty="0"/>
+                    </a:p>
+                  </a:txBody>
+                  <a:tcPr>
+                    <a:solidFill>
+                      <a:srgbClr val="92D050"/>
+                    </a:solidFill>
+                  </a:tcPr>
+                </a:tc>
+                <a:tc>
+                  <a:txBody>
+                    <a:bodyPr/>
+                    <a:lstStyle/>
+                    <a:p>
+                      <a:endParaRPr lang="es-ES" dirty="0"/>
+                    </a:p>
+                  </a:txBody>
+                  <a:tcPr>
+                    <a:solidFill>
+                      <a:srgbClr val="FF0000"/>
+                    </a:solidFill>
+                  </a:tcPr>
+                </a:tc>
+                <a:extLst>
+                  <a:ext uri="{0D108BD9-81ED-4DB2-BD59-A6C34878D82A}">
+                    <a16:rowId xmlns:a16="http://schemas.microsoft.com/office/drawing/2014/main" val="3280790667"/>
+                  </a:ext>
+                </a:extLst>
+              </a:tr>
+              <a:tr h="370840">
+                <a:tc>
+                  <a:txBody>
+                    <a:bodyPr/>
+                    <a:lstStyle/>
+                    <a:p>
+                      <a:pPr marL="0" marR="0" lvl="0" indent="0" algn="l" defTabSz="457200" rtl="0" eaLnBrk="1" fontAlgn="auto" latinLnBrk="0" hangingPunct="1">
+                        <a:lnSpc>
+                          <a:spcPct val="100000"/>
+                        </a:lnSpc>
+                        <a:spcBef>
+                          <a:spcPts val="0"/>
+                        </a:spcBef>
+                        <a:spcAft>
+                          <a:spcPts val="0"/>
+                        </a:spcAft>
+                        <a:buClrTx/>
+                        <a:buSzTx/>
+                        <a:buFontTx/>
+                        <a:buNone/>
+                        <a:tabLst/>
+                        <a:defRPr/>
+                      </a:pPr>
+                      <a:r>
+                        <a:rPr lang="en-US" dirty="0"/>
+                        <a:t>Click on the “colorblind” mode to activate it</a:t>
+                      </a:r>
+                    </a:p>
+                  </a:txBody>
+                  <a:tcPr/>
+                </a:tc>
+                <a:tc>
+                  <a:txBody>
+                    <a:bodyPr/>
+                    <a:lstStyle/>
+                    <a:p>
+                      <a:endParaRPr lang="es-ES" dirty="0"/>
+                    </a:p>
+                  </a:txBody>
+                  <a:tcPr>
+                    <a:solidFill>
+                      <a:srgbClr val="92D050"/>
+                    </a:solidFill>
+                  </a:tcPr>
+                </a:tc>
+                <a:tc>
+                  <a:txBody>
+                    <a:bodyPr/>
+                    <a:lstStyle/>
+                    <a:p>
+                      <a:endParaRPr lang="es-ES" dirty="0"/>
+                    </a:p>
+                  </a:txBody>
+                  <a:tcPr>
+                    <a:solidFill>
+                      <a:srgbClr val="92D050"/>
+                    </a:solidFill>
+                  </a:tcPr>
+                </a:tc>
+                <a:tc>
+                  <a:txBody>
+                    <a:bodyPr/>
+                    <a:lstStyle/>
+                    <a:p>
+                      <a:endParaRPr lang="es-ES" dirty="0"/>
+                    </a:p>
+                  </a:txBody>
+                  <a:tcPr>
+                    <a:solidFill>
+                      <a:srgbClr val="92D050"/>
+                    </a:solidFill>
+                  </a:tcPr>
+                </a:tc>
+                <a:tc>
+                  <a:txBody>
+                    <a:bodyPr/>
+                    <a:lstStyle/>
+                    <a:p>
+                      <a:endParaRPr lang="es-ES" dirty="0"/>
+                    </a:p>
+                  </a:txBody>
+                  <a:tcPr>
+                    <a:solidFill>
+                      <a:srgbClr val="92D050"/>
+                    </a:solidFill>
+                  </a:tcPr>
+                </a:tc>
+                <a:extLst>
+                  <a:ext uri="{0D108BD9-81ED-4DB2-BD59-A6C34878D82A}">
+                    <a16:rowId xmlns:a16="http://schemas.microsoft.com/office/drawing/2014/main" val="2169048919"/>
+                  </a:ext>
+                </a:extLst>
+              </a:tr>
+            </a:tbl>
+          </a:graphicData>
+        </a:graphic>
+      </p:graphicFrame>
+      <p:graphicFrame>
+        <p:nvGraphicFramePr>
+          <p:cNvPr id="5" name="Tabla 10">
+            <a:extLst>
+              <a:ext uri="{FF2B5EF4-FFF2-40B4-BE49-F238E27FC236}">
+                <a16:creationId xmlns:a16="http://schemas.microsoft.com/office/drawing/2014/main" id="{2CCB3485-D9B0-4E77-83C4-062A1CAF64A3}"/>
+              </a:ext>
+            </a:extLst>
+          </p:cNvPr>
+          <p:cNvGraphicFramePr>
+            <a:graphicFrameLocks noGrp="1"/>
+          </p:cNvGraphicFramePr>
+          <p:nvPr>
+            <p:extLst>
+              <p:ext uri="{D42A27DB-BD31-4B8C-83A1-F6EECF244321}">
+                <p14:modId xmlns:p14="http://schemas.microsoft.com/office/powerpoint/2010/main" val="1818481386"/>
+              </p:ext>
+            </p:extLst>
+          </p:nvPr>
+        </p:nvGraphicFramePr>
+        <p:xfrm>
+          <a:off x="704834" y="2360036"/>
+          <a:ext cx="10318456" cy="3017520"/>
+        </p:xfrm>
+        <a:graphic>
+          <a:graphicData uri="http://schemas.openxmlformats.org/drawingml/2006/table">
+            <a:tbl>
+              <a:tblPr firstCol="1" bandRow="1">
+                <a:tableStyleId>{5C22544A-7EE6-4342-B048-85BDC9FD1C3A}</a:tableStyleId>
+              </a:tblPr>
+              <a:tblGrid>
+                <a:gridCol w="1845419">
+                  <a:extLst>
+                    <a:ext uri="{9D8B030D-6E8A-4147-A177-3AD203B41FA5}">
+                      <a16:colId xmlns:a16="http://schemas.microsoft.com/office/drawing/2014/main" val="847668118"/>
+                    </a:ext>
+                  </a:extLst>
+                </a:gridCol>
+                <a:gridCol w="1149292">
+                  <a:extLst>
+                    <a:ext uri="{9D8B030D-6E8A-4147-A177-3AD203B41FA5}">
+                      <a16:colId xmlns:a16="http://schemas.microsoft.com/office/drawing/2014/main" val="2010335900"/>
+                    </a:ext>
+                  </a:extLst>
+                </a:gridCol>
+                <a:gridCol w="1367405">
+                  <a:extLst>
+                    <a:ext uri="{9D8B030D-6E8A-4147-A177-3AD203B41FA5}">
+                      <a16:colId xmlns:a16="http://schemas.microsoft.com/office/drawing/2014/main" val="1376220219"/>
+                    </a:ext>
+                  </a:extLst>
+                </a:gridCol>
+                <a:gridCol w="1367406">
+                  <a:extLst>
+                    <a:ext uri="{9D8B030D-6E8A-4147-A177-3AD203B41FA5}">
+                      <a16:colId xmlns:a16="http://schemas.microsoft.com/office/drawing/2014/main" val="3572718361"/>
+                    </a:ext>
+                  </a:extLst>
+                </a:gridCol>
+                <a:gridCol w="719513">
+                  <a:extLst>
+                    <a:ext uri="{9D8B030D-6E8A-4147-A177-3AD203B41FA5}">
+                      <a16:colId xmlns:a16="http://schemas.microsoft.com/office/drawing/2014/main" val="1649241592"/>
+                    </a:ext>
+                  </a:extLst>
+                </a:gridCol>
+                <a:gridCol w="1289807">
+                  <a:extLst>
+                    <a:ext uri="{9D8B030D-6E8A-4147-A177-3AD203B41FA5}">
+                      <a16:colId xmlns:a16="http://schemas.microsoft.com/office/drawing/2014/main" val="904026057"/>
+                    </a:ext>
+                  </a:extLst>
+                </a:gridCol>
+                <a:gridCol w="1289807">
+                  <a:extLst>
+                    <a:ext uri="{9D8B030D-6E8A-4147-A177-3AD203B41FA5}">
+                      <a16:colId xmlns:a16="http://schemas.microsoft.com/office/drawing/2014/main" val="2940711141"/>
+                    </a:ext>
+                  </a:extLst>
+                </a:gridCol>
+                <a:gridCol w="1289807">
+                  <a:extLst>
+                    <a:ext uri="{9D8B030D-6E8A-4147-A177-3AD203B41FA5}">
+                      <a16:colId xmlns:a16="http://schemas.microsoft.com/office/drawing/2014/main" val="3521462052"/>
+                    </a:ext>
+                  </a:extLst>
+                </a:gridCol>
+              </a:tblGrid>
+              <a:tr h="370840">
+                <a:tc>
+                  <a:txBody>
+                    <a:bodyPr/>
+                    <a:lstStyle/>
+                    <a:p>
+                      <a:pPr marL="0" marR="0" lvl="0" indent="0" algn="l" defTabSz="457200" rtl="0" eaLnBrk="1" fontAlgn="auto" latinLnBrk="0" hangingPunct="1">
+                        <a:lnSpc>
+                          <a:spcPct val="100000"/>
+                        </a:lnSpc>
+                        <a:spcBef>
+                          <a:spcPts val="0"/>
+                        </a:spcBef>
+                        <a:spcAft>
+                          <a:spcPts val="0"/>
+                        </a:spcAft>
+                        <a:buClrTx/>
+                        <a:buSzTx/>
+                        <a:buFontTx/>
+                        <a:buNone/>
+                        <a:tabLst/>
+                        <a:defRPr/>
+                      </a:pPr>
+                      <a:endParaRPr lang="en-US" dirty="0"/>
+                    </a:p>
+                  </a:txBody>
+                  <a:tcPr/>
+                </a:tc>
+                <a:tc>
+                  <a:txBody>
+                    <a:bodyPr/>
+                    <a:lstStyle/>
+                    <a:p>
+                      <a:r>
+                        <a:rPr lang="es-ES" sz="900" dirty="0"/>
+                        <a:t>Problema</a:t>
+                      </a:r>
+                    </a:p>
+                  </a:txBody>
+                  <a:tcPr/>
+                </a:tc>
+                <a:tc>
+                  <a:txBody>
+                    <a:bodyPr/>
+                    <a:lstStyle/>
+                    <a:p>
+                      <a:r>
+                        <a:rPr lang="es-ES" sz="900" dirty="0"/>
+                        <a:t>Eudald</a:t>
+                      </a:r>
+                    </a:p>
+                  </a:txBody>
+                  <a:tcPr/>
+                </a:tc>
+                <a:tc>
+                  <a:txBody>
+                    <a:bodyPr/>
+                    <a:lstStyle/>
+                    <a:p>
+                      <a:r>
+                        <a:rPr lang="es-ES" sz="900" dirty="0"/>
+                        <a:t>Miquel</a:t>
+                      </a:r>
+                    </a:p>
+                  </a:txBody>
+                  <a:tcPr/>
+                </a:tc>
+                <a:tc>
+                  <a:txBody>
+                    <a:bodyPr/>
+                    <a:lstStyle/>
+                    <a:p>
+                      <a:r>
+                        <a:rPr lang="es-ES" sz="900" dirty="0"/>
+                        <a:t>Jordi</a:t>
+                      </a:r>
+                    </a:p>
+                  </a:txBody>
+                  <a:tcPr/>
+                </a:tc>
+                <a:tc>
+                  <a:txBody>
+                    <a:bodyPr/>
+                    <a:lstStyle/>
+                    <a:p>
+                      <a:r>
+                        <a:rPr lang="es-ES" sz="900" dirty="0"/>
+                        <a:t>Bernat</a:t>
+                      </a:r>
+                    </a:p>
+                  </a:txBody>
+                  <a:tcPr/>
+                </a:tc>
+                <a:tc>
+                  <a:txBody>
+                    <a:bodyPr/>
+                    <a:lstStyle/>
+                    <a:p>
+                      <a:r>
+                        <a:rPr lang="es-ES" sz="900" dirty="0"/>
+                        <a:t>Impacto negativo sobre la posibilidad de completar la tarea (1-5)</a:t>
+                      </a:r>
+                    </a:p>
+                  </a:txBody>
+                  <a:tcPr/>
+                </a:tc>
+                <a:tc>
+                  <a:txBody>
+                    <a:bodyPr/>
+                    <a:lstStyle/>
+                    <a:p>
+                      <a:r>
+                        <a:rPr lang="es-ES" sz="900" dirty="0"/>
+                        <a:t>Frecuencia con la que puede aparecer: (1-5)</a:t>
+                      </a:r>
+                    </a:p>
+                  </a:txBody>
+                  <a:tcPr/>
+                </a:tc>
+                <a:extLst>
+                  <a:ext uri="{0D108BD9-81ED-4DB2-BD59-A6C34878D82A}">
+                    <a16:rowId xmlns:a16="http://schemas.microsoft.com/office/drawing/2014/main" val="4080578070"/>
+                  </a:ext>
+                </a:extLst>
+              </a:tr>
+              <a:tr h="370840">
+                <a:tc>
+                  <a:txBody>
+                    <a:bodyPr/>
+                    <a:lstStyle/>
+                    <a:p>
+                      <a:r>
+                        <a:rPr lang="en-US" dirty="0"/>
+                        <a:t>Scroll right to settings and click on it</a:t>
+                      </a:r>
+                    </a:p>
+                  </a:txBody>
+                  <a:tcPr/>
+                </a:tc>
+                <a:tc>
+                  <a:txBody>
+                    <a:bodyPr/>
+                    <a:lstStyle/>
+                    <a:p>
+                      <a:r>
+                        <a:rPr lang="es-ES" sz="1050" dirty="0"/>
+                        <a:t>lo poco reconocible que son los menús</a:t>
+                      </a:r>
+                    </a:p>
+                  </a:txBody>
+                  <a:tcPr/>
+                </a:tc>
+                <a:tc>
+                  <a:txBody>
+                    <a:bodyPr/>
+                    <a:lstStyle/>
+                    <a:p>
+                      <a:r>
+                        <a:rPr lang="es-ES" sz="1050" dirty="0"/>
+                        <a:t>distinción entre menús </a:t>
+                      </a:r>
+                    </a:p>
+                  </a:txBody>
+                  <a:tcPr/>
+                </a:tc>
+                <a:tc>
+                  <a:txBody>
+                    <a:bodyPr/>
+                    <a:lstStyle/>
+                    <a:p>
+                      <a:endParaRPr lang="es-ES" dirty="0"/>
+                    </a:p>
+                  </a:txBody>
+                  <a:tcPr/>
+                </a:tc>
+                <a:tc>
+                  <a:txBody>
+                    <a:bodyPr/>
+                    <a:lstStyle/>
+                    <a:p>
+                      <a:endParaRPr lang="es-ES" dirty="0"/>
+                    </a:p>
+                  </a:txBody>
+                  <a:tcPr/>
+                </a:tc>
+                <a:tc>
+                  <a:txBody>
+                    <a:bodyPr/>
+                    <a:lstStyle/>
+                    <a:p>
+                      <a:endParaRPr lang="es-ES"/>
+                    </a:p>
+                  </a:txBody>
+                  <a:tcPr/>
+                </a:tc>
+                <a:tc>
+                  <a:txBody>
+                    <a:bodyPr/>
+                    <a:lstStyle/>
+                    <a:p>
+                      <a:r>
+                        <a:rPr lang="es-ES" dirty="0"/>
+                        <a:t>2</a:t>
+                      </a:r>
+                    </a:p>
+                  </a:txBody>
+                  <a:tcPr/>
+                </a:tc>
+                <a:tc>
+                  <a:txBody>
+                    <a:bodyPr/>
+                    <a:lstStyle/>
+                    <a:p>
+                      <a:r>
+                        <a:rPr lang="es-ES" dirty="0"/>
+                        <a:t>4</a:t>
+                      </a:r>
+                    </a:p>
+                  </a:txBody>
+                  <a:tcPr/>
+                </a:tc>
+                <a:extLst>
+                  <a:ext uri="{0D108BD9-81ED-4DB2-BD59-A6C34878D82A}">
+                    <a16:rowId xmlns:a16="http://schemas.microsoft.com/office/drawing/2014/main" val="1986260720"/>
+                  </a:ext>
+                </a:extLst>
+              </a:tr>
+              <a:tr h="370840">
+                <a:tc>
+                  <a:txBody>
+                    <a:bodyPr/>
+                    <a:lstStyle/>
+                    <a:p>
+                      <a:pPr marL="0" marR="0" lvl="0" indent="0" algn="l" defTabSz="457200" rtl="0" eaLnBrk="1" fontAlgn="auto" latinLnBrk="0" hangingPunct="1">
+                        <a:lnSpc>
+                          <a:spcPct val="100000"/>
+                        </a:lnSpc>
+                        <a:spcBef>
+                          <a:spcPts val="0"/>
+                        </a:spcBef>
+                        <a:spcAft>
+                          <a:spcPts val="0"/>
+                        </a:spcAft>
+                        <a:buClrTx/>
+                        <a:buSzTx/>
+                        <a:buFontTx/>
+                        <a:buNone/>
+                        <a:tabLst/>
+                        <a:defRPr/>
+                      </a:pPr>
+                      <a:r>
+                        <a:rPr lang="en-US" dirty="0"/>
+                        <a:t>Scroll to the right until you find the colorblind mode</a:t>
+                      </a:r>
+                    </a:p>
+                  </a:txBody>
+                  <a:tcPr/>
+                </a:tc>
+                <a:tc>
+                  <a:txBody>
+                    <a:bodyPr/>
+                    <a:lstStyle/>
+                    <a:p>
+                      <a:r>
+                        <a:rPr lang="es-ES" sz="1050" dirty="0"/>
+                        <a:t>Los menús son demasiado parecidos</a:t>
+                      </a:r>
+                    </a:p>
+                  </a:txBody>
+                  <a:tcPr/>
+                </a:tc>
+                <a:tc>
+                  <a:txBody>
+                    <a:bodyPr/>
+                    <a:lstStyle/>
+                    <a:p>
+                      <a:endParaRPr lang="es-ES" sz="1050" dirty="0"/>
+                    </a:p>
+                  </a:txBody>
+                  <a:tcPr/>
+                </a:tc>
+                <a:tc>
+                  <a:txBody>
+                    <a:bodyPr/>
+                    <a:lstStyle/>
+                    <a:p>
+                      <a:r>
+                        <a:rPr lang="es-ES" sz="1050" dirty="0"/>
+                        <a:t> modificar el sistema de menús sin cambiar demasiado el </a:t>
+                      </a:r>
+                      <a:r>
+                        <a:rPr lang="es-ES" sz="1050" dirty="0" err="1"/>
+                        <a:t>core</a:t>
+                      </a:r>
+                      <a:r>
+                        <a:rPr lang="es-ES" sz="1050" dirty="0"/>
+                        <a:t> </a:t>
+                      </a:r>
+                    </a:p>
+                  </a:txBody>
+                  <a:tcPr/>
+                </a:tc>
+                <a:tc>
+                  <a:txBody>
+                    <a:bodyPr/>
+                    <a:lstStyle/>
+                    <a:p>
+                      <a:endParaRPr lang="es-ES" sz="1050" dirty="0"/>
+                    </a:p>
+                  </a:txBody>
+                  <a:tcPr/>
+                </a:tc>
+                <a:tc>
+                  <a:txBody>
+                    <a:bodyPr/>
+                    <a:lstStyle/>
+                    <a:p>
+                      <a:r>
+                        <a:rPr lang="es-ES" sz="1050" dirty="0"/>
+                        <a:t>Poner el modo para daltónicos antes que de modo nocturno</a:t>
+                      </a:r>
+                    </a:p>
+                  </a:txBody>
+                  <a:tcPr/>
+                </a:tc>
+                <a:tc>
+                  <a:txBody>
+                    <a:bodyPr/>
+                    <a:lstStyle/>
+                    <a:p>
+                      <a:r>
+                        <a:rPr lang="es-ES" dirty="0"/>
+                        <a:t>3</a:t>
+                      </a:r>
+                    </a:p>
+                  </a:txBody>
+                  <a:tcPr/>
+                </a:tc>
+                <a:tc>
+                  <a:txBody>
+                    <a:bodyPr/>
+                    <a:lstStyle/>
+                    <a:p>
+                      <a:r>
+                        <a:rPr lang="es-ES" dirty="0"/>
+                        <a:t>3</a:t>
+                      </a:r>
+                    </a:p>
+                  </a:txBody>
+                  <a:tcPr/>
+                </a:tc>
+                <a:extLst>
+                  <a:ext uri="{0D108BD9-81ED-4DB2-BD59-A6C34878D82A}">
+                    <a16:rowId xmlns:a16="http://schemas.microsoft.com/office/drawing/2014/main" val="2247430811"/>
+                  </a:ext>
+                </a:extLst>
+              </a:tr>
+            </a:tbl>
+          </a:graphicData>
+        </a:graphic>
+      </p:graphicFrame>
+    </p:spTree>
+    <p:extLst>
+      <p:ext uri="{BB962C8B-B14F-4D97-AF65-F5344CB8AC3E}">
+        <p14:creationId xmlns:p14="http://schemas.microsoft.com/office/powerpoint/2010/main" val="2607820407"/>
       </p:ext>
     </p:extLst>
   </p:cSld>
@@ -6200,27 +10492,6 @@
           <a:lstStyle/>
           <a:p>
             <a:r>
-              <a:rPr lang="es-ES" b="1" dirty="0" smtClean="0">
-                <a:ln w="9525">
-                  <a:solidFill>
-                    <a:schemeClr val="bg1"/>
-                  </a:solidFill>
-                  <a:prstDash val="solid"/>
-                </a:ln>
-                <a:solidFill>
-                  <a:schemeClr val="tx1"/>
-                </a:solidFill>
-                <a:effectLst>
-                  <a:outerShdw blurRad="12700" dist="38100" dir="2700000" algn="tl" rotWithShape="0">
-                    <a:schemeClr val="bg1">
-                      <a:lumMod val="50000"/>
-                    </a:schemeClr>
-                  </a:outerShdw>
-                </a:effectLst>
-              </a:rPr>
-              <a:t>PlayTesting : </a:t>
-            </a:r>
-            <a:r>
               <a:rPr lang="es-ES" b="1" dirty="0">
                 <a:ln w="9525">
                   <a:solidFill>
@@ -6239,10 +10510,10 @@
                   </a:outerShdw>
                 </a:effectLst>
               </a:rPr>
-              <a:t>	</a:t>
+              <a:t>PlayTesting : 	</a:t>
             </a:r>
             <a:r>
-              <a:rPr lang="es-ES" sz="3200" b="1" dirty="0" smtClean="0">
+              <a:rPr lang="es-ES" sz="3200" b="1" dirty="0">
                 <a:ln w="9525">
                   <a:solidFill>
                     <a:schemeClr val="bg1"/>
@@ -6295,6 +10566,81 @@
           </a:xfrm>
         </p:spPr>
       </p:pic>
+      <p:sp>
+        <p:nvSpPr>
+          <p:cNvPr id="3" name="CuadroTexto 2">
+            <a:extLst>
+              <a:ext uri="{FF2B5EF4-FFF2-40B4-BE49-F238E27FC236}">
+                <a16:creationId xmlns:a16="http://schemas.microsoft.com/office/drawing/2014/main" id="{1C0E1378-8EF5-42FD-8A45-043399557E60}"/>
+              </a:ext>
+            </a:extLst>
+          </p:cNvPr>
+          <p:cNvSpPr txBox="1"/>
+          <p:nvPr/>
+        </p:nvSpPr>
+        <p:spPr>
+          <a:xfrm>
+            <a:off x="729842" y="1761688"/>
+            <a:ext cx="6551801" cy="2185214"/>
+          </a:xfrm>
+          <a:prstGeom prst="rect">
+            <a:avLst/>
+          </a:prstGeom>
+          <a:noFill/>
+        </p:spPr>
+        <p:txBody>
+          <a:bodyPr wrap="square" rtlCol="0">
+            <a:spAutoFit/>
+          </a:bodyPr>
+          <a:lstStyle/>
+          <a:p>
+            <a:r>
+              <a:rPr lang="es-ES" sz="2800" dirty="0"/>
+              <a:t>Pre-Play</a:t>
+            </a:r>
+          </a:p>
+          <a:p>
+            <a:r>
+              <a:rPr lang="es-ES" dirty="0"/>
+              <a:t>¿Te gustan los videojuegos como Civilization VI, </a:t>
+            </a:r>
+            <a:r>
+              <a:rPr lang="es-ES" dirty="0" err="1"/>
+              <a:t>Democracy</a:t>
+            </a:r>
+            <a:r>
+              <a:rPr lang="es-ES" dirty="0"/>
+              <a:t> 3 o </a:t>
+            </a:r>
+            <a:r>
+              <a:rPr lang="es-ES" dirty="0" err="1"/>
+              <a:t>Warhammer</a:t>
+            </a:r>
+            <a:r>
+              <a:rPr lang="es-ES" dirty="0"/>
+              <a:t>? </a:t>
+            </a:r>
+          </a:p>
+          <a:p>
+            <a:r>
+              <a:rPr lang="es-ES" dirty="0"/>
+              <a:t>¿Qué videojuegos sueles jugar? </a:t>
+            </a:r>
+          </a:p>
+          <a:p>
+            <a:r>
+              <a:rPr lang="es-ES" dirty="0"/>
+              <a:t>¿Qué es lo que más te gusta sobre estos videojuegos? ¿Dónde sueles buscar nuevos videojuegos? </a:t>
+            </a:r>
+          </a:p>
+          <a:p>
+            <a:r>
+              <a:rPr lang="es-ES" dirty="0"/>
+              <a:t>¿Cuál ha sido el último videojuego que has jugado?</a:t>
+            </a:r>
+          </a:p>
+        </p:txBody>
+      </p:sp>
     </p:spTree>
     <p:extLst>
       <p:ext uri="{BB962C8B-B14F-4D97-AF65-F5344CB8AC3E}">
@@ -6327,6 +10673,1525 @@
       </p:grpSpPr>
       <p:sp>
         <p:nvSpPr>
+          <p:cNvPr id="2" name="Título 1">
+            <a:extLst>
+              <a:ext uri="{FF2B5EF4-FFF2-40B4-BE49-F238E27FC236}">
+                <a16:creationId xmlns:a16="http://schemas.microsoft.com/office/drawing/2014/main" id="{E433BDEC-863E-4630-A4F5-0D410AF3F5D0}"/>
+              </a:ext>
+            </a:extLst>
+          </p:cNvPr>
+          <p:cNvSpPr>
+            <a:spLocks noGrp="1"/>
+          </p:cNvSpPr>
+          <p:nvPr>
+            <p:ph type="title"/>
+          </p:nvPr>
+        </p:nvSpPr>
+        <p:spPr/>
+        <p:txBody>
+          <a:bodyPr/>
+          <a:lstStyle/>
+          <a:p>
+            <a:endParaRPr lang="es-ES"/>
+          </a:p>
+        </p:txBody>
+      </p:sp>
+      <p:graphicFrame>
+        <p:nvGraphicFramePr>
+          <p:cNvPr id="4" name="Tabla 4">
+            <a:extLst>
+              <a:ext uri="{FF2B5EF4-FFF2-40B4-BE49-F238E27FC236}">
+                <a16:creationId xmlns:a16="http://schemas.microsoft.com/office/drawing/2014/main" id="{939E27E7-4151-4D78-BEA8-D2157F8421C3}"/>
+              </a:ext>
+            </a:extLst>
+          </p:cNvPr>
+          <p:cNvGraphicFramePr>
+            <a:graphicFrameLocks noGrp="1"/>
+          </p:cNvGraphicFramePr>
+          <p:nvPr>
+            <p:ph idx="1"/>
+            <p:extLst>
+              <p:ext uri="{D42A27DB-BD31-4B8C-83A1-F6EECF244321}">
+                <p14:modId xmlns:p14="http://schemas.microsoft.com/office/powerpoint/2010/main" val="1741640896"/>
+              </p:ext>
+            </p:extLst>
+          </p:nvPr>
+        </p:nvGraphicFramePr>
+        <p:xfrm>
+          <a:off x="1103684" y="1700300"/>
+          <a:ext cx="8947150" cy="4622800"/>
+        </p:xfrm>
+        <a:graphic>
+          <a:graphicData uri="http://schemas.openxmlformats.org/drawingml/2006/table">
+            <a:tbl>
+              <a:tblPr bandRow="1">
+                <a:tableStyleId>{5C22544A-7EE6-4342-B048-85BDC9FD1C3A}</a:tableStyleId>
+              </a:tblPr>
+              <a:tblGrid>
+                <a:gridCol w="2696900">
+                  <a:extLst>
+                    <a:ext uri="{9D8B030D-6E8A-4147-A177-3AD203B41FA5}">
+                      <a16:colId xmlns:a16="http://schemas.microsoft.com/office/drawing/2014/main" val="1863478533"/>
+                    </a:ext>
+                  </a:extLst>
+                </a:gridCol>
+                <a:gridCol w="1384183">
+                  <a:extLst>
+                    <a:ext uri="{9D8B030D-6E8A-4147-A177-3AD203B41FA5}">
+                      <a16:colId xmlns:a16="http://schemas.microsoft.com/office/drawing/2014/main" val="972943850"/>
+                    </a:ext>
+                  </a:extLst>
+                </a:gridCol>
+                <a:gridCol w="1287207">
+                  <a:extLst>
+                    <a:ext uri="{9D8B030D-6E8A-4147-A177-3AD203B41FA5}">
+                      <a16:colId xmlns:a16="http://schemas.microsoft.com/office/drawing/2014/main" val="1618495160"/>
+                    </a:ext>
+                  </a:extLst>
+                </a:gridCol>
+                <a:gridCol w="1789430">
+                  <a:extLst>
+                    <a:ext uri="{9D8B030D-6E8A-4147-A177-3AD203B41FA5}">
+                      <a16:colId xmlns:a16="http://schemas.microsoft.com/office/drawing/2014/main" val="1040927508"/>
+                    </a:ext>
+                  </a:extLst>
+                </a:gridCol>
+                <a:gridCol w="1789430">
+                  <a:extLst>
+                    <a:ext uri="{9D8B030D-6E8A-4147-A177-3AD203B41FA5}">
+                      <a16:colId xmlns:a16="http://schemas.microsoft.com/office/drawing/2014/main" val="1310986713"/>
+                    </a:ext>
+                  </a:extLst>
+                </a:gridCol>
+              </a:tblGrid>
+              <a:tr h="370840">
+                <a:tc>
+                  <a:txBody>
+                    <a:bodyPr/>
+                    <a:lstStyle/>
+                    <a:p>
+                      <a:r>
+                        <a:rPr lang="es-ES" dirty="0"/>
+                        <a:t>Pregunta</a:t>
+                      </a:r>
+                    </a:p>
+                  </a:txBody>
+                  <a:tcPr anchor="ctr"/>
+                </a:tc>
+                <a:tc>
+                  <a:txBody>
+                    <a:bodyPr/>
+                    <a:lstStyle/>
+                    <a:p>
+                      <a:r>
+                        <a:rPr lang="es-ES" dirty="0"/>
+                        <a:t>Bernat</a:t>
+                      </a:r>
+                    </a:p>
+                  </a:txBody>
+                  <a:tcPr anchor="ctr"/>
+                </a:tc>
+                <a:tc>
+                  <a:txBody>
+                    <a:bodyPr/>
+                    <a:lstStyle/>
+                    <a:p>
+                      <a:r>
+                        <a:rPr lang="es-ES" dirty="0"/>
+                        <a:t>Jordi</a:t>
+                      </a:r>
+                    </a:p>
+                  </a:txBody>
+                  <a:tcPr anchor="ctr"/>
+                </a:tc>
+                <a:tc>
+                  <a:txBody>
+                    <a:bodyPr/>
+                    <a:lstStyle/>
+                    <a:p>
+                      <a:r>
+                        <a:rPr lang="es-ES" dirty="0"/>
+                        <a:t>Eudald</a:t>
+                      </a:r>
+                    </a:p>
+                  </a:txBody>
+                  <a:tcPr anchor="ctr"/>
+                </a:tc>
+                <a:tc>
+                  <a:txBody>
+                    <a:bodyPr/>
+                    <a:lstStyle/>
+                    <a:p>
+                      <a:r>
+                        <a:rPr lang="es-ES" dirty="0"/>
+                        <a:t>Miquel</a:t>
+                      </a:r>
+                    </a:p>
+                  </a:txBody>
+                  <a:tcPr anchor="ctr"/>
+                </a:tc>
+                <a:extLst>
+                  <a:ext uri="{0D108BD9-81ED-4DB2-BD59-A6C34878D82A}">
+                    <a16:rowId xmlns:a16="http://schemas.microsoft.com/office/drawing/2014/main" val="3329705445"/>
+                  </a:ext>
+                </a:extLst>
+              </a:tr>
+              <a:tr h="370840">
+                <a:tc>
+                  <a:txBody>
+                    <a:bodyPr/>
+                    <a:lstStyle/>
+                    <a:p>
+                      <a:pPr marL="0" marR="0" lvl="0" indent="0" algn="l" defTabSz="457200" rtl="0" eaLnBrk="1" fontAlgn="auto" latinLnBrk="0" hangingPunct="1">
+                        <a:lnSpc>
+                          <a:spcPct val="100000"/>
+                        </a:lnSpc>
+                        <a:spcBef>
+                          <a:spcPts val="0"/>
+                        </a:spcBef>
+                        <a:spcAft>
+                          <a:spcPts val="0"/>
+                        </a:spcAft>
+                        <a:buClrTx/>
+                        <a:buSzTx/>
+                        <a:buFontTx/>
+                        <a:buNone/>
+                        <a:tabLst/>
+                        <a:defRPr/>
+                      </a:pPr>
+                      <a:r>
+                        <a:rPr lang="es-ES" sz="1000" dirty="0"/>
+                        <a:t>¿Te gustan los videojuegos como Civilization VI, </a:t>
+                      </a:r>
+                      <a:r>
+                        <a:rPr lang="es-ES" sz="1000" dirty="0" err="1"/>
+                        <a:t>Democracy</a:t>
+                      </a:r>
+                      <a:r>
+                        <a:rPr lang="es-ES" sz="1000" dirty="0"/>
+                        <a:t> 3 o </a:t>
+                      </a:r>
+                      <a:r>
+                        <a:rPr lang="es-ES" sz="1000" dirty="0" err="1"/>
+                        <a:t>Warhammer</a:t>
+                      </a:r>
+                      <a:r>
+                        <a:rPr lang="es-ES" sz="1000" dirty="0"/>
+                        <a:t>? </a:t>
+                      </a:r>
+                    </a:p>
+                    <a:p>
+                      <a:endParaRPr lang="es-ES" dirty="0"/>
+                    </a:p>
+                  </a:txBody>
+                  <a:tcPr anchor="ctr"/>
+                </a:tc>
+                <a:tc>
+                  <a:txBody>
+                    <a:bodyPr/>
+                    <a:lstStyle/>
+                    <a:p>
+                      <a:r>
+                        <a:rPr lang="es-ES" sz="900" dirty="0"/>
+                        <a:t>Si, aunque no suelo jugar.</a:t>
+                      </a:r>
+                    </a:p>
+                  </a:txBody>
+                  <a:tcPr anchor="ctr"/>
+                </a:tc>
+                <a:tc>
+                  <a:txBody>
+                    <a:bodyPr/>
+                    <a:lstStyle/>
+                    <a:p>
+                      <a:r>
+                        <a:rPr lang="es-ES" sz="900" dirty="0"/>
+                        <a:t>No </a:t>
+                      </a:r>
+                    </a:p>
+                  </a:txBody>
+                  <a:tcPr anchor="ctr"/>
+                </a:tc>
+                <a:tc>
+                  <a:txBody>
+                    <a:bodyPr/>
+                    <a:lstStyle/>
+                    <a:p>
+                      <a:r>
+                        <a:rPr lang="es-ES" sz="900" dirty="0"/>
+                        <a:t>Sí </a:t>
+                      </a:r>
+                    </a:p>
+                  </a:txBody>
+                  <a:tcPr anchor="ctr"/>
+                </a:tc>
+                <a:tc>
+                  <a:txBody>
+                    <a:bodyPr/>
+                    <a:lstStyle/>
+                    <a:p>
+                      <a:r>
+                        <a:rPr lang="es-ES" sz="900" dirty="0"/>
+                        <a:t>No</a:t>
+                      </a:r>
+                    </a:p>
+                  </a:txBody>
+                  <a:tcPr anchor="ctr"/>
+                </a:tc>
+                <a:extLst>
+                  <a:ext uri="{0D108BD9-81ED-4DB2-BD59-A6C34878D82A}">
+                    <a16:rowId xmlns:a16="http://schemas.microsoft.com/office/drawing/2014/main" val="2374014320"/>
+                  </a:ext>
+                </a:extLst>
+              </a:tr>
+              <a:tr h="319722">
+                <a:tc>
+                  <a:txBody>
+                    <a:bodyPr/>
+                    <a:lstStyle/>
+                    <a:p>
+                      <a:pPr marL="0" marR="0" lvl="0" indent="0" algn="l" defTabSz="457200" rtl="0" eaLnBrk="1" fontAlgn="auto" latinLnBrk="0" hangingPunct="1">
+                        <a:lnSpc>
+                          <a:spcPct val="100000"/>
+                        </a:lnSpc>
+                        <a:spcBef>
+                          <a:spcPts val="0"/>
+                        </a:spcBef>
+                        <a:spcAft>
+                          <a:spcPts val="0"/>
+                        </a:spcAft>
+                        <a:buClrTx/>
+                        <a:buSzTx/>
+                        <a:buFontTx/>
+                        <a:buNone/>
+                        <a:tabLst/>
+                        <a:defRPr/>
+                      </a:pPr>
+                      <a:r>
+                        <a:rPr lang="es-ES" sz="1000" dirty="0"/>
+                        <a:t>¿Qué videojuegos sueles jugar? </a:t>
+                      </a:r>
+                    </a:p>
+                    <a:p>
+                      <a:endParaRPr lang="es-ES" sz="1000" dirty="0"/>
+                    </a:p>
+                  </a:txBody>
+                  <a:tcPr anchor="ctr"/>
+                </a:tc>
+                <a:tc>
+                  <a:txBody>
+                    <a:bodyPr/>
+                    <a:lstStyle/>
+                    <a:p>
+                      <a:r>
+                        <a:rPr lang="es-ES" sz="900" dirty="0"/>
+                        <a:t>Online tipo lol, </a:t>
+                      </a:r>
+                      <a:r>
+                        <a:rPr lang="es-ES" sz="900" dirty="0" err="1"/>
+                        <a:t>fornite</a:t>
+                      </a:r>
+                      <a:r>
+                        <a:rPr lang="es-ES" sz="900" dirty="0"/>
+                        <a:t> y juegos frenéticos.</a:t>
+                      </a:r>
+                    </a:p>
+                  </a:txBody>
+                  <a:tcPr anchor="ctr"/>
+                </a:tc>
+                <a:tc>
+                  <a:txBody>
+                    <a:bodyPr/>
+                    <a:lstStyle/>
+                    <a:p>
+                      <a:r>
+                        <a:rPr lang="es-ES" sz="900" dirty="0"/>
+                        <a:t>Mario Bros. </a:t>
+                      </a:r>
+                    </a:p>
+                  </a:txBody>
+                  <a:tcPr anchor="ctr"/>
+                </a:tc>
+                <a:tc>
+                  <a:txBody>
+                    <a:bodyPr/>
+                    <a:lstStyle/>
+                    <a:p>
+                      <a:r>
+                        <a:rPr lang="es-ES" sz="900" dirty="0"/>
+                        <a:t>Suelo jugar MMORPG como el </a:t>
+                      </a:r>
+                      <a:r>
+                        <a:rPr lang="es-ES" sz="900" dirty="0" err="1"/>
+                        <a:t>World</a:t>
+                      </a:r>
+                      <a:r>
+                        <a:rPr lang="es-ES" sz="900" dirty="0"/>
+                        <a:t> </a:t>
+                      </a:r>
+                      <a:r>
+                        <a:rPr lang="es-ES" sz="900" dirty="0" err="1"/>
+                        <a:t>Of</a:t>
+                      </a:r>
+                      <a:r>
+                        <a:rPr lang="es-ES" sz="900" dirty="0"/>
+                        <a:t> Warcraft, juegos de rol como </a:t>
+                      </a:r>
+                      <a:r>
+                        <a:rPr lang="es-ES" sz="900" dirty="0" err="1"/>
+                        <a:t>Fallout</a:t>
+                      </a:r>
+                      <a:r>
+                        <a:rPr lang="es-ES" sz="900" dirty="0"/>
+                        <a:t> 3 o el 4 y juegos más casuales como L4D. </a:t>
+                      </a:r>
+                    </a:p>
+                  </a:txBody>
+                  <a:tcPr anchor="ctr"/>
+                </a:tc>
+                <a:tc>
+                  <a:txBody>
+                    <a:bodyPr/>
+                    <a:lstStyle/>
+                    <a:p>
+                      <a:r>
+                        <a:rPr lang="es-ES" sz="900" dirty="0"/>
+                        <a:t>Juegos de </a:t>
+                      </a:r>
+                      <a:r>
+                        <a:rPr lang="es-ES" sz="900" dirty="0" err="1"/>
+                        <a:t>puzzles</a:t>
+                      </a:r>
+                      <a:r>
+                        <a:rPr lang="es-ES" sz="900" dirty="0"/>
+                        <a:t> estilo Candy </a:t>
+                      </a:r>
+                      <a:r>
+                        <a:rPr lang="es-ES" sz="900" dirty="0" err="1"/>
+                        <a:t>Crush</a:t>
+                      </a:r>
+                      <a:r>
+                        <a:rPr lang="es-ES" sz="900" dirty="0"/>
+                        <a:t> o sudokus</a:t>
+                      </a:r>
+                    </a:p>
+                  </a:txBody>
+                  <a:tcPr anchor="ctr"/>
+                </a:tc>
+                <a:extLst>
+                  <a:ext uri="{0D108BD9-81ED-4DB2-BD59-A6C34878D82A}">
+                    <a16:rowId xmlns:a16="http://schemas.microsoft.com/office/drawing/2014/main" val="51184990"/>
+                  </a:ext>
+                </a:extLst>
+              </a:tr>
+              <a:tr h="370840">
+                <a:tc>
+                  <a:txBody>
+                    <a:bodyPr/>
+                    <a:lstStyle/>
+                    <a:p>
+                      <a:r>
+                        <a:rPr lang="es-ES" sz="1000" dirty="0"/>
+                        <a:t>¿Qué es lo que más te gusta sobre estos videojuegos? </a:t>
+                      </a:r>
+                    </a:p>
+                  </a:txBody>
+                  <a:tcPr anchor="ctr"/>
+                </a:tc>
+                <a:tc>
+                  <a:txBody>
+                    <a:bodyPr/>
+                    <a:lstStyle/>
+                    <a:p>
+                      <a:r>
+                        <a:rPr lang="es-ES" sz="900" dirty="0"/>
+                        <a:t> Estar compitiendo contra otros</a:t>
+                      </a:r>
+                    </a:p>
+                  </a:txBody>
+                  <a:tcPr anchor="ctr"/>
+                </a:tc>
+                <a:tc>
+                  <a:txBody>
+                    <a:bodyPr/>
+                    <a:lstStyle/>
+                    <a:p>
+                      <a:r>
+                        <a:rPr lang="es-ES" sz="900" dirty="0"/>
+                        <a:t>Estar compitiendo contra otros y jugar con la familia y los amigos. </a:t>
+                      </a:r>
+                    </a:p>
+                  </a:txBody>
+                  <a:tcPr anchor="ctr"/>
+                </a:tc>
+                <a:tc>
+                  <a:txBody>
+                    <a:bodyPr/>
+                    <a:lstStyle/>
+                    <a:p>
+                      <a:r>
+                        <a:rPr lang="es-ES" sz="900" dirty="0"/>
+                        <a:t>Busca que esté bien balanceado </a:t>
+                      </a:r>
+                      <a:r>
+                        <a:rPr lang="es-ES" sz="900" dirty="0" err="1"/>
+                        <a:t>gameplay</a:t>
+                      </a:r>
+                      <a:r>
+                        <a:rPr lang="es-ES" sz="900" dirty="0"/>
+                        <a:t>-historia, que exista repercusión entre el </a:t>
+                      </a:r>
+                      <a:r>
+                        <a:rPr lang="es-ES" sz="900" dirty="0" err="1"/>
+                        <a:t>gameplay</a:t>
+                      </a:r>
+                      <a:r>
+                        <a:rPr lang="es-ES" sz="900" dirty="0"/>
+                        <a:t> y la historia.</a:t>
+                      </a:r>
+                    </a:p>
+                  </a:txBody>
+                  <a:tcPr anchor="ctr"/>
+                </a:tc>
+                <a:tc>
+                  <a:txBody>
+                    <a:bodyPr/>
+                    <a:lstStyle/>
+                    <a:p>
+                      <a:r>
+                        <a:rPr lang="es-ES" sz="900" dirty="0"/>
+                        <a:t>Que proponen retos y esfuerzos mentales.</a:t>
+                      </a:r>
+                    </a:p>
+                  </a:txBody>
+                  <a:tcPr anchor="ctr"/>
+                </a:tc>
+                <a:extLst>
+                  <a:ext uri="{0D108BD9-81ED-4DB2-BD59-A6C34878D82A}">
+                    <a16:rowId xmlns:a16="http://schemas.microsoft.com/office/drawing/2014/main" val="2072894811"/>
+                  </a:ext>
+                </a:extLst>
+              </a:tr>
+              <a:tr h="370840">
+                <a:tc>
+                  <a:txBody>
+                    <a:bodyPr/>
+                    <a:lstStyle/>
+                    <a:p>
+                      <a:r>
+                        <a:rPr lang="es-ES" sz="1000" dirty="0"/>
+                        <a:t>¿Dónde sueles buscar nuevos videojuegos? </a:t>
+                      </a:r>
+                    </a:p>
+                  </a:txBody>
+                  <a:tcPr anchor="ctr"/>
+                </a:tc>
+                <a:tc>
+                  <a:txBody>
+                    <a:bodyPr/>
+                    <a:lstStyle/>
+                    <a:p>
+                      <a:r>
+                        <a:rPr lang="es-ES" sz="900" dirty="0"/>
+                        <a:t>Viendo ofertas sobre juegos y, si me gusta la temática, investigo más. También con el boca a boca de amigos que me recomiendan juegos. A parte, suelo mirar algún foro.</a:t>
+                      </a:r>
+                    </a:p>
+                  </a:txBody>
+                  <a:tcPr anchor="ctr"/>
+                </a:tc>
+                <a:tc>
+                  <a:txBody>
+                    <a:bodyPr/>
+                    <a:lstStyle/>
+                    <a:p>
+                      <a:r>
+                        <a:rPr lang="es-ES" sz="900" dirty="0"/>
+                        <a:t>Los suelen buscar los demás. </a:t>
+                      </a:r>
+                    </a:p>
+                  </a:txBody>
+                  <a:tcPr anchor="ctr"/>
+                </a:tc>
+                <a:tc>
+                  <a:txBody>
+                    <a:bodyPr/>
+                    <a:lstStyle/>
+                    <a:p>
+                      <a:r>
+                        <a:rPr lang="es-ES" sz="900" dirty="0"/>
+                        <a:t>Plataformas como IG, ofertas de </a:t>
+                      </a:r>
+                      <a:r>
+                        <a:rPr lang="es-ES" sz="900" dirty="0" err="1"/>
+                        <a:t>Steam</a:t>
+                      </a:r>
+                      <a:r>
+                        <a:rPr lang="es-ES" sz="900" dirty="0"/>
+                        <a:t>, </a:t>
+                      </a:r>
+                      <a:r>
+                        <a:rPr lang="es-ES" sz="900" dirty="0" err="1"/>
+                        <a:t>youtubers</a:t>
+                      </a:r>
+                      <a:r>
+                        <a:rPr lang="es-ES" sz="900" dirty="0"/>
+                        <a:t>, nunca revistas. </a:t>
+                      </a:r>
+                    </a:p>
+                  </a:txBody>
+                  <a:tcPr anchor="ctr"/>
+                </a:tc>
+                <a:tc>
+                  <a:txBody>
+                    <a:bodyPr/>
+                    <a:lstStyle/>
+                    <a:p>
+                      <a:r>
+                        <a:rPr lang="es-ES" sz="900" dirty="0"/>
+                        <a:t>Normalmente me salen recomendados en las listas de videojuegos de la Play Store. </a:t>
+                      </a:r>
+                    </a:p>
+                  </a:txBody>
+                  <a:tcPr anchor="ctr"/>
+                </a:tc>
+                <a:extLst>
+                  <a:ext uri="{0D108BD9-81ED-4DB2-BD59-A6C34878D82A}">
+                    <a16:rowId xmlns:a16="http://schemas.microsoft.com/office/drawing/2014/main" val="3134999219"/>
+                  </a:ext>
+                </a:extLst>
+              </a:tr>
+              <a:tr h="370840">
+                <a:tc>
+                  <a:txBody>
+                    <a:bodyPr/>
+                    <a:lstStyle/>
+                    <a:p>
+                      <a:pPr marL="0" marR="0" lvl="0" indent="0" algn="l" defTabSz="457200" rtl="0" eaLnBrk="1" fontAlgn="auto" latinLnBrk="0" hangingPunct="1">
+                        <a:lnSpc>
+                          <a:spcPct val="100000"/>
+                        </a:lnSpc>
+                        <a:spcBef>
+                          <a:spcPts val="0"/>
+                        </a:spcBef>
+                        <a:spcAft>
+                          <a:spcPts val="0"/>
+                        </a:spcAft>
+                        <a:buClrTx/>
+                        <a:buSzTx/>
+                        <a:buFontTx/>
+                        <a:buNone/>
+                        <a:tabLst/>
+                        <a:defRPr/>
+                      </a:pPr>
+                      <a:r>
+                        <a:rPr lang="es-ES" sz="1000" dirty="0"/>
+                        <a:t>¿Cuál ha sido el último videojuego que has jugado?</a:t>
+                      </a:r>
+                    </a:p>
+                    <a:p>
+                      <a:endParaRPr lang="es-ES" sz="1000" dirty="0"/>
+                    </a:p>
+                  </a:txBody>
+                  <a:tcPr anchor="ctr"/>
+                </a:tc>
+                <a:tc>
+                  <a:txBody>
+                    <a:bodyPr/>
+                    <a:lstStyle/>
+                    <a:p>
+                      <a:r>
+                        <a:rPr lang="es-ES" sz="900" dirty="0"/>
+                        <a:t>Madden 2020. </a:t>
+                      </a:r>
+                    </a:p>
+                  </a:txBody>
+                  <a:tcPr anchor="ctr"/>
+                </a:tc>
+                <a:tc>
+                  <a:txBody>
+                    <a:bodyPr/>
+                    <a:lstStyle/>
+                    <a:p>
+                      <a:r>
+                        <a:rPr lang="es-ES" sz="900" dirty="0"/>
+                        <a:t>Mario Bros</a:t>
+                      </a:r>
+                    </a:p>
+                  </a:txBody>
+                  <a:tcPr anchor="ctr"/>
+                </a:tc>
+                <a:tc>
+                  <a:txBody>
+                    <a:bodyPr/>
+                    <a:lstStyle/>
+                    <a:p>
+                      <a:r>
+                        <a:rPr lang="es-ES" sz="900" dirty="0"/>
+                        <a:t>Al Civilization VI, al </a:t>
+                      </a:r>
+                      <a:r>
+                        <a:rPr lang="es-ES" sz="900" dirty="0" err="1"/>
+                        <a:t>tropico</a:t>
+                      </a:r>
+                      <a:r>
+                        <a:rPr lang="es-ES" sz="900" dirty="0"/>
+                        <a:t> 3 y al </a:t>
+                      </a:r>
+                      <a:r>
+                        <a:rPr lang="es-ES" sz="900" dirty="0" err="1"/>
+                        <a:t>wow</a:t>
+                      </a:r>
+                      <a:r>
+                        <a:rPr lang="es-ES" sz="900" dirty="0"/>
+                        <a:t> </a:t>
+                      </a:r>
+                    </a:p>
+                  </a:txBody>
+                  <a:tcPr anchor="ctr"/>
+                </a:tc>
+                <a:tc>
+                  <a:txBody>
+                    <a:bodyPr/>
+                    <a:lstStyle/>
+                    <a:p>
+                      <a:r>
+                        <a:rPr lang="es-ES" sz="900" dirty="0" err="1"/>
+                        <a:t>Fishdom</a:t>
+                      </a:r>
+                      <a:r>
+                        <a:rPr lang="es-ES" sz="900" dirty="0"/>
+                        <a:t> </a:t>
+                      </a:r>
+                    </a:p>
+                  </a:txBody>
+                  <a:tcPr anchor="ctr"/>
+                </a:tc>
+                <a:extLst>
+                  <a:ext uri="{0D108BD9-81ED-4DB2-BD59-A6C34878D82A}">
+                    <a16:rowId xmlns:a16="http://schemas.microsoft.com/office/drawing/2014/main" val="1141473846"/>
+                  </a:ext>
+                </a:extLst>
+              </a:tr>
+            </a:tbl>
+          </a:graphicData>
+        </a:graphic>
+      </p:graphicFrame>
+    </p:spTree>
+    <p:extLst>
+      <p:ext uri="{BB962C8B-B14F-4D97-AF65-F5344CB8AC3E}">
+        <p14:creationId xmlns:p14="http://schemas.microsoft.com/office/powerpoint/2010/main" val="3959074363"/>
+      </p:ext>
+    </p:extLst>
+  </p:cSld>
+  <p:clrMapOvr>
+    <a:masterClrMapping/>
+  </p:clrMapOvr>
+</p:sld>
+</file>
+
+<file path=ppt/slides/slide4.xml><?xml version="1.0" encoding="utf-8"?>
+<p:sld xmlns:a="http://schemas.openxmlformats.org/drawingml/2006/main" xmlns:r="http://schemas.openxmlformats.org/officeDocument/2006/relationships" xmlns:p="http://schemas.openxmlformats.org/presentationml/2006/main">
+  <p:cSld>
+    <p:spTree>
+      <p:nvGrpSpPr>
+        <p:cNvPr id="1" name=""/>
+        <p:cNvGrpSpPr/>
+        <p:nvPr/>
+      </p:nvGrpSpPr>
+      <p:grpSpPr>
+        <a:xfrm>
+          <a:off x="0" y="0"/>
+          <a:ext cx="0" cy="0"/>
+          <a:chOff x="0" y="0"/>
+          <a:chExt cx="0" cy="0"/>
+        </a:xfrm>
+      </p:grpSpPr>
+      <p:sp>
+        <p:nvSpPr>
+          <p:cNvPr id="2" name="Título 1">
+            <a:extLst>
+              <a:ext uri="{FF2B5EF4-FFF2-40B4-BE49-F238E27FC236}">
+                <a16:creationId xmlns:a16="http://schemas.microsoft.com/office/drawing/2014/main" id="{5CBA2F7A-D93B-4F9E-9E37-FC9A1BC2790C}"/>
+              </a:ext>
+            </a:extLst>
+          </p:cNvPr>
+          <p:cNvSpPr>
+            <a:spLocks noGrp="1"/>
+          </p:cNvSpPr>
+          <p:nvPr>
+            <p:ph type="title"/>
+          </p:nvPr>
+        </p:nvSpPr>
+        <p:spPr/>
+        <p:txBody>
+          <a:bodyPr/>
+          <a:lstStyle/>
+          <a:p>
+            <a:endParaRPr lang="es-ES"/>
+          </a:p>
+        </p:txBody>
+      </p:sp>
+      <p:sp>
+        <p:nvSpPr>
+          <p:cNvPr id="6" name="Marcador de contenido 5">
+            <a:extLst>
+              <a:ext uri="{FF2B5EF4-FFF2-40B4-BE49-F238E27FC236}">
+                <a16:creationId xmlns:a16="http://schemas.microsoft.com/office/drawing/2014/main" id="{F1626832-BF32-4C66-9304-50614C8EC652}"/>
+              </a:ext>
+            </a:extLst>
+          </p:cNvPr>
+          <p:cNvSpPr>
+            <a:spLocks noGrp="1"/>
+          </p:cNvSpPr>
+          <p:nvPr>
+            <p:ph idx="1"/>
+          </p:nvPr>
+        </p:nvSpPr>
+        <p:spPr>
+          <a:xfrm>
+            <a:off x="1103313" y="2052638"/>
+            <a:ext cx="8947150" cy="3011081"/>
+          </a:xfrm>
+          <a:prstGeom prst="rect">
+            <a:avLst/>
+          </a:prstGeom>
+        </p:spPr>
+        <p:txBody>
+          <a:bodyPr>
+            <a:spAutoFit/>
+          </a:bodyPr>
+          <a:lstStyle/>
+          <a:p>
+            <a:pPr marL="0" indent="0">
+              <a:buNone/>
+            </a:pPr>
+            <a:r>
+              <a:rPr lang="es-ES" sz="2800" dirty="0"/>
+              <a:t>Post-Play</a:t>
+            </a:r>
+          </a:p>
+          <a:p>
+            <a:pPr marL="0" indent="0">
+              <a:buNone/>
+            </a:pPr>
+            <a:r>
+              <a:rPr lang="es-ES" dirty="0"/>
+              <a:t>¿Cuál es el objetivo del videojuego? </a:t>
+            </a:r>
+          </a:p>
+          <a:p>
+            <a:pPr marL="0" indent="0">
+              <a:buNone/>
+            </a:pPr>
+            <a:r>
+              <a:rPr lang="es-ES" dirty="0"/>
+              <a:t>¿Cómo describirías el videojuego a alguien que nunca lo haya jugado? </a:t>
+            </a:r>
+          </a:p>
+          <a:p>
+            <a:pPr marL="0" indent="0">
+              <a:buNone/>
+            </a:pPr>
+            <a:r>
+              <a:rPr lang="es-ES" dirty="0"/>
+              <a:t>¿Qué es lo que menos te ha gustado?</a:t>
+            </a:r>
+          </a:p>
+          <a:p>
+            <a:pPr marL="0" indent="0">
+              <a:buNone/>
+            </a:pPr>
+            <a:r>
+              <a:rPr lang="es-ES" dirty="0"/>
+              <a:t>¿Hay algo que te haya producido cierta confusión? </a:t>
+            </a:r>
+          </a:p>
+          <a:p>
+            <a:pPr marL="0" indent="0">
+              <a:buNone/>
+            </a:pPr>
+            <a:r>
+              <a:rPr lang="es-ES" dirty="0"/>
+              <a:t>¿Hay algo que te hubiera gustado saber antes de jugar? </a:t>
+            </a:r>
+          </a:p>
+        </p:txBody>
+      </p:sp>
+    </p:spTree>
+    <p:extLst>
+      <p:ext uri="{BB962C8B-B14F-4D97-AF65-F5344CB8AC3E}">
+        <p14:creationId xmlns:p14="http://schemas.microsoft.com/office/powerpoint/2010/main" val="2597873500"/>
+      </p:ext>
+    </p:extLst>
+  </p:cSld>
+  <p:clrMapOvr>
+    <a:masterClrMapping/>
+  </p:clrMapOvr>
+</p:sld>
+</file>
+
+<file path=ppt/slides/slide5.xml><?xml version="1.0" encoding="utf-8"?>
+<p:sld xmlns:a="http://schemas.openxmlformats.org/drawingml/2006/main" xmlns:r="http://schemas.openxmlformats.org/officeDocument/2006/relationships" xmlns:p="http://schemas.openxmlformats.org/presentationml/2006/main">
+  <p:cSld>
+    <p:spTree>
+      <p:nvGrpSpPr>
+        <p:cNvPr id="1" name=""/>
+        <p:cNvGrpSpPr/>
+        <p:nvPr/>
+      </p:nvGrpSpPr>
+      <p:grpSpPr>
+        <a:xfrm>
+          <a:off x="0" y="0"/>
+          <a:ext cx="0" cy="0"/>
+          <a:chOff x="0" y="0"/>
+          <a:chExt cx="0" cy="0"/>
+        </a:xfrm>
+      </p:grpSpPr>
+      <p:sp>
+        <p:nvSpPr>
+          <p:cNvPr id="2" name="Título 1">
+            <a:extLst>
+              <a:ext uri="{FF2B5EF4-FFF2-40B4-BE49-F238E27FC236}">
+                <a16:creationId xmlns:a16="http://schemas.microsoft.com/office/drawing/2014/main" id="{E4C6591F-C03F-414E-99CF-46BDF3C62A4A}"/>
+              </a:ext>
+            </a:extLst>
+          </p:cNvPr>
+          <p:cNvSpPr>
+            <a:spLocks noGrp="1"/>
+          </p:cNvSpPr>
+          <p:nvPr>
+            <p:ph type="title"/>
+          </p:nvPr>
+        </p:nvSpPr>
+        <p:spPr/>
+        <p:txBody>
+          <a:bodyPr/>
+          <a:lstStyle/>
+          <a:p>
+            <a:endParaRPr lang="es-ES"/>
+          </a:p>
+        </p:txBody>
+      </p:sp>
+      <p:sp>
+        <p:nvSpPr>
+          <p:cNvPr id="3" name="Marcador de contenido 2">
+            <a:extLst>
+              <a:ext uri="{FF2B5EF4-FFF2-40B4-BE49-F238E27FC236}">
+                <a16:creationId xmlns:a16="http://schemas.microsoft.com/office/drawing/2014/main" id="{1BEF7B9F-9B98-45D0-81DE-0928FC2300FD}"/>
+              </a:ext>
+            </a:extLst>
+          </p:cNvPr>
+          <p:cNvSpPr>
+            <a:spLocks noGrp="1"/>
+          </p:cNvSpPr>
+          <p:nvPr>
+            <p:ph idx="1"/>
+          </p:nvPr>
+        </p:nvSpPr>
+        <p:spPr/>
+        <p:txBody>
+          <a:bodyPr/>
+          <a:lstStyle/>
+          <a:p>
+            <a:endParaRPr lang="es-ES"/>
+          </a:p>
+        </p:txBody>
+      </p:sp>
+      <p:graphicFrame>
+        <p:nvGraphicFramePr>
+          <p:cNvPr id="4" name="Tabla 4">
+            <a:extLst>
+              <a:ext uri="{FF2B5EF4-FFF2-40B4-BE49-F238E27FC236}">
+                <a16:creationId xmlns:a16="http://schemas.microsoft.com/office/drawing/2014/main" id="{4DFFE91E-A8BF-4B3E-9015-4CE5167DEF30}"/>
+              </a:ext>
+            </a:extLst>
+          </p:cNvPr>
+          <p:cNvGraphicFramePr>
+            <a:graphicFrameLocks/>
+          </p:cNvGraphicFramePr>
+          <p:nvPr>
+            <p:extLst>
+              <p:ext uri="{D42A27DB-BD31-4B8C-83A1-F6EECF244321}">
+                <p14:modId xmlns:p14="http://schemas.microsoft.com/office/powerpoint/2010/main" val="1925231174"/>
+              </p:ext>
+            </p:extLst>
+          </p:nvPr>
+        </p:nvGraphicFramePr>
+        <p:xfrm>
+          <a:off x="285225" y="452718"/>
+          <a:ext cx="11378109" cy="6206003"/>
+        </p:xfrm>
+        <a:graphic>
+          <a:graphicData uri="http://schemas.openxmlformats.org/drawingml/2006/table">
+            <a:tbl>
+              <a:tblPr bandRow="1">
+                <a:tableStyleId>{5C22544A-7EE6-4342-B048-85BDC9FD1C3A}</a:tableStyleId>
+              </a:tblPr>
+              <a:tblGrid>
+                <a:gridCol w="2097249">
+                  <a:extLst>
+                    <a:ext uri="{9D8B030D-6E8A-4147-A177-3AD203B41FA5}">
+                      <a16:colId xmlns:a16="http://schemas.microsoft.com/office/drawing/2014/main" val="1863478533"/>
+                    </a:ext>
+                  </a:extLst>
+                </a:gridCol>
+                <a:gridCol w="2256638">
+                  <a:extLst>
+                    <a:ext uri="{9D8B030D-6E8A-4147-A177-3AD203B41FA5}">
+                      <a16:colId xmlns:a16="http://schemas.microsoft.com/office/drawing/2014/main" val="972943850"/>
+                    </a:ext>
+                  </a:extLst>
+                </a:gridCol>
+                <a:gridCol w="2472978">
+                  <a:extLst>
+                    <a:ext uri="{9D8B030D-6E8A-4147-A177-3AD203B41FA5}">
+                      <a16:colId xmlns:a16="http://schemas.microsoft.com/office/drawing/2014/main" val="1618495160"/>
+                    </a:ext>
+                  </a:extLst>
+                </a:gridCol>
+                <a:gridCol w="2275622">
+                  <a:extLst>
+                    <a:ext uri="{9D8B030D-6E8A-4147-A177-3AD203B41FA5}">
+                      <a16:colId xmlns:a16="http://schemas.microsoft.com/office/drawing/2014/main" val="1040927508"/>
+                    </a:ext>
+                  </a:extLst>
+                </a:gridCol>
+                <a:gridCol w="2275622">
+                  <a:extLst>
+                    <a:ext uri="{9D8B030D-6E8A-4147-A177-3AD203B41FA5}">
+                      <a16:colId xmlns:a16="http://schemas.microsoft.com/office/drawing/2014/main" val="1310986713"/>
+                    </a:ext>
+                  </a:extLst>
+                </a:gridCol>
+              </a:tblGrid>
+              <a:tr h="370680">
+                <a:tc>
+                  <a:txBody>
+                    <a:bodyPr/>
+                    <a:lstStyle/>
+                    <a:p>
+                      <a:r>
+                        <a:rPr lang="es-ES" dirty="0"/>
+                        <a:t>Pregunta</a:t>
+                      </a:r>
+                    </a:p>
+                  </a:txBody>
+                  <a:tcPr anchor="ctr"/>
+                </a:tc>
+                <a:tc>
+                  <a:txBody>
+                    <a:bodyPr/>
+                    <a:lstStyle/>
+                    <a:p>
+                      <a:r>
+                        <a:rPr lang="es-ES" dirty="0"/>
+                        <a:t>Bernat</a:t>
+                      </a:r>
+                    </a:p>
+                  </a:txBody>
+                  <a:tcPr anchor="ctr"/>
+                </a:tc>
+                <a:tc>
+                  <a:txBody>
+                    <a:bodyPr/>
+                    <a:lstStyle/>
+                    <a:p>
+                      <a:r>
+                        <a:rPr lang="es-ES" dirty="0"/>
+                        <a:t>Jordi</a:t>
+                      </a:r>
+                    </a:p>
+                  </a:txBody>
+                  <a:tcPr anchor="ctr"/>
+                </a:tc>
+                <a:tc>
+                  <a:txBody>
+                    <a:bodyPr/>
+                    <a:lstStyle/>
+                    <a:p>
+                      <a:r>
+                        <a:rPr lang="es-ES" dirty="0"/>
+                        <a:t>Eudald</a:t>
+                      </a:r>
+                    </a:p>
+                  </a:txBody>
+                  <a:tcPr anchor="ctr"/>
+                </a:tc>
+                <a:tc>
+                  <a:txBody>
+                    <a:bodyPr/>
+                    <a:lstStyle/>
+                    <a:p>
+                      <a:r>
+                        <a:rPr lang="es-ES" dirty="0"/>
+                        <a:t>Miquel</a:t>
+                      </a:r>
+                    </a:p>
+                  </a:txBody>
+                  <a:tcPr anchor="ctr"/>
+                </a:tc>
+                <a:extLst>
+                  <a:ext uri="{0D108BD9-81ED-4DB2-BD59-A6C34878D82A}">
+                    <a16:rowId xmlns:a16="http://schemas.microsoft.com/office/drawing/2014/main" val="3329705445"/>
+                  </a:ext>
+                </a:extLst>
+              </a:tr>
+              <a:tr h="639804">
+                <a:tc>
+                  <a:txBody>
+                    <a:bodyPr/>
+                    <a:lstStyle/>
+                    <a:p>
+                      <a:pPr marL="0" indent="0">
+                        <a:buNone/>
+                      </a:pPr>
+                      <a:r>
+                        <a:rPr lang="es-ES" sz="1000" dirty="0"/>
+                        <a:t>¿Cuál es el objetivo del videojuego? </a:t>
+                      </a:r>
+                    </a:p>
+                    <a:p>
+                      <a:endParaRPr lang="es-ES" dirty="0"/>
+                    </a:p>
+                  </a:txBody>
+                  <a:tcPr anchor="ctr"/>
+                </a:tc>
+                <a:tc>
+                  <a:txBody>
+                    <a:bodyPr/>
+                    <a:lstStyle/>
+                    <a:p>
+                      <a:r>
+                        <a:rPr lang="es-ES" sz="900" dirty="0"/>
+                        <a:t>Mejorar el nivel de vida del país, bienestar y hacer crecer el país. </a:t>
+                      </a:r>
+                    </a:p>
+                  </a:txBody>
+                  <a:tcPr anchor="ctr"/>
+                </a:tc>
+                <a:tc>
+                  <a:txBody>
+                    <a:bodyPr/>
+                    <a:lstStyle/>
+                    <a:p>
+                      <a:r>
+                        <a:rPr lang="es-ES" sz="900" dirty="0"/>
+                        <a:t>Construir edificios e invertir en departamentos.</a:t>
+                      </a:r>
+                    </a:p>
+                  </a:txBody>
+                  <a:tcPr anchor="ctr"/>
+                </a:tc>
+                <a:tc>
+                  <a:txBody>
+                    <a:bodyPr/>
+                    <a:lstStyle/>
+                    <a:p>
+                      <a:r>
+                        <a:rPr lang="es-ES" sz="900" dirty="0"/>
+                        <a:t>Gestionar los recursos del país</a:t>
+                      </a:r>
+                    </a:p>
+                  </a:txBody>
+                  <a:tcPr anchor="ctr"/>
+                </a:tc>
+                <a:tc>
+                  <a:txBody>
+                    <a:bodyPr/>
+                    <a:lstStyle/>
+                    <a:p>
+                      <a:r>
+                        <a:rPr lang="es-ES" sz="900" dirty="0"/>
+                        <a:t> Dirigir un país como si fueras un político importante </a:t>
+                      </a:r>
+                    </a:p>
+                  </a:txBody>
+                  <a:tcPr anchor="ctr"/>
+                </a:tc>
+                <a:extLst>
+                  <a:ext uri="{0D108BD9-81ED-4DB2-BD59-A6C34878D82A}">
+                    <a16:rowId xmlns:a16="http://schemas.microsoft.com/office/drawing/2014/main" val="2374014320"/>
+                  </a:ext>
+                </a:extLst>
+              </a:tr>
+              <a:tr h="914006">
+                <a:tc>
+                  <a:txBody>
+                    <a:bodyPr/>
+                    <a:lstStyle/>
+                    <a:p>
+                      <a:pPr marL="0" indent="0">
+                        <a:buNone/>
+                      </a:pPr>
+                      <a:r>
+                        <a:rPr lang="es-ES" sz="1000" dirty="0"/>
+                        <a:t>¿Cómo describirías el videojuego a alguien que nunca lo haya jugado? </a:t>
+                      </a:r>
+                    </a:p>
+                    <a:p>
+                      <a:endParaRPr lang="es-ES" sz="1000" dirty="0"/>
+                    </a:p>
+                  </a:txBody>
+                  <a:tcPr anchor="ctr"/>
+                </a:tc>
+                <a:tc>
+                  <a:txBody>
+                    <a:bodyPr/>
+                    <a:lstStyle/>
+                    <a:p>
+                      <a:r>
+                        <a:rPr lang="es-ES" sz="900" dirty="0"/>
+                        <a:t>Un juego de estrategia donde eres el presidente y tienes que cuidar a tus habitantes.  </a:t>
+                      </a:r>
+                    </a:p>
+                  </a:txBody>
+                  <a:tcPr anchor="ctr"/>
+                </a:tc>
+                <a:tc>
+                  <a:txBody>
+                    <a:bodyPr/>
+                    <a:lstStyle/>
+                    <a:p>
+                      <a:r>
+                        <a:rPr lang="es-ES" sz="900" dirty="0"/>
+                        <a:t>Un juego en el que tienes que gestionar los edificios y las infraestructuras del país</a:t>
+                      </a:r>
+                    </a:p>
+                  </a:txBody>
+                  <a:tcPr anchor="ctr"/>
+                </a:tc>
+                <a:tc>
+                  <a:txBody>
+                    <a:bodyPr/>
+                    <a:lstStyle/>
+                    <a:p>
+                      <a:r>
+                        <a:rPr lang="es-ES" sz="900" dirty="0"/>
+                        <a:t>Un videojuego de gestión de recursos, no lo calificaría como simulado</a:t>
+                      </a:r>
+                    </a:p>
+                  </a:txBody>
+                  <a:tcPr anchor="ctr"/>
+                </a:tc>
+                <a:tc>
+                  <a:txBody>
+                    <a:bodyPr/>
+                    <a:lstStyle/>
+                    <a:p>
+                      <a:r>
+                        <a:rPr lang="es-ES" sz="900" dirty="0"/>
+                        <a:t>Un juego que simula el trabajo de un político importante. </a:t>
+                      </a:r>
+                    </a:p>
+                    <a:p>
+                      <a:endParaRPr lang="es-ES" sz="900" dirty="0"/>
+                    </a:p>
+                  </a:txBody>
+                  <a:tcPr anchor="ctr"/>
+                </a:tc>
+                <a:extLst>
+                  <a:ext uri="{0D108BD9-81ED-4DB2-BD59-A6C34878D82A}">
+                    <a16:rowId xmlns:a16="http://schemas.microsoft.com/office/drawing/2014/main" val="51184990"/>
+                  </a:ext>
+                </a:extLst>
+              </a:tr>
+              <a:tr h="1325308">
+                <a:tc>
+                  <a:txBody>
+                    <a:bodyPr/>
+                    <a:lstStyle/>
+                    <a:p>
+                      <a:pPr marL="0" indent="0">
+                        <a:buNone/>
+                      </a:pPr>
+                      <a:r>
+                        <a:rPr lang="es-ES" sz="1000" dirty="0"/>
+                        <a:t>¿Qué es lo que menos te ha gustado?</a:t>
+                      </a:r>
+                    </a:p>
+                  </a:txBody>
+                  <a:tcPr anchor="ctr"/>
+                </a:tc>
+                <a:tc>
+                  <a:txBody>
+                    <a:bodyPr/>
+                    <a:lstStyle/>
+                    <a:p>
+                      <a:r>
+                        <a:rPr lang="es-ES" sz="900" dirty="0"/>
+                        <a:t>El tutorial te lo explica demasiado del tirón.</a:t>
+                      </a:r>
+                    </a:p>
+                  </a:txBody>
+                  <a:tcPr anchor="ctr"/>
+                </a:tc>
+                <a:tc>
+                  <a:txBody>
+                    <a:bodyPr/>
+                    <a:lstStyle/>
+                    <a:p>
+                      <a:r>
+                        <a:rPr lang="es-ES" sz="900" dirty="0"/>
+                        <a:t>No poder encontrar el mapa, y que el tutorial fuese tan largo y pesado sin tampoco una ayuda directa después del mismo. </a:t>
+                      </a:r>
+                    </a:p>
+                  </a:txBody>
+                  <a:tcPr anchor="ctr"/>
+                </a:tc>
+                <a:tc>
+                  <a:txBody>
+                    <a:bodyPr/>
+                    <a:lstStyle/>
+                    <a:p>
+                      <a:r>
+                        <a:rPr lang="es-ES" sz="900" dirty="0"/>
+                        <a:t>No me ha gustado nada el juego.</a:t>
+                      </a:r>
+                    </a:p>
+                  </a:txBody>
+                  <a:tcPr anchor="ctr"/>
+                </a:tc>
+                <a:tc>
+                  <a:txBody>
+                    <a:bodyPr/>
+                    <a:lstStyle/>
+                    <a:p>
+                      <a:r>
+                        <a:rPr lang="es-ES" sz="900" dirty="0"/>
+                        <a:t> El tutorial era demasiado largo y la mayoría de menús eran poco claros y difíciles de entender</a:t>
+                      </a:r>
+                    </a:p>
+                  </a:txBody>
+                  <a:tcPr anchor="ctr"/>
+                </a:tc>
+                <a:extLst>
+                  <a:ext uri="{0D108BD9-81ED-4DB2-BD59-A6C34878D82A}">
+                    <a16:rowId xmlns:a16="http://schemas.microsoft.com/office/drawing/2014/main" val="2072894811"/>
+                  </a:ext>
+                </a:extLst>
+              </a:tr>
+              <a:tr h="1462409">
+                <a:tc>
+                  <a:txBody>
+                    <a:bodyPr/>
+                    <a:lstStyle/>
+                    <a:p>
+                      <a:pPr marL="0" indent="0">
+                        <a:buNone/>
+                      </a:pPr>
+                      <a:r>
+                        <a:rPr lang="es-ES" sz="1000" dirty="0"/>
+                        <a:t>¿Hay algo que te haya producido cierta confusión? </a:t>
+                      </a:r>
+                    </a:p>
+                    <a:p>
+                      <a:endParaRPr lang="es-ES" sz="1000" dirty="0"/>
+                    </a:p>
+                  </a:txBody>
+                  <a:tcPr anchor="ctr"/>
+                </a:tc>
+                <a:tc>
+                  <a:txBody>
+                    <a:bodyPr/>
+                    <a:lstStyle/>
+                    <a:p>
+                      <a:r>
+                        <a:rPr lang="es-ES" sz="900" dirty="0"/>
+                        <a:t>Más guía sobre invertir. No sabía que estaba haciendo. La manera en que lo muestra. ¿Qué significan las estrellas?</a:t>
+                      </a:r>
+                    </a:p>
+                  </a:txBody>
+                  <a:tcPr anchor="ctr"/>
+                </a:tc>
+                <a:tc>
+                  <a:txBody>
+                    <a:bodyPr/>
+                    <a:lstStyle/>
+                    <a:p>
+                      <a:r>
+                        <a:rPr lang="es-ES" sz="900" dirty="0"/>
+                        <a:t>No poder encontrar el mapa y no entender el sistema de estrellas, ni saber dónde se mostraba la cantidad de edificios creada. </a:t>
+                      </a:r>
+                    </a:p>
+                  </a:txBody>
+                  <a:tcPr anchor="ctr"/>
+                </a:tc>
+                <a:tc>
+                  <a:txBody>
+                    <a:bodyPr/>
+                    <a:lstStyle/>
+                    <a:p>
+                      <a:r>
+                        <a:rPr lang="es-ES" sz="900" dirty="0"/>
+                        <a:t>El tutorial sobrecarga al usuario con demasiada información nada más empezar, no proporciona ningún tipo de señalización o </a:t>
+                      </a:r>
+                      <a:r>
+                        <a:rPr lang="es-ES" sz="900" dirty="0" err="1"/>
+                        <a:t>highlighting</a:t>
+                      </a:r>
+                      <a:r>
+                        <a:rPr lang="es-ES" sz="900" dirty="0"/>
+                        <a:t> para señalar los elementos a los que se refiere ni permite un aprendizaje </a:t>
+                      </a:r>
+                      <a:r>
+                        <a:rPr lang="es-ES" sz="900" dirty="0" err="1"/>
+                        <a:t>explorativo</a:t>
+                      </a:r>
+                      <a:r>
+                        <a:rPr lang="es-ES" sz="900" dirty="0"/>
+                        <a:t> al usuario. Los menús sobrecargados y que sin entender los motivos ocurren ciertos eventos como guerras</a:t>
+                      </a:r>
+                    </a:p>
+                  </a:txBody>
+                  <a:tcPr anchor="ctr"/>
+                </a:tc>
+                <a:tc>
+                  <a:txBody>
+                    <a:bodyPr/>
+                    <a:lstStyle/>
+                    <a:p>
+                      <a:r>
+                        <a:rPr lang="es-ES" sz="900" dirty="0"/>
+                        <a:t>La forma de invertir, el icono de las noticias y el icono del mapa. </a:t>
+                      </a:r>
+                    </a:p>
+                  </a:txBody>
+                  <a:tcPr anchor="ctr"/>
+                </a:tc>
+                <a:extLst>
+                  <a:ext uri="{0D108BD9-81ED-4DB2-BD59-A6C34878D82A}">
+                    <a16:rowId xmlns:a16="http://schemas.microsoft.com/office/drawing/2014/main" val="1141473846"/>
+                  </a:ext>
+                </a:extLst>
+              </a:tr>
+              <a:tr h="1462409">
+                <a:tc>
+                  <a:txBody>
+                    <a:bodyPr/>
+                    <a:lstStyle/>
+                    <a:p>
+                      <a:pPr marL="0" marR="0" lvl="0" indent="0" algn="l" defTabSz="457200" rtl="0" eaLnBrk="1" fontAlgn="auto" latinLnBrk="0" hangingPunct="1">
+                        <a:lnSpc>
+                          <a:spcPct val="100000"/>
+                        </a:lnSpc>
+                        <a:spcBef>
+                          <a:spcPts val="0"/>
+                        </a:spcBef>
+                        <a:spcAft>
+                          <a:spcPts val="0"/>
+                        </a:spcAft>
+                        <a:buClrTx/>
+                        <a:buSzTx/>
+                        <a:buFontTx/>
+                        <a:buNone/>
+                        <a:tabLst/>
+                        <a:defRPr/>
+                      </a:pPr>
+                      <a:r>
+                        <a:rPr lang="es-ES" sz="1000" dirty="0"/>
+                        <a:t>¿Hay algo que te hubiera gustado saber antes de jugar? </a:t>
+                      </a:r>
+                    </a:p>
+                    <a:p>
+                      <a:endParaRPr lang="es-ES" sz="1000" dirty="0"/>
+                    </a:p>
+                  </a:txBody>
+                  <a:tcPr anchor="ctr"/>
+                </a:tc>
+                <a:tc>
+                  <a:txBody>
+                    <a:bodyPr/>
+                    <a:lstStyle/>
+                    <a:p>
+                      <a:r>
+                        <a:rPr lang="es-ES" sz="900" dirty="0"/>
+                        <a:t>Más guía sobre invertir. No sabía que estaba haciendo. La manera en que lo muestra. ¿Qué significan las estrellas?</a:t>
+                      </a:r>
+                    </a:p>
+                  </a:txBody>
+                  <a:tcPr anchor="ctr"/>
+                </a:tc>
+                <a:tc>
+                  <a:txBody>
+                    <a:bodyPr/>
+                    <a:lstStyle/>
+                    <a:p>
+                      <a:r>
+                        <a:rPr lang="es-ES" sz="900" dirty="0"/>
+                        <a:t>Saber cómo jugar, ya que el tutorial era muy largo y no definía bien como jugarlo y donde tenía que ir para poder avanzar en el juego. </a:t>
+                      </a:r>
+                    </a:p>
+                  </a:txBody>
+                  <a:tcPr anchor="ctr"/>
+                </a:tc>
+                <a:tc>
+                  <a:txBody>
+                    <a:bodyPr/>
+                    <a:lstStyle/>
+                    <a:p>
+                      <a:r>
+                        <a:rPr lang="es-ES" sz="900" dirty="0"/>
+                        <a:t>Como se juega, el tutorial ha sido totalmente inútil</a:t>
+                      </a:r>
+                    </a:p>
+                  </a:txBody>
+                  <a:tcPr anchor="ctr"/>
+                </a:tc>
+                <a:tc>
+                  <a:txBody>
+                    <a:bodyPr/>
+                    <a:lstStyle/>
+                    <a:p>
+                      <a:r>
+                        <a:rPr lang="es-ES" sz="900" dirty="0"/>
+                        <a:t>poder invertir y saber un poco más de qué va el juego.</a:t>
+                      </a:r>
+                    </a:p>
+                  </a:txBody>
+                  <a:tcPr anchor="ctr"/>
+                </a:tc>
+                <a:extLst>
+                  <a:ext uri="{0D108BD9-81ED-4DB2-BD59-A6C34878D82A}">
+                    <a16:rowId xmlns:a16="http://schemas.microsoft.com/office/drawing/2014/main" val="495585027"/>
+                  </a:ext>
+                </a:extLst>
+              </a:tr>
+            </a:tbl>
+          </a:graphicData>
+        </a:graphic>
+      </p:graphicFrame>
+    </p:spTree>
+    <p:extLst>
+      <p:ext uri="{BB962C8B-B14F-4D97-AF65-F5344CB8AC3E}">
+        <p14:creationId xmlns:p14="http://schemas.microsoft.com/office/powerpoint/2010/main" val="1082299491"/>
+      </p:ext>
+    </p:extLst>
+  </p:cSld>
+  <p:clrMapOvr>
+    <a:masterClrMapping/>
+  </p:clrMapOvr>
+</p:sld>
+</file>
+
+<file path=ppt/slides/slide6.xml><?xml version="1.0" encoding="utf-8"?>
+<p:sld xmlns:a="http://schemas.openxmlformats.org/drawingml/2006/main" xmlns:r="http://schemas.openxmlformats.org/officeDocument/2006/relationships" xmlns:p="http://schemas.openxmlformats.org/presentationml/2006/main">
+  <p:cSld>
+    <p:spTree>
+      <p:nvGrpSpPr>
+        <p:cNvPr id="1" name=""/>
+        <p:cNvGrpSpPr/>
+        <p:nvPr/>
+      </p:nvGrpSpPr>
+      <p:grpSpPr>
+        <a:xfrm>
+          <a:off x="0" y="0"/>
+          <a:ext cx="0" cy="0"/>
+          <a:chOff x="0" y="0"/>
+          <a:chExt cx="0" cy="0"/>
+        </a:xfrm>
+      </p:grpSpPr>
+      <p:sp>
+        <p:nvSpPr>
           <p:cNvPr id="2" name="Título 1"/>
           <p:cNvSpPr>
             <a:spLocks noGrp="1"/>
@@ -6340,7 +12205,10 @@
           <a:bodyPr/>
           <a:lstStyle/>
           <a:p>
-            <a:endParaRPr lang="es-ES"/>
+            <a:r>
+              <a:rPr lang="es-ES" dirty="0"/>
+              <a:t>Play</a:t>
+            </a:r>
           </a:p>
         </p:txBody>
       </p:sp>
@@ -6359,7 +12227,28 @@
           <a:bodyPr/>
           <a:lstStyle/>
           <a:p>
-            <a:endParaRPr lang="es-ES"/>
+            <a:r>
+              <a:rPr lang="es-ES" dirty="0"/>
+              <a:t>Primero de todo deberás leer el tutorial.</a:t>
+            </a:r>
+          </a:p>
+          <a:p>
+            <a:r>
+              <a:rPr lang="es-ES" dirty="0"/>
+              <a:t>¿Puedes ir al apartado de noticias? </a:t>
+            </a:r>
+          </a:p>
+          <a:p>
+            <a:r>
+              <a:rPr lang="es-ES" dirty="0"/>
+              <a:t>Invierte en baloncesto y construye un estadio. Ve al mapa.</a:t>
+            </a:r>
+          </a:p>
+          <a:p>
+            <a:r>
+              <a:rPr lang="es-ES" dirty="0"/>
+              <a:t>Aumenta el empleo de minusválidos.</a:t>
+            </a:r>
           </a:p>
         </p:txBody>
       </p:sp>
@@ -6406,7 +12295,728 @@
 </p:sld>
 </file>
 
-<file path=ppt/slides/slide4.xml><?xml version="1.0" encoding="utf-8"?>
+<file path=ppt/slides/slide7.xml><?xml version="1.0" encoding="utf-8"?>
+<p:sld xmlns:a="http://schemas.openxmlformats.org/drawingml/2006/main" xmlns:r="http://schemas.openxmlformats.org/officeDocument/2006/relationships" xmlns:p="http://schemas.openxmlformats.org/presentationml/2006/main">
+  <p:cSld>
+    <p:spTree>
+      <p:nvGrpSpPr>
+        <p:cNvPr id="1" name=""/>
+        <p:cNvGrpSpPr/>
+        <p:nvPr/>
+      </p:nvGrpSpPr>
+      <p:grpSpPr>
+        <a:xfrm>
+          <a:off x="0" y="0"/>
+          <a:ext cx="0" cy="0"/>
+          <a:chOff x="0" y="0"/>
+          <a:chExt cx="0" cy="0"/>
+        </a:xfrm>
+      </p:grpSpPr>
+      <p:sp>
+        <p:nvSpPr>
+          <p:cNvPr id="2" name="Título 1">
+            <a:extLst>
+              <a:ext uri="{FF2B5EF4-FFF2-40B4-BE49-F238E27FC236}">
+                <a16:creationId xmlns:a16="http://schemas.microsoft.com/office/drawing/2014/main" id="{86EFFCCC-8335-4449-B428-43C1CA63E2DC}"/>
+              </a:ext>
+            </a:extLst>
+          </p:cNvPr>
+          <p:cNvSpPr>
+            <a:spLocks noGrp="1"/>
+          </p:cNvSpPr>
+          <p:nvPr>
+            <p:ph type="title"/>
+          </p:nvPr>
+        </p:nvSpPr>
+        <p:spPr/>
+        <p:txBody>
+          <a:bodyPr/>
+          <a:lstStyle/>
+          <a:p>
+            <a:endParaRPr lang="es-ES"/>
+          </a:p>
+        </p:txBody>
+      </p:sp>
+      <p:sp>
+        <p:nvSpPr>
+          <p:cNvPr id="3" name="Marcador de contenido 2">
+            <a:extLst>
+              <a:ext uri="{FF2B5EF4-FFF2-40B4-BE49-F238E27FC236}">
+                <a16:creationId xmlns:a16="http://schemas.microsoft.com/office/drawing/2014/main" id="{BD37EEF7-8146-418B-9868-767A0937B1BC}"/>
+              </a:ext>
+            </a:extLst>
+          </p:cNvPr>
+          <p:cNvSpPr>
+            <a:spLocks noGrp="1"/>
+          </p:cNvSpPr>
+          <p:nvPr>
+            <p:ph idx="1"/>
+          </p:nvPr>
+        </p:nvSpPr>
+        <p:spPr/>
+        <p:txBody>
+          <a:bodyPr/>
+          <a:lstStyle/>
+          <a:p>
+            <a:endParaRPr lang="es-ES" dirty="0"/>
+          </a:p>
+        </p:txBody>
+      </p:sp>
+      <p:graphicFrame>
+        <p:nvGraphicFramePr>
+          <p:cNvPr id="4" name="Tabla 4">
+            <a:extLst>
+              <a:ext uri="{FF2B5EF4-FFF2-40B4-BE49-F238E27FC236}">
+                <a16:creationId xmlns:a16="http://schemas.microsoft.com/office/drawing/2014/main" id="{4AC7A731-38ED-4DA9-84B6-249AB95F039E}"/>
+              </a:ext>
+            </a:extLst>
+          </p:cNvPr>
+          <p:cNvGraphicFramePr>
+            <a:graphicFrameLocks/>
+          </p:cNvGraphicFramePr>
+          <p:nvPr>
+            <p:extLst>
+              <p:ext uri="{D42A27DB-BD31-4B8C-83A1-F6EECF244321}">
+                <p14:modId xmlns:p14="http://schemas.microsoft.com/office/powerpoint/2010/main" val="3597588786"/>
+              </p:ext>
+            </p:extLst>
+          </p:nvPr>
+        </p:nvGraphicFramePr>
+        <p:xfrm>
+          <a:off x="276837" y="452718"/>
+          <a:ext cx="11378109" cy="6205372"/>
+        </p:xfrm>
+        <a:graphic>
+          <a:graphicData uri="http://schemas.openxmlformats.org/drawingml/2006/table">
+            <a:tbl>
+              <a:tblPr bandRow="1">
+                <a:tableStyleId>{5C22544A-7EE6-4342-B048-85BDC9FD1C3A}</a:tableStyleId>
+              </a:tblPr>
+              <a:tblGrid>
+                <a:gridCol w="2097249">
+                  <a:extLst>
+                    <a:ext uri="{9D8B030D-6E8A-4147-A177-3AD203B41FA5}">
+                      <a16:colId xmlns:a16="http://schemas.microsoft.com/office/drawing/2014/main" val="1863478533"/>
+                    </a:ext>
+                  </a:extLst>
+                </a:gridCol>
+                <a:gridCol w="2256638">
+                  <a:extLst>
+                    <a:ext uri="{9D8B030D-6E8A-4147-A177-3AD203B41FA5}">
+                      <a16:colId xmlns:a16="http://schemas.microsoft.com/office/drawing/2014/main" val="972943850"/>
+                    </a:ext>
+                  </a:extLst>
+                </a:gridCol>
+                <a:gridCol w="2472978">
+                  <a:extLst>
+                    <a:ext uri="{9D8B030D-6E8A-4147-A177-3AD203B41FA5}">
+                      <a16:colId xmlns:a16="http://schemas.microsoft.com/office/drawing/2014/main" val="1618495160"/>
+                    </a:ext>
+                  </a:extLst>
+                </a:gridCol>
+                <a:gridCol w="2275622">
+                  <a:extLst>
+                    <a:ext uri="{9D8B030D-6E8A-4147-A177-3AD203B41FA5}">
+                      <a16:colId xmlns:a16="http://schemas.microsoft.com/office/drawing/2014/main" val="1040927508"/>
+                    </a:ext>
+                  </a:extLst>
+                </a:gridCol>
+                <a:gridCol w="2275622">
+                  <a:extLst>
+                    <a:ext uri="{9D8B030D-6E8A-4147-A177-3AD203B41FA5}">
+                      <a16:colId xmlns:a16="http://schemas.microsoft.com/office/drawing/2014/main" val="1310986713"/>
+                    </a:ext>
+                  </a:extLst>
+                </a:gridCol>
+              </a:tblGrid>
+              <a:tr h="370680">
+                <a:tc>
+                  <a:txBody>
+                    <a:bodyPr/>
+                    <a:lstStyle/>
+                    <a:p>
+                      <a:r>
+                        <a:rPr lang="es-ES" dirty="0"/>
+                        <a:t>Pregunta</a:t>
+                      </a:r>
+                    </a:p>
+                  </a:txBody>
+                  <a:tcPr anchor="ctr"/>
+                </a:tc>
+                <a:tc>
+                  <a:txBody>
+                    <a:bodyPr/>
+                    <a:lstStyle/>
+                    <a:p>
+                      <a:r>
+                        <a:rPr lang="es-ES" dirty="0"/>
+                        <a:t>Bernat</a:t>
+                      </a:r>
+                    </a:p>
+                  </a:txBody>
+                  <a:tcPr anchor="ctr"/>
+                </a:tc>
+                <a:tc>
+                  <a:txBody>
+                    <a:bodyPr/>
+                    <a:lstStyle/>
+                    <a:p>
+                      <a:r>
+                        <a:rPr lang="es-ES" dirty="0"/>
+                        <a:t>Jordi</a:t>
+                      </a:r>
+                    </a:p>
+                  </a:txBody>
+                  <a:tcPr anchor="ctr"/>
+                </a:tc>
+                <a:tc>
+                  <a:txBody>
+                    <a:bodyPr/>
+                    <a:lstStyle/>
+                    <a:p>
+                      <a:r>
+                        <a:rPr lang="es-ES" dirty="0"/>
+                        <a:t>Eudald</a:t>
+                      </a:r>
+                    </a:p>
+                  </a:txBody>
+                  <a:tcPr anchor="ctr"/>
+                </a:tc>
+                <a:tc>
+                  <a:txBody>
+                    <a:bodyPr/>
+                    <a:lstStyle/>
+                    <a:p>
+                      <a:r>
+                        <a:rPr lang="es-ES" dirty="0"/>
+                        <a:t>Miquel</a:t>
+                      </a:r>
+                    </a:p>
+                  </a:txBody>
+                  <a:tcPr anchor="ctr"/>
+                </a:tc>
+                <a:extLst>
+                  <a:ext uri="{0D108BD9-81ED-4DB2-BD59-A6C34878D82A}">
+                    <a16:rowId xmlns:a16="http://schemas.microsoft.com/office/drawing/2014/main" val="3329705445"/>
+                  </a:ext>
+                </a:extLst>
+              </a:tr>
+              <a:tr h="639804">
+                <a:tc>
+                  <a:txBody>
+                    <a:bodyPr/>
+                    <a:lstStyle/>
+                    <a:p>
+                      <a:r>
+                        <a:rPr lang="es-ES" sz="1000" dirty="0"/>
+                        <a:t>Primero de todo deberás leer el tutorial.</a:t>
+                      </a:r>
+                    </a:p>
+                    <a:p>
+                      <a:endParaRPr lang="es-ES" dirty="0"/>
+                    </a:p>
+                  </a:txBody>
+                  <a:tcPr anchor="ctr"/>
+                </a:tc>
+                <a:tc>
+                  <a:txBody>
+                    <a:bodyPr/>
+                    <a:lstStyle/>
+                    <a:p>
+                      <a:r>
+                        <a:rPr lang="es-ES" sz="900" dirty="0"/>
+                        <a:t> pierde notablemente la atención</a:t>
+                      </a:r>
+                    </a:p>
+                  </a:txBody>
+                  <a:tcPr anchor="ctr"/>
+                </a:tc>
+                <a:tc>
+                  <a:txBody>
+                    <a:bodyPr/>
+                    <a:lstStyle/>
+                    <a:p>
+                      <a:r>
+                        <a:rPr lang="es-ES" sz="900" dirty="0"/>
+                        <a:t>pierde notablemente la atención</a:t>
+                      </a:r>
+                    </a:p>
+                  </a:txBody>
+                  <a:tcPr anchor="ctr"/>
+                </a:tc>
+                <a:tc>
+                  <a:txBody>
+                    <a:bodyPr/>
+                    <a:lstStyle/>
+                    <a:p>
+                      <a:r>
+                        <a:rPr lang="es-ES" sz="900" dirty="0"/>
+                        <a:t> pierde notablemente la atención</a:t>
+                      </a:r>
+                    </a:p>
+                  </a:txBody>
+                  <a:tcPr anchor="ctr"/>
+                </a:tc>
+                <a:tc>
+                  <a:txBody>
+                    <a:bodyPr/>
+                    <a:lstStyle/>
+                    <a:p>
+                      <a:r>
+                        <a:rPr lang="es-ES" sz="900" dirty="0"/>
+                        <a:t> pierde notablemente la atención</a:t>
+                      </a:r>
+                    </a:p>
+                  </a:txBody>
+                  <a:tcPr anchor="ctr"/>
+                </a:tc>
+                <a:extLst>
+                  <a:ext uri="{0D108BD9-81ED-4DB2-BD59-A6C34878D82A}">
+                    <a16:rowId xmlns:a16="http://schemas.microsoft.com/office/drawing/2014/main" val="2374014320"/>
+                  </a:ext>
+                </a:extLst>
+              </a:tr>
+              <a:tr h="914006">
+                <a:tc>
+                  <a:txBody>
+                    <a:bodyPr/>
+                    <a:lstStyle/>
+                    <a:p>
+                      <a:r>
+                        <a:rPr lang="es-ES" sz="1000" dirty="0"/>
+                        <a:t>¿Puedes ir al apartado de noticias? </a:t>
+                      </a:r>
+                    </a:p>
+                    <a:p>
+                      <a:endParaRPr lang="es-ES" sz="1000" dirty="0"/>
+                    </a:p>
+                  </a:txBody>
+                  <a:tcPr anchor="ctr"/>
+                </a:tc>
+                <a:tc>
+                  <a:txBody>
+                    <a:bodyPr/>
+                    <a:lstStyle/>
+                    <a:p>
+                      <a:r>
+                        <a:rPr lang="es-ES" sz="900" dirty="0"/>
+                        <a:t>confunde </a:t>
+                      </a:r>
+                    </a:p>
+                  </a:txBody>
+                  <a:tcPr anchor="ctr"/>
+                </a:tc>
+                <a:tc>
+                  <a:txBody>
+                    <a:bodyPr/>
+                    <a:lstStyle/>
+                    <a:p>
+                      <a:r>
+                        <a:rPr lang="es-ES" sz="900" dirty="0"/>
+                        <a:t>No encuentra durante varios segundos</a:t>
+                      </a:r>
+                    </a:p>
+                  </a:txBody>
+                  <a:tcPr anchor="ctr"/>
+                </a:tc>
+                <a:tc>
+                  <a:txBody>
+                    <a:bodyPr/>
+                    <a:lstStyle/>
+                    <a:p>
+                      <a:r>
+                        <a:rPr lang="es-ES" sz="900" dirty="0"/>
+                        <a:t>Relaciona bastante rápido </a:t>
+                      </a:r>
+                    </a:p>
+                  </a:txBody>
+                  <a:tcPr anchor="ctr"/>
+                </a:tc>
+                <a:tc>
+                  <a:txBody>
+                    <a:bodyPr/>
+                    <a:lstStyle/>
+                    <a:p>
+                      <a:r>
+                        <a:rPr lang="es-ES" sz="900" dirty="0"/>
+                        <a:t>confunde </a:t>
+                      </a:r>
+                    </a:p>
+                    <a:p>
+                      <a:endParaRPr lang="es-ES" sz="900" dirty="0"/>
+                    </a:p>
+                  </a:txBody>
+                  <a:tcPr anchor="ctr"/>
+                </a:tc>
+                <a:extLst>
+                  <a:ext uri="{0D108BD9-81ED-4DB2-BD59-A6C34878D82A}">
+                    <a16:rowId xmlns:a16="http://schemas.microsoft.com/office/drawing/2014/main" val="51184990"/>
+                  </a:ext>
+                </a:extLst>
+              </a:tr>
+              <a:tr h="1325308">
+                <a:tc>
+                  <a:txBody>
+                    <a:bodyPr/>
+                    <a:lstStyle/>
+                    <a:p>
+                      <a:r>
+                        <a:rPr lang="es-ES" sz="1000" dirty="0"/>
+                        <a:t>Invierte en baloncesto y construye un estadio.</a:t>
+                      </a:r>
+                    </a:p>
+                  </a:txBody>
+                  <a:tcPr anchor="ctr"/>
+                </a:tc>
+                <a:tc>
+                  <a:txBody>
+                    <a:bodyPr/>
+                    <a:lstStyle/>
+                    <a:p>
+                      <a:r>
+                        <a:rPr lang="es-ES" sz="900" dirty="0"/>
+                        <a:t> estrellas le resultan confusas</a:t>
+                      </a:r>
+                    </a:p>
+                  </a:txBody>
+                  <a:tcPr anchor="ctr"/>
+                </a:tc>
+                <a:tc>
+                  <a:txBody>
+                    <a:bodyPr/>
+                    <a:lstStyle/>
+                    <a:p>
+                      <a:r>
+                        <a:rPr lang="es-ES" sz="900" dirty="0"/>
+                        <a:t> estrellas le resultan confusas</a:t>
+                      </a:r>
+                    </a:p>
+                  </a:txBody>
+                  <a:tcPr anchor="ctr"/>
+                </a:tc>
+                <a:tc>
+                  <a:txBody>
+                    <a:bodyPr/>
+                    <a:lstStyle/>
+                    <a:p>
+                      <a:r>
+                        <a:rPr lang="es-ES" sz="900" dirty="0"/>
+                        <a:t>Mucho tiempo perdido</a:t>
+                      </a:r>
+                    </a:p>
+                  </a:txBody>
+                  <a:tcPr anchor="ctr"/>
+                </a:tc>
+                <a:tc>
+                  <a:txBody>
+                    <a:bodyPr/>
+                    <a:lstStyle/>
+                    <a:p>
+                      <a:r>
+                        <a:rPr lang="es-ES" sz="900" dirty="0"/>
+                        <a:t>no entiende como invertir</a:t>
+                      </a:r>
+                    </a:p>
+                  </a:txBody>
+                  <a:tcPr anchor="ctr"/>
+                </a:tc>
+                <a:extLst>
+                  <a:ext uri="{0D108BD9-81ED-4DB2-BD59-A6C34878D82A}">
+                    <a16:rowId xmlns:a16="http://schemas.microsoft.com/office/drawing/2014/main" val="2072894811"/>
+                  </a:ext>
+                </a:extLst>
+              </a:tr>
+              <a:tr h="1462409">
+                <a:tc>
+                  <a:txBody>
+                    <a:bodyPr/>
+                    <a:lstStyle/>
+                    <a:p>
+                      <a:r>
+                        <a:rPr lang="es-ES" sz="1000" dirty="0"/>
+                        <a:t>Ve al mapa. </a:t>
+                      </a:r>
+                    </a:p>
+                  </a:txBody>
+                  <a:tcPr anchor="ctr"/>
+                </a:tc>
+                <a:tc>
+                  <a:txBody>
+                    <a:bodyPr/>
+                    <a:lstStyle/>
+                    <a:p>
+                      <a:r>
+                        <a:rPr lang="es-ES" sz="900" dirty="0"/>
+                        <a:t>Encuentra rápido</a:t>
+                      </a:r>
+                    </a:p>
+                  </a:txBody>
+                  <a:tcPr anchor="ctr"/>
+                </a:tc>
+                <a:tc>
+                  <a:txBody>
+                    <a:bodyPr/>
+                    <a:lstStyle/>
+                    <a:p>
+                      <a:r>
+                        <a:rPr lang="es-ES" sz="900" dirty="0"/>
+                        <a:t>No encuentra </a:t>
+                      </a:r>
+                    </a:p>
+                  </a:txBody>
+                  <a:tcPr anchor="ctr"/>
+                </a:tc>
+                <a:tc>
+                  <a:txBody>
+                    <a:bodyPr/>
+                    <a:lstStyle/>
+                    <a:p>
+                      <a:r>
+                        <a:rPr lang="es-ES" sz="900" dirty="0"/>
+                        <a:t>Lo encuentra rápido. </a:t>
+                      </a:r>
+                    </a:p>
+                  </a:txBody>
+                  <a:tcPr anchor="ctr"/>
+                </a:tc>
+                <a:tc>
+                  <a:txBody>
+                    <a:bodyPr/>
+                    <a:lstStyle/>
+                    <a:p>
+                      <a:r>
+                        <a:rPr lang="es-ES" sz="900" dirty="0"/>
+                        <a:t>Tarda mucho</a:t>
+                      </a:r>
+                    </a:p>
+                  </a:txBody>
+                  <a:tcPr anchor="ctr"/>
+                </a:tc>
+                <a:extLst>
+                  <a:ext uri="{0D108BD9-81ED-4DB2-BD59-A6C34878D82A}">
+                    <a16:rowId xmlns:a16="http://schemas.microsoft.com/office/drawing/2014/main" val="5318401"/>
+                  </a:ext>
+                </a:extLst>
+              </a:tr>
+              <a:tr h="1462409">
+                <a:tc>
+                  <a:txBody>
+                    <a:bodyPr/>
+                    <a:lstStyle/>
+                    <a:p>
+                      <a:r>
+                        <a:rPr lang="es-ES" sz="1000" dirty="0"/>
+                        <a:t>Aumenta el empleo de minusválidos.</a:t>
+                      </a:r>
+                    </a:p>
+                    <a:p>
+                      <a:endParaRPr lang="es-ES" sz="1000" dirty="0"/>
+                    </a:p>
+                  </a:txBody>
+                  <a:tcPr anchor="ctr"/>
+                </a:tc>
+                <a:tc>
+                  <a:txBody>
+                    <a:bodyPr/>
+                    <a:lstStyle/>
+                    <a:p>
+                      <a:r>
+                        <a:rPr lang="es-ES" sz="900" dirty="0"/>
+                        <a:t>Divaga pero rápido</a:t>
+                      </a:r>
+                    </a:p>
+                  </a:txBody>
+                  <a:tcPr anchor="ctr"/>
+                </a:tc>
+                <a:tc>
+                  <a:txBody>
+                    <a:bodyPr/>
+                    <a:lstStyle/>
+                    <a:p>
+                      <a:r>
+                        <a:rPr lang="es-ES" sz="900" dirty="0"/>
+                        <a:t>Encuentra rápido y con eficacia</a:t>
+                      </a:r>
+                    </a:p>
+                  </a:txBody>
+                  <a:tcPr anchor="ctr"/>
+                </a:tc>
+                <a:tc>
+                  <a:txBody>
+                    <a:bodyPr/>
+                    <a:lstStyle/>
+                    <a:p>
+                      <a:r>
+                        <a:rPr lang="es-ES" sz="900" dirty="0"/>
+                        <a:t>Vuelve a tener problemas con encontrar lo que se le requiere navegando entre los menús. </a:t>
+                      </a:r>
+                    </a:p>
+                  </a:txBody>
+                  <a:tcPr anchor="ctr"/>
+                </a:tc>
+                <a:tc>
+                  <a:txBody>
+                    <a:bodyPr/>
+                    <a:lstStyle/>
+                    <a:p>
+                      <a:r>
+                        <a:rPr lang="es-ES" sz="900" dirty="0"/>
+                        <a:t>Al usuario le cuesta un poco encontrar el menú de empleos</a:t>
+                      </a:r>
+                    </a:p>
+                  </a:txBody>
+                  <a:tcPr anchor="ctr"/>
+                </a:tc>
+                <a:extLst>
+                  <a:ext uri="{0D108BD9-81ED-4DB2-BD59-A6C34878D82A}">
+                    <a16:rowId xmlns:a16="http://schemas.microsoft.com/office/drawing/2014/main" val="1141473846"/>
+                  </a:ext>
+                </a:extLst>
+              </a:tr>
+            </a:tbl>
+          </a:graphicData>
+        </a:graphic>
+      </p:graphicFrame>
+    </p:spTree>
+    <p:extLst>
+      <p:ext uri="{BB962C8B-B14F-4D97-AF65-F5344CB8AC3E}">
+        <p14:creationId xmlns:p14="http://schemas.microsoft.com/office/powerpoint/2010/main" val="3904149269"/>
+      </p:ext>
+    </p:extLst>
+  </p:cSld>
+  <p:clrMapOvr>
+    <a:masterClrMapping/>
+  </p:clrMapOvr>
+</p:sld>
+</file>
+
+<file path=ppt/slides/slide8.xml><?xml version="1.0" encoding="utf-8"?>
+<p:sld xmlns:a="http://schemas.openxmlformats.org/drawingml/2006/main" xmlns:r="http://schemas.openxmlformats.org/officeDocument/2006/relationships" xmlns:p="http://schemas.openxmlformats.org/presentationml/2006/main">
+  <p:cSld>
+    <p:spTree>
+      <p:nvGrpSpPr>
+        <p:cNvPr id="1" name=""/>
+        <p:cNvGrpSpPr/>
+        <p:nvPr/>
+      </p:nvGrpSpPr>
+      <p:grpSpPr>
+        <a:xfrm>
+          <a:off x="0" y="0"/>
+          <a:ext cx="0" cy="0"/>
+          <a:chOff x="0" y="0"/>
+          <a:chExt cx="0" cy="0"/>
+        </a:xfrm>
+      </p:grpSpPr>
+      <p:sp>
+        <p:nvSpPr>
+          <p:cNvPr id="2" name="Título 1">
+            <a:extLst>
+              <a:ext uri="{FF2B5EF4-FFF2-40B4-BE49-F238E27FC236}">
+                <a16:creationId xmlns:a16="http://schemas.microsoft.com/office/drawing/2014/main" id="{83280482-1CE0-4B89-86D2-EA1ECCFC4561}"/>
+              </a:ext>
+            </a:extLst>
+          </p:cNvPr>
+          <p:cNvSpPr>
+            <a:spLocks noGrp="1"/>
+          </p:cNvSpPr>
+          <p:nvPr>
+            <p:ph type="title"/>
+          </p:nvPr>
+        </p:nvSpPr>
+        <p:spPr/>
+        <p:txBody>
+          <a:bodyPr/>
+          <a:lstStyle/>
+          <a:p>
+            <a:endParaRPr lang="es-ES"/>
+          </a:p>
+        </p:txBody>
+      </p:sp>
+      <p:pic>
+        <p:nvPicPr>
+          <p:cNvPr id="5" name="Marcador de contenido 4">
+            <a:extLst>
+              <a:ext uri="{FF2B5EF4-FFF2-40B4-BE49-F238E27FC236}">
+                <a16:creationId xmlns:a16="http://schemas.microsoft.com/office/drawing/2014/main" id="{C78A5EA7-B228-467A-882B-54E058556C39}"/>
+              </a:ext>
+            </a:extLst>
+          </p:cNvPr>
+          <p:cNvPicPr>
+            <a:picLocks noGrp="1" noChangeAspect="1"/>
+          </p:cNvPicPr>
+          <p:nvPr>
+            <p:ph idx="1"/>
+          </p:nvPr>
+        </p:nvPicPr>
+        <p:blipFill>
+          <a:blip r:embed="rId2" cstate="print">
+            <a:extLst>
+              <a:ext uri="{28A0092B-C50C-407E-A947-70E740481C1C}">
+                <a14:useLocalDpi xmlns:a14="http://schemas.microsoft.com/office/drawing/2010/main" val="0"/>
+              </a:ext>
+            </a:extLst>
+          </a:blip>
+          <a:stretch>
+            <a:fillRect/>
+          </a:stretch>
+        </p:blipFill>
+        <p:spPr>
+          <a:xfrm>
+            <a:off x="6258186" y="1064266"/>
+            <a:ext cx="5485876" cy="2742938"/>
+          </a:xfrm>
+        </p:spPr>
+      </p:pic>
+      <p:pic>
+        <p:nvPicPr>
+          <p:cNvPr id="7" name="Imagen 6">
+            <a:extLst>
+              <a:ext uri="{FF2B5EF4-FFF2-40B4-BE49-F238E27FC236}">
+                <a16:creationId xmlns:a16="http://schemas.microsoft.com/office/drawing/2014/main" id="{EFE8FF4B-8681-436A-A0F4-18C9211E33E0}"/>
+              </a:ext>
+            </a:extLst>
+          </p:cNvPr>
+          <p:cNvPicPr>
+            <a:picLocks noChangeAspect="1"/>
+          </p:cNvPicPr>
+          <p:nvPr/>
+        </p:nvPicPr>
+        <p:blipFill>
+          <a:blip r:embed="rId3" cstate="print">
+            <a:extLst>
+              <a:ext uri="{28A0092B-C50C-407E-A947-70E740481C1C}">
+                <a14:useLocalDpi xmlns:a14="http://schemas.microsoft.com/office/drawing/2010/main" val="0"/>
+              </a:ext>
+            </a:extLst>
+          </a:blip>
+          <a:stretch>
+            <a:fillRect/>
+          </a:stretch>
+        </p:blipFill>
+        <p:spPr>
+          <a:xfrm>
+            <a:off x="231187" y="3376589"/>
+            <a:ext cx="6512653" cy="3256327"/>
+          </a:xfrm>
+          <a:prstGeom prst="rect">
+            <a:avLst/>
+          </a:prstGeom>
+        </p:spPr>
+      </p:pic>
+    </p:spTree>
+    <p:extLst>
+      <p:ext uri="{BB962C8B-B14F-4D97-AF65-F5344CB8AC3E}">
+        <p14:creationId xmlns:p14="http://schemas.microsoft.com/office/powerpoint/2010/main" val="3426386746"/>
+      </p:ext>
+    </p:extLst>
+  </p:cSld>
+  <p:clrMapOvr>
+    <a:masterClrMapping/>
+  </p:clrMapOvr>
+</p:sld>
+</file>
+
+<file path=ppt/slides/slide9.xml><?xml version="1.0" encoding="utf-8"?>
 <p:sld xmlns:a="http://schemas.openxmlformats.org/drawingml/2006/main" xmlns:r="http://schemas.openxmlformats.org/officeDocument/2006/relationships" xmlns:p="http://schemas.openxmlformats.org/presentationml/2006/main">
   <p:cSld>
     <p:spTree>
@@ -6444,7 +13054,7 @@
           <a:lstStyle/>
           <a:p>
             <a:r>
-              <a:rPr lang="es-ES" b="1" dirty="0" smtClean="0">
+              <a:rPr lang="es-ES" b="1" dirty="0">
                 <a:ln w="9525">
                   <a:solidFill>
                     <a:schemeClr val="bg1"/>
@@ -6465,7 +13075,7 @@
               <a:t>Eval. Heurística: 	</a:t>
             </a:r>
             <a:r>
-              <a:rPr lang="es-ES" sz="3600" b="1" dirty="0" smtClean="0">
+              <a:rPr lang="es-ES" sz="3600" b="1" dirty="0">
                 <a:ln w="9525">
                   <a:solidFill>
                     <a:schemeClr val="bg1"/>
@@ -6489,25 +13099,1683 @@
           </a:p>
         </p:txBody>
       </p:sp>
-      <p:sp>
-        <p:nvSpPr>
-          <p:cNvPr id="3" name="Marcador de contenido 2"/>
-          <p:cNvSpPr>
-            <a:spLocks noGrp="1"/>
-          </p:cNvSpPr>
+      <p:graphicFrame>
+        <p:nvGraphicFramePr>
+          <p:cNvPr id="6" name="Tabla 6">
+            <a:extLst>
+              <a:ext uri="{FF2B5EF4-FFF2-40B4-BE49-F238E27FC236}">
+                <a16:creationId xmlns:a16="http://schemas.microsoft.com/office/drawing/2014/main" id="{B73774B0-FEF7-447B-BF4C-F951CB1B23A8}"/>
+              </a:ext>
+            </a:extLst>
+          </p:cNvPr>
+          <p:cNvGraphicFramePr>
+            <a:graphicFrameLocks noGrp="1"/>
+          </p:cNvGraphicFramePr>
           <p:nvPr>
             <p:ph idx="1"/>
+            <p:extLst>
+              <p:ext uri="{D42A27DB-BD31-4B8C-83A1-F6EECF244321}">
+                <p14:modId xmlns:p14="http://schemas.microsoft.com/office/powerpoint/2010/main" val="3675986916"/>
+              </p:ext>
+            </p:extLst>
           </p:nvPr>
-        </p:nvSpPr>
-        <p:spPr/>
-        <p:txBody>
-          <a:bodyPr/>
-          <a:lstStyle/>
-          <a:p>
-            <a:endParaRPr lang="es-ES" dirty="0"/>
-          </a:p>
-        </p:txBody>
-      </p:sp>
+        </p:nvGraphicFramePr>
+        <p:xfrm>
+          <a:off x="184559" y="1601132"/>
+          <a:ext cx="11910876" cy="4761629"/>
+        </p:xfrm>
+        <a:graphic>
+          <a:graphicData uri="http://schemas.openxmlformats.org/drawingml/2006/table">
+            <a:tbl>
+              <a:tblPr firstRow="1" bandRow="1">
+                <a:tableStyleId>{5C22544A-7EE6-4342-B048-85BDC9FD1C3A}</a:tableStyleId>
+              </a:tblPr>
+              <a:tblGrid>
+                <a:gridCol w="2734504">
+                  <a:extLst>
+                    <a:ext uri="{9D8B030D-6E8A-4147-A177-3AD203B41FA5}">
+                      <a16:colId xmlns:a16="http://schemas.microsoft.com/office/drawing/2014/main" val="4071001824"/>
+                    </a:ext>
+                  </a:extLst>
+                </a:gridCol>
+                <a:gridCol w="495256">
+                  <a:extLst>
+                    <a:ext uri="{9D8B030D-6E8A-4147-A177-3AD203B41FA5}">
+                      <a16:colId xmlns:a16="http://schemas.microsoft.com/office/drawing/2014/main" val="1148401535"/>
+                    </a:ext>
+                  </a:extLst>
+                </a:gridCol>
+                <a:gridCol w="586033">
+                  <a:extLst>
+                    <a:ext uri="{9D8B030D-6E8A-4147-A177-3AD203B41FA5}">
+                      <a16:colId xmlns:a16="http://schemas.microsoft.com/office/drawing/2014/main" val="738516967"/>
+                    </a:ext>
+                  </a:extLst>
+                </a:gridCol>
+                <a:gridCol w="654010">
+                  <a:extLst>
+                    <a:ext uri="{9D8B030D-6E8A-4147-A177-3AD203B41FA5}">
+                      <a16:colId xmlns:a16="http://schemas.microsoft.com/office/drawing/2014/main" val="3928299451"/>
+                    </a:ext>
+                  </a:extLst>
+                </a:gridCol>
+                <a:gridCol w="681842">
+                  <a:extLst>
+                    <a:ext uri="{9D8B030D-6E8A-4147-A177-3AD203B41FA5}">
+                      <a16:colId xmlns:a16="http://schemas.microsoft.com/office/drawing/2014/main" val="1873013907"/>
+                    </a:ext>
+                  </a:extLst>
+                </a:gridCol>
+                <a:gridCol w="2170759">
+                  <a:extLst>
+                    <a:ext uri="{9D8B030D-6E8A-4147-A177-3AD203B41FA5}">
+                      <a16:colId xmlns:a16="http://schemas.microsoft.com/office/drawing/2014/main" val="1799228593"/>
+                    </a:ext>
+                  </a:extLst>
+                </a:gridCol>
+                <a:gridCol w="2379488">
+                  <a:extLst>
+                    <a:ext uri="{9D8B030D-6E8A-4147-A177-3AD203B41FA5}">
+                      <a16:colId xmlns:a16="http://schemas.microsoft.com/office/drawing/2014/main" val="3425461253"/>
+                    </a:ext>
+                  </a:extLst>
+                </a:gridCol>
+                <a:gridCol w="2208984">
+                  <a:extLst>
+                    <a:ext uri="{9D8B030D-6E8A-4147-A177-3AD203B41FA5}">
+                      <a16:colId xmlns:a16="http://schemas.microsoft.com/office/drawing/2014/main" val="587700851"/>
+                    </a:ext>
+                  </a:extLst>
+                </a:gridCol>
+              </a:tblGrid>
+              <a:tr h="997349">
+                <a:tc>
+                  <a:txBody>
+                    <a:bodyPr/>
+                    <a:lstStyle/>
+                    <a:p>
+                      <a:r>
+                        <a:rPr lang="es-ES" sz="1400" dirty="0"/>
+                        <a:t>Heurística </a:t>
+                      </a:r>
+                    </a:p>
+                  </a:txBody>
+                  <a:tcPr/>
+                </a:tc>
+                <a:tc gridSpan="4">
+                  <a:txBody>
+                    <a:bodyPr/>
+                    <a:lstStyle/>
+                    <a:p>
+                      <a:r>
+                        <a:rPr lang="es-ES" sz="1400" dirty="0"/>
+                        <a:t>Es </a:t>
+                      </a:r>
+                      <a:r>
+                        <a:rPr lang="es-ES" sz="1400" dirty="0" err="1"/>
+                        <a:t>compleix</a:t>
+                      </a:r>
+                      <a:r>
+                        <a:rPr lang="es-ES" sz="1400" dirty="0"/>
+                        <a:t>?</a:t>
+                      </a:r>
+                    </a:p>
+                  </a:txBody>
+                  <a:tcPr/>
+                </a:tc>
+                <a:tc hMerge="1">
+                  <a:txBody>
+                    <a:bodyPr/>
+                    <a:lstStyle/>
+                    <a:p>
+                      <a:endParaRPr lang="es-ES" dirty="0"/>
+                    </a:p>
+                  </a:txBody>
+                  <a:tcPr/>
+                </a:tc>
+                <a:tc hMerge="1">
+                  <a:txBody>
+                    <a:bodyPr/>
+                    <a:lstStyle/>
+                    <a:p>
+                      <a:endParaRPr lang="es-ES" dirty="0"/>
+                    </a:p>
+                  </a:txBody>
+                  <a:tcPr/>
+                </a:tc>
+                <a:tc hMerge="1">
+                  <a:txBody>
+                    <a:bodyPr/>
+                    <a:lstStyle/>
+                    <a:p>
+                      <a:endParaRPr lang="es-ES" dirty="0"/>
+                    </a:p>
+                  </a:txBody>
+                  <a:tcPr/>
+                </a:tc>
+                <a:tc>
+                  <a:txBody>
+                    <a:bodyPr/>
+                    <a:lstStyle/>
+                    <a:p>
+                      <a:r>
+                        <a:rPr lang="es-ES" sz="1400" dirty="0"/>
+                        <a:t>En </a:t>
+                      </a:r>
+                      <a:r>
+                        <a:rPr lang="es-ES" sz="1400" dirty="0" err="1"/>
+                        <a:t>quin</a:t>
+                      </a:r>
+                      <a:r>
+                        <a:rPr lang="es-ES" sz="1400" dirty="0"/>
+                        <a:t> </a:t>
+                      </a:r>
+                      <a:r>
+                        <a:rPr lang="es-ES" sz="1400" dirty="0" err="1"/>
+                        <a:t>grau</a:t>
+                      </a:r>
+                      <a:r>
+                        <a:rPr lang="es-ES" sz="1400" dirty="0"/>
+                        <a:t> es </a:t>
+                      </a:r>
+                      <a:r>
+                        <a:rPr lang="es-ES" sz="1400" dirty="0" err="1"/>
+                        <a:t>compleix</a:t>
+                      </a:r>
+                      <a:r>
+                        <a:rPr lang="es-ES" sz="1400" dirty="0"/>
+                        <a:t>? (1-10)</a:t>
+                      </a:r>
+                    </a:p>
+                  </a:txBody>
+                  <a:tcPr/>
+                </a:tc>
+                <a:tc>
+                  <a:txBody>
+                    <a:bodyPr/>
+                    <a:lstStyle/>
+                    <a:p>
+                      <a:r>
+                        <a:rPr lang="es-ES" sz="1400" dirty="0"/>
+                        <a:t>En </a:t>
+                      </a:r>
+                      <a:r>
+                        <a:rPr lang="es-ES" sz="1400" dirty="0" err="1"/>
+                        <a:t>quin</a:t>
+                      </a:r>
+                      <a:r>
+                        <a:rPr lang="es-ES" sz="1400" dirty="0"/>
+                        <a:t> </a:t>
+                      </a:r>
+                      <a:r>
+                        <a:rPr lang="es-ES" sz="1400" dirty="0" err="1"/>
+                        <a:t>grau</a:t>
+                      </a:r>
+                      <a:r>
+                        <a:rPr lang="es-ES" sz="1400" dirty="0"/>
+                        <a:t> afecta </a:t>
+                      </a:r>
+                      <a:r>
+                        <a:rPr lang="es-ES" sz="1400" dirty="0" err="1"/>
+                        <a:t>l’incompliment</a:t>
+                      </a:r>
+                      <a:r>
+                        <a:rPr lang="es-ES" sz="1400" dirty="0"/>
+                        <a:t> (1-10)</a:t>
+                      </a:r>
+                    </a:p>
+                  </a:txBody>
+                  <a:tcPr/>
+                </a:tc>
+                <a:tc>
+                  <a:txBody>
+                    <a:bodyPr/>
+                    <a:lstStyle/>
+                    <a:p>
+                      <a:r>
+                        <a:rPr lang="pt-BR" sz="1400" dirty="0"/>
+                        <a:t>Quina </a:t>
+                      </a:r>
+                      <a:r>
+                        <a:rPr lang="pt-BR" sz="1400" dirty="0" err="1"/>
+                        <a:t>importància</a:t>
+                      </a:r>
+                      <a:r>
+                        <a:rPr lang="pt-BR" sz="1400" dirty="0"/>
+                        <a:t> </a:t>
+                      </a:r>
+                      <a:r>
+                        <a:rPr lang="pt-BR" sz="1400" dirty="0" err="1"/>
+                        <a:t>creus</a:t>
+                      </a:r>
+                      <a:r>
+                        <a:rPr lang="pt-BR" sz="1400" dirty="0"/>
+                        <a:t> que </a:t>
+                      </a:r>
+                      <a:r>
+                        <a:rPr lang="pt-BR" sz="1400" dirty="0" err="1"/>
+                        <a:t>té</a:t>
+                      </a:r>
+                      <a:r>
+                        <a:rPr lang="pt-BR" sz="1400" dirty="0"/>
+                        <a:t> </a:t>
+                      </a:r>
+                      <a:r>
+                        <a:rPr lang="pt-BR" sz="1400" dirty="0" err="1"/>
+                        <a:t>l’heurística</a:t>
+                      </a:r>
+                      <a:r>
+                        <a:rPr lang="pt-BR" sz="1400" dirty="0"/>
+                        <a:t>? (1-10)</a:t>
+                      </a:r>
+                      <a:endParaRPr lang="es-ES" sz="1400" dirty="0"/>
+                    </a:p>
+                  </a:txBody>
+                  <a:tcPr/>
+                </a:tc>
+                <a:extLst>
+                  <a:ext uri="{0D108BD9-81ED-4DB2-BD59-A6C34878D82A}">
+                    <a16:rowId xmlns:a16="http://schemas.microsoft.com/office/drawing/2014/main" val="2552100720"/>
+                  </a:ext>
+                </a:extLst>
+              </a:tr>
+              <a:tr h="370840">
+                <a:tc>
+                  <a:txBody>
+                    <a:bodyPr/>
+                    <a:lstStyle/>
+                    <a:p>
+                      <a:r>
+                        <a:rPr lang="es-ES" sz="900" dirty="0"/>
+                        <a:t>En el jugador se </a:t>
+                      </a:r>
+                      <a:r>
+                        <a:rPr lang="es-ES" sz="900" dirty="0" err="1"/>
+                        <a:t>li</a:t>
+                      </a:r>
+                      <a:r>
+                        <a:rPr lang="es-ES" sz="900" dirty="0"/>
+                        <a:t> presenten </a:t>
+                      </a:r>
+                      <a:r>
+                        <a:rPr lang="es-ES" sz="900" dirty="0" err="1"/>
+                        <a:t>objectius</a:t>
+                      </a:r>
+                      <a:r>
+                        <a:rPr lang="es-ES" sz="900" dirty="0"/>
+                        <a:t> </a:t>
+                      </a:r>
+                      <a:r>
+                        <a:rPr lang="es-ES" sz="900" dirty="0" err="1"/>
+                        <a:t>clars</a:t>
+                      </a:r>
+                      <a:r>
+                        <a:rPr lang="es-ES" sz="900" dirty="0"/>
+                        <a:t>, </a:t>
+                      </a:r>
+                      <a:r>
+                        <a:rPr lang="es-ES" sz="900" dirty="0" err="1"/>
+                        <a:t>compta</a:t>
+                      </a:r>
+                      <a:r>
+                        <a:rPr lang="es-ES" sz="900" dirty="0"/>
+                        <a:t> </a:t>
+                      </a:r>
+                      <a:r>
+                        <a:rPr lang="es-ES" sz="900" dirty="0" err="1"/>
+                        <a:t>amb</a:t>
+                      </a:r>
+                      <a:r>
+                        <a:rPr lang="es-ES" sz="900" dirty="0"/>
+                        <a:t> el </a:t>
+                      </a:r>
+                      <a:r>
+                        <a:rPr lang="es-ES" sz="900" dirty="0" err="1"/>
+                        <a:t>temps</a:t>
+                      </a:r>
+                      <a:r>
+                        <a:rPr lang="es-ES" sz="900" dirty="0"/>
+                        <a:t> </a:t>
+                      </a:r>
+                      <a:r>
+                        <a:rPr lang="es-ES" sz="900" dirty="0" err="1"/>
+                        <a:t>suficient</a:t>
+                      </a:r>
+                      <a:r>
+                        <a:rPr lang="es-ES" sz="900" dirty="0"/>
+                        <a:t> per </a:t>
+                      </a:r>
+                      <a:r>
+                        <a:rPr lang="es-ES" sz="900" dirty="0" err="1"/>
+                        <a:t>comprendre’ls</a:t>
+                      </a:r>
+                      <a:r>
+                        <a:rPr lang="es-ES" sz="900" dirty="0"/>
+                        <a:t> i identificar-los. </a:t>
+                      </a:r>
+                    </a:p>
+                  </a:txBody>
+                  <a:tcPr/>
+                </a:tc>
+                <a:tc>
+                  <a:txBody>
+                    <a:bodyPr/>
+                    <a:lstStyle/>
+                    <a:p>
+                      <a:endParaRPr lang="es-ES" dirty="0"/>
+                    </a:p>
+                  </a:txBody>
+                  <a:tcPr>
+                    <a:solidFill>
+                      <a:srgbClr val="92D050"/>
+                    </a:solidFill>
+                  </a:tcPr>
+                </a:tc>
+                <a:tc>
+                  <a:txBody>
+                    <a:bodyPr/>
+                    <a:lstStyle/>
+                    <a:p>
+                      <a:endParaRPr lang="es-ES" dirty="0"/>
+                    </a:p>
+                  </a:txBody>
+                  <a:tcPr>
+                    <a:solidFill>
+                      <a:srgbClr val="92D050"/>
+                    </a:solidFill>
+                  </a:tcPr>
+                </a:tc>
+                <a:tc>
+                  <a:txBody>
+                    <a:bodyPr/>
+                    <a:lstStyle/>
+                    <a:p>
+                      <a:endParaRPr lang="es-ES" dirty="0"/>
+                    </a:p>
+                  </a:txBody>
+                  <a:tcPr>
+                    <a:solidFill>
+                      <a:srgbClr val="92D050"/>
+                    </a:solidFill>
+                  </a:tcPr>
+                </a:tc>
+                <a:tc>
+                  <a:txBody>
+                    <a:bodyPr/>
+                    <a:lstStyle/>
+                    <a:p>
+                      <a:endParaRPr lang="es-ES" dirty="0"/>
+                    </a:p>
+                  </a:txBody>
+                  <a:tcPr>
+                    <a:solidFill>
+                      <a:srgbClr val="92D050"/>
+                    </a:solidFill>
+                  </a:tcPr>
+                </a:tc>
+                <a:tc>
+                  <a:txBody>
+                    <a:bodyPr/>
+                    <a:lstStyle/>
+                    <a:p>
+                      <a:r>
+                        <a:rPr lang="es-ES" dirty="0"/>
+                        <a:t>10</a:t>
+                      </a:r>
+                    </a:p>
+                  </a:txBody>
+                  <a:tcPr/>
+                </a:tc>
+                <a:tc>
+                  <a:txBody>
+                    <a:bodyPr/>
+                    <a:lstStyle/>
+                    <a:p>
+                      <a:r>
+                        <a:rPr lang="es-ES" dirty="0"/>
+                        <a:t>10</a:t>
+                      </a:r>
+                    </a:p>
+                  </a:txBody>
+                  <a:tcPr/>
+                </a:tc>
+                <a:tc>
+                  <a:txBody>
+                    <a:bodyPr/>
+                    <a:lstStyle/>
+                    <a:p>
+                      <a:r>
+                        <a:rPr lang="es-ES" dirty="0"/>
+                        <a:t>9</a:t>
+                      </a:r>
+                    </a:p>
+                  </a:txBody>
+                  <a:tcPr/>
+                </a:tc>
+                <a:extLst>
+                  <a:ext uri="{0D108BD9-81ED-4DB2-BD59-A6C34878D82A}">
+                    <a16:rowId xmlns:a16="http://schemas.microsoft.com/office/drawing/2014/main" val="2950773502"/>
+                  </a:ext>
+                </a:extLst>
+              </a:tr>
+              <a:tr h="370840">
+                <a:tc>
+                  <a:txBody>
+                    <a:bodyPr/>
+                    <a:lstStyle/>
+                    <a:p>
+                      <a:r>
+                        <a:rPr lang="es-ES" sz="900" dirty="0"/>
+                        <a:t>El jugador </a:t>
+                      </a:r>
+                      <a:r>
+                        <a:rPr lang="es-ES" sz="900" dirty="0" err="1"/>
+                        <a:t>rep</a:t>
+                      </a:r>
+                      <a:r>
+                        <a:rPr lang="es-ES" sz="900" dirty="0"/>
+                        <a:t> recompenses </a:t>
+                      </a:r>
+                      <a:r>
+                        <a:rPr lang="es-ES" sz="900" dirty="0" err="1"/>
+                        <a:t>significatives</a:t>
+                      </a:r>
+                      <a:r>
+                        <a:rPr lang="es-ES" sz="900" dirty="0"/>
+                        <a:t>.</a:t>
+                      </a:r>
+                    </a:p>
+                  </a:txBody>
+                  <a:tcPr/>
+                </a:tc>
+                <a:tc>
+                  <a:txBody>
+                    <a:bodyPr/>
+                    <a:lstStyle/>
+                    <a:p>
+                      <a:endParaRPr lang="es-ES" dirty="0"/>
+                    </a:p>
+                  </a:txBody>
+                  <a:tcPr>
+                    <a:solidFill>
+                      <a:srgbClr val="FF0000"/>
+                    </a:solidFill>
+                  </a:tcPr>
+                </a:tc>
+                <a:tc>
+                  <a:txBody>
+                    <a:bodyPr/>
+                    <a:lstStyle/>
+                    <a:p>
+                      <a:endParaRPr lang="es-ES" dirty="0"/>
+                    </a:p>
+                  </a:txBody>
+                  <a:tcPr>
+                    <a:solidFill>
+                      <a:srgbClr val="FF0000"/>
+                    </a:solidFill>
+                  </a:tcPr>
+                </a:tc>
+                <a:tc>
+                  <a:txBody>
+                    <a:bodyPr/>
+                    <a:lstStyle/>
+                    <a:p>
+                      <a:endParaRPr lang="es-ES" dirty="0"/>
+                    </a:p>
+                  </a:txBody>
+                  <a:tcPr>
+                    <a:solidFill>
+                      <a:srgbClr val="FF0000"/>
+                    </a:solidFill>
+                  </a:tcPr>
+                </a:tc>
+                <a:tc>
+                  <a:txBody>
+                    <a:bodyPr/>
+                    <a:lstStyle/>
+                    <a:p>
+                      <a:endParaRPr lang="es-ES" dirty="0"/>
+                    </a:p>
+                  </a:txBody>
+                  <a:tcPr>
+                    <a:solidFill>
+                      <a:srgbClr val="FF0000"/>
+                    </a:solidFill>
+                  </a:tcPr>
+                </a:tc>
+                <a:tc>
+                  <a:txBody>
+                    <a:bodyPr/>
+                    <a:lstStyle/>
+                    <a:p>
+                      <a:r>
+                        <a:rPr lang="es-ES" dirty="0"/>
+                        <a:t>1</a:t>
+                      </a:r>
+                    </a:p>
+                  </a:txBody>
+                  <a:tcPr/>
+                </a:tc>
+                <a:tc>
+                  <a:txBody>
+                    <a:bodyPr/>
+                    <a:lstStyle/>
+                    <a:p>
+                      <a:r>
+                        <a:rPr lang="es-ES" dirty="0"/>
+                        <a:t>7</a:t>
+                      </a:r>
+                    </a:p>
+                  </a:txBody>
+                  <a:tcPr/>
+                </a:tc>
+                <a:tc>
+                  <a:txBody>
+                    <a:bodyPr/>
+                    <a:lstStyle/>
+                    <a:p>
+                      <a:r>
+                        <a:rPr lang="es-ES" dirty="0"/>
+                        <a:t>8</a:t>
+                      </a:r>
+                    </a:p>
+                  </a:txBody>
+                  <a:tcPr/>
+                </a:tc>
+                <a:extLst>
+                  <a:ext uri="{0D108BD9-81ED-4DB2-BD59-A6C34878D82A}">
+                    <a16:rowId xmlns:a16="http://schemas.microsoft.com/office/drawing/2014/main" val="2595573465"/>
+                  </a:ext>
+                </a:extLst>
+              </a:tr>
+              <a:tr h="370840">
+                <a:tc>
+                  <a:txBody>
+                    <a:bodyPr/>
+                    <a:lstStyle/>
+                    <a:p>
+                      <a:r>
+                        <a:rPr lang="es-ES" sz="900" dirty="0"/>
+                        <a:t>El </a:t>
+                      </a:r>
+                      <a:r>
+                        <a:rPr lang="es-ES" sz="900" dirty="0" err="1"/>
+                        <a:t>joc</a:t>
+                      </a:r>
+                      <a:r>
+                        <a:rPr lang="es-ES" sz="900" dirty="0"/>
+                        <a:t> no </a:t>
+                      </a:r>
+                      <a:r>
+                        <a:rPr lang="es-ES" sz="900" dirty="0" err="1"/>
+                        <a:t>s’estanca</a:t>
+                      </a:r>
+                      <a:r>
+                        <a:rPr lang="es-ES" sz="900" dirty="0"/>
+                        <a:t> i el jugador </a:t>
+                      </a:r>
+                      <a:r>
+                        <a:rPr lang="es-ES" sz="900" dirty="0" err="1"/>
+                        <a:t>sent</a:t>
+                      </a:r>
+                      <a:r>
+                        <a:rPr lang="es-ES" sz="900" dirty="0"/>
+                        <a:t> el </a:t>
+                      </a:r>
+                      <a:r>
+                        <a:rPr lang="es-ES" sz="900" dirty="0" err="1"/>
+                        <a:t>progrés</a:t>
+                      </a:r>
+                      <a:r>
+                        <a:rPr lang="es-ES" sz="900" dirty="0"/>
+                        <a:t> </a:t>
+                      </a:r>
+                    </a:p>
+                  </a:txBody>
+                  <a:tcPr/>
+                </a:tc>
+                <a:tc>
+                  <a:txBody>
+                    <a:bodyPr/>
+                    <a:lstStyle/>
+                    <a:p>
+                      <a:endParaRPr lang="es-ES" dirty="0"/>
+                    </a:p>
+                  </a:txBody>
+                  <a:tcPr>
+                    <a:solidFill>
+                      <a:srgbClr val="FF0000"/>
+                    </a:solidFill>
+                  </a:tcPr>
+                </a:tc>
+                <a:tc>
+                  <a:txBody>
+                    <a:bodyPr/>
+                    <a:lstStyle/>
+                    <a:p>
+                      <a:endParaRPr lang="es-ES" dirty="0"/>
+                    </a:p>
+                  </a:txBody>
+                  <a:tcPr>
+                    <a:solidFill>
+                      <a:srgbClr val="FF0000"/>
+                    </a:solidFill>
+                  </a:tcPr>
+                </a:tc>
+                <a:tc>
+                  <a:txBody>
+                    <a:bodyPr/>
+                    <a:lstStyle/>
+                    <a:p>
+                      <a:endParaRPr lang="es-ES" dirty="0"/>
+                    </a:p>
+                  </a:txBody>
+                  <a:tcPr>
+                    <a:solidFill>
+                      <a:srgbClr val="92D050"/>
+                    </a:solidFill>
+                  </a:tcPr>
+                </a:tc>
+                <a:tc>
+                  <a:txBody>
+                    <a:bodyPr/>
+                    <a:lstStyle/>
+                    <a:p>
+                      <a:endParaRPr lang="es-ES" dirty="0"/>
+                    </a:p>
+                  </a:txBody>
+                  <a:tcPr>
+                    <a:solidFill>
+                      <a:srgbClr val="FF0000"/>
+                    </a:solidFill>
+                  </a:tcPr>
+                </a:tc>
+                <a:tc>
+                  <a:txBody>
+                    <a:bodyPr/>
+                    <a:lstStyle/>
+                    <a:p>
+                      <a:r>
+                        <a:rPr lang="es-ES" dirty="0"/>
+                        <a:t>4</a:t>
+                      </a:r>
+                    </a:p>
+                  </a:txBody>
+                  <a:tcPr/>
+                </a:tc>
+                <a:tc>
+                  <a:txBody>
+                    <a:bodyPr/>
+                    <a:lstStyle/>
+                    <a:p>
+                      <a:r>
+                        <a:rPr lang="es-ES" dirty="0"/>
+                        <a:t>9</a:t>
+                      </a:r>
+                    </a:p>
+                  </a:txBody>
+                  <a:tcPr/>
+                </a:tc>
+                <a:tc>
+                  <a:txBody>
+                    <a:bodyPr/>
+                    <a:lstStyle/>
+                    <a:p>
+                      <a:r>
+                        <a:rPr lang="es-ES" dirty="0"/>
+                        <a:t>10</a:t>
+                      </a:r>
+                    </a:p>
+                  </a:txBody>
+                  <a:tcPr/>
+                </a:tc>
+                <a:extLst>
+                  <a:ext uri="{0D108BD9-81ED-4DB2-BD59-A6C34878D82A}">
+                    <a16:rowId xmlns:a16="http://schemas.microsoft.com/office/drawing/2014/main" val="2375759165"/>
+                  </a:ext>
+                </a:extLst>
+              </a:tr>
+              <a:tr h="370840">
+                <a:tc>
+                  <a:txBody>
+                    <a:bodyPr/>
+                    <a:lstStyle/>
+                    <a:p>
+                      <a:r>
+                        <a:rPr lang="es-ES" sz="900" dirty="0"/>
+                        <a:t>La </a:t>
+                      </a:r>
+                      <a:r>
+                        <a:rPr lang="es-ES" sz="900" dirty="0" err="1"/>
+                        <a:t>intel·ligència</a:t>
+                      </a:r>
+                      <a:r>
+                        <a:rPr lang="es-ES" sz="900" dirty="0"/>
+                        <a:t> artificial </a:t>
+                      </a:r>
+                      <a:r>
+                        <a:rPr lang="es-ES" sz="900" dirty="0" err="1"/>
+                        <a:t>és</a:t>
+                      </a:r>
+                      <a:r>
+                        <a:rPr lang="es-ES" sz="900" dirty="0"/>
+                        <a:t> </a:t>
+                      </a:r>
+                      <a:r>
+                        <a:rPr lang="es-ES" sz="900" dirty="0" err="1"/>
+                        <a:t>raonable</a:t>
+                      </a:r>
+                      <a:r>
+                        <a:rPr lang="es-ES" sz="900" dirty="0"/>
+                        <a:t> i visible per el jugador, </a:t>
+                      </a:r>
+                      <a:r>
+                        <a:rPr lang="es-ES" sz="900" dirty="0" err="1"/>
+                        <a:t>compleix</a:t>
+                      </a:r>
+                      <a:r>
+                        <a:rPr lang="es-ES" sz="900" dirty="0"/>
+                        <a:t> les </a:t>
+                      </a:r>
+                      <a:r>
+                        <a:rPr lang="es-ES" sz="900" dirty="0" err="1"/>
+                        <a:t>expectatives</a:t>
+                      </a:r>
+                      <a:r>
+                        <a:rPr lang="es-ES" sz="900" dirty="0"/>
+                        <a:t> del jugador </a:t>
+                      </a:r>
+                      <a:r>
+                        <a:rPr lang="es-ES" sz="900" dirty="0" err="1"/>
+                        <a:t>però</a:t>
+                      </a:r>
+                      <a:r>
+                        <a:rPr lang="es-ES" sz="900" dirty="0"/>
+                        <a:t> </a:t>
+                      </a:r>
+                      <a:r>
+                        <a:rPr lang="es-ES" sz="900" dirty="0" err="1"/>
+                        <a:t>tot</a:t>
+                      </a:r>
+                      <a:r>
+                        <a:rPr lang="es-ES" sz="900" dirty="0"/>
+                        <a:t> i </a:t>
+                      </a:r>
+                      <a:r>
+                        <a:rPr lang="es-ES" sz="900" dirty="0" err="1"/>
+                        <a:t>així</a:t>
+                      </a:r>
+                      <a:r>
+                        <a:rPr lang="es-ES" sz="900" dirty="0"/>
+                        <a:t> </a:t>
+                      </a:r>
+                      <a:r>
+                        <a:rPr lang="es-ES" sz="900" dirty="0" err="1"/>
+                        <a:t>és</a:t>
+                      </a:r>
+                      <a:r>
+                        <a:rPr lang="es-ES" sz="900" dirty="0"/>
+                        <a:t> imprevisible</a:t>
+                      </a:r>
+                    </a:p>
+                  </a:txBody>
+                  <a:tcPr/>
+                </a:tc>
+                <a:tc>
+                  <a:txBody>
+                    <a:bodyPr/>
+                    <a:lstStyle/>
+                    <a:p>
+                      <a:endParaRPr lang="es-ES" dirty="0"/>
+                    </a:p>
+                  </a:txBody>
+                  <a:tcPr>
+                    <a:solidFill>
+                      <a:srgbClr val="FF0000"/>
+                    </a:solidFill>
+                  </a:tcPr>
+                </a:tc>
+                <a:tc>
+                  <a:txBody>
+                    <a:bodyPr/>
+                    <a:lstStyle/>
+                    <a:p>
+                      <a:endParaRPr lang="es-ES" dirty="0"/>
+                    </a:p>
+                  </a:txBody>
+                  <a:tcPr>
+                    <a:solidFill>
+                      <a:srgbClr val="FF0000"/>
+                    </a:solidFill>
+                  </a:tcPr>
+                </a:tc>
+                <a:tc>
+                  <a:txBody>
+                    <a:bodyPr/>
+                    <a:lstStyle/>
+                    <a:p>
+                      <a:endParaRPr lang="es-ES" dirty="0"/>
+                    </a:p>
+                  </a:txBody>
+                  <a:tcPr>
+                    <a:solidFill>
+                      <a:srgbClr val="FF0000"/>
+                    </a:solidFill>
+                  </a:tcPr>
+                </a:tc>
+                <a:tc>
+                  <a:txBody>
+                    <a:bodyPr/>
+                    <a:lstStyle/>
+                    <a:p>
+                      <a:endParaRPr lang="es-ES" dirty="0"/>
+                    </a:p>
+                  </a:txBody>
+                  <a:tcPr>
+                    <a:solidFill>
+                      <a:srgbClr val="FF0000"/>
+                    </a:solidFill>
+                  </a:tcPr>
+                </a:tc>
+                <a:tc>
+                  <a:txBody>
+                    <a:bodyPr/>
+                    <a:lstStyle/>
+                    <a:p>
+                      <a:r>
+                        <a:rPr lang="es-ES" dirty="0"/>
+                        <a:t>3</a:t>
+                      </a:r>
+                    </a:p>
+                  </a:txBody>
+                  <a:tcPr/>
+                </a:tc>
+                <a:tc>
+                  <a:txBody>
+                    <a:bodyPr/>
+                    <a:lstStyle/>
+                    <a:p>
+                      <a:r>
+                        <a:rPr lang="es-ES" dirty="0"/>
+                        <a:t>5</a:t>
+                      </a:r>
+                    </a:p>
+                  </a:txBody>
+                  <a:tcPr/>
+                </a:tc>
+                <a:tc>
+                  <a:txBody>
+                    <a:bodyPr/>
+                    <a:lstStyle/>
+                    <a:p>
+                      <a:r>
+                        <a:rPr lang="es-ES" dirty="0"/>
+                        <a:t>7</a:t>
+                      </a:r>
+                    </a:p>
+                  </a:txBody>
+                  <a:tcPr/>
+                </a:tc>
+                <a:extLst>
+                  <a:ext uri="{0D108BD9-81ED-4DB2-BD59-A6C34878D82A}">
+                    <a16:rowId xmlns:a16="http://schemas.microsoft.com/office/drawing/2014/main" val="1076859590"/>
+                  </a:ext>
+                </a:extLst>
+              </a:tr>
+              <a:tr h="370840">
+                <a:tc>
+                  <a:txBody>
+                    <a:bodyPr/>
+                    <a:lstStyle/>
+                    <a:p>
+                      <a:r>
+                        <a:rPr lang="es-ES" sz="900" dirty="0"/>
+                        <a:t>Se </a:t>
+                      </a:r>
+                      <a:r>
+                        <a:rPr lang="es-ES" sz="900" dirty="0" err="1"/>
+                        <a:t>li</a:t>
+                      </a:r>
+                      <a:r>
+                        <a:rPr lang="es-ES" sz="900" dirty="0"/>
+                        <a:t> proporciona al jugador la </a:t>
+                      </a:r>
+                      <a:r>
+                        <a:rPr lang="es-ES" sz="900" dirty="0" err="1"/>
+                        <a:t>capacitat</a:t>
+                      </a:r>
+                      <a:r>
+                        <a:rPr lang="es-ES" sz="900" dirty="0"/>
+                        <a:t> de </a:t>
+                      </a:r>
+                      <a:r>
+                        <a:rPr lang="es-ES" sz="900" dirty="0" err="1"/>
+                        <a:t>cometre</a:t>
+                      </a:r>
+                      <a:r>
+                        <a:rPr lang="es-ES" sz="900" dirty="0"/>
+                        <a:t> </a:t>
+                      </a:r>
+                      <a:r>
+                        <a:rPr lang="es-ES" sz="900" dirty="0" err="1"/>
+                        <a:t>errors</a:t>
+                      </a:r>
+                      <a:r>
+                        <a:rPr lang="es-ES" sz="900" dirty="0"/>
+                        <a:t> i </a:t>
+                      </a:r>
+                      <a:r>
+                        <a:rPr lang="es-ES" sz="900" dirty="0" err="1"/>
+                        <a:t>són</a:t>
+                      </a:r>
+                      <a:r>
+                        <a:rPr lang="es-ES" sz="900" dirty="0"/>
+                        <a:t> </a:t>
+                      </a:r>
+                      <a:r>
+                        <a:rPr lang="es-ES" sz="900" dirty="0" err="1"/>
+                        <a:t>càstigs</a:t>
+                      </a:r>
+                      <a:r>
+                        <a:rPr lang="es-ES" sz="900" dirty="0"/>
+                        <a:t> comprensibles </a:t>
+                      </a:r>
+                    </a:p>
+                  </a:txBody>
+                  <a:tcPr/>
+                </a:tc>
+                <a:tc>
+                  <a:txBody>
+                    <a:bodyPr/>
+                    <a:lstStyle/>
+                    <a:p>
+                      <a:endParaRPr lang="es-ES" dirty="0"/>
+                    </a:p>
+                  </a:txBody>
+                  <a:tcPr>
+                    <a:solidFill>
+                      <a:srgbClr val="FF0000"/>
+                    </a:solidFill>
+                  </a:tcPr>
+                </a:tc>
+                <a:tc>
+                  <a:txBody>
+                    <a:bodyPr/>
+                    <a:lstStyle/>
+                    <a:p>
+                      <a:endParaRPr lang="es-ES" dirty="0"/>
+                    </a:p>
+                  </a:txBody>
+                  <a:tcPr>
+                    <a:solidFill>
+                      <a:srgbClr val="92D050"/>
+                    </a:solidFill>
+                  </a:tcPr>
+                </a:tc>
+                <a:tc>
+                  <a:txBody>
+                    <a:bodyPr/>
+                    <a:lstStyle/>
+                    <a:p>
+                      <a:endParaRPr lang="es-ES" dirty="0"/>
+                    </a:p>
+                  </a:txBody>
+                  <a:tcPr>
+                    <a:solidFill>
+                      <a:srgbClr val="92D050"/>
+                    </a:solidFill>
+                  </a:tcPr>
+                </a:tc>
+                <a:tc>
+                  <a:txBody>
+                    <a:bodyPr/>
+                    <a:lstStyle/>
+                    <a:p>
+                      <a:endParaRPr lang="es-ES" dirty="0"/>
+                    </a:p>
+                  </a:txBody>
+                  <a:tcPr>
+                    <a:solidFill>
+                      <a:srgbClr val="FF0000"/>
+                    </a:solidFill>
+                  </a:tcPr>
+                </a:tc>
+                <a:tc>
+                  <a:txBody>
+                    <a:bodyPr/>
+                    <a:lstStyle/>
+                    <a:p>
+                      <a:r>
+                        <a:rPr lang="es-ES" dirty="0"/>
+                        <a:t>6</a:t>
+                      </a:r>
+                    </a:p>
+                  </a:txBody>
+                  <a:tcPr/>
+                </a:tc>
+                <a:tc>
+                  <a:txBody>
+                    <a:bodyPr/>
+                    <a:lstStyle/>
+                    <a:p>
+                      <a:r>
+                        <a:rPr lang="es-ES" dirty="0"/>
+                        <a:t>7</a:t>
+                      </a:r>
+                    </a:p>
+                  </a:txBody>
+                  <a:tcPr/>
+                </a:tc>
+                <a:tc>
+                  <a:txBody>
+                    <a:bodyPr/>
+                    <a:lstStyle/>
+                    <a:p>
+                      <a:r>
+                        <a:rPr lang="es-ES" dirty="0"/>
+                        <a:t>6</a:t>
+                      </a:r>
+                    </a:p>
+                  </a:txBody>
+                  <a:tcPr/>
+                </a:tc>
+                <a:extLst>
+                  <a:ext uri="{0D108BD9-81ED-4DB2-BD59-A6C34878D82A}">
+                    <a16:rowId xmlns:a16="http://schemas.microsoft.com/office/drawing/2014/main" val="2386511138"/>
+                  </a:ext>
+                </a:extLst>
+              </a:tr>
+              <a:tr h="370840">
+                <a:tc>
+                  <a:txBody>
+                    <a:bodyPr/>
+                    <a:lstStyle/>
+                    <a:p>
+                      <a:r>
+                        <a:rPr lang="es-ES" sz="900" dirty="0"/>
+                        <a:t>Les </a:t>
+                      </a:r>
+                      <a:r>
+                        <a:rPr lang="es-ES" sz="900" dirty="0" err="1"/>
+                        <a:t>mecàniques</a:t>
+                      </a:r>
+                      <a:r>
+                        <a:rPr lang="es-ES" sz="900" dirty="0"/>
+                        <a:t> del </a:t>
+                      </a:r>
+                      <a:r>
+                        <a:rPr lang="es-ES" sz="900" dirty="0" err="1"/>
+                        <a:t>joc</a:t>
+                      </a:r>
+                      <a:r>
+                        <a:rPr lang="es-ES" sz="900" dirty="0"/>
+                        <a:t> </a:t>
+                      </a:r>
+                      <a:r>
+                        <a:rPr lang="es-ES" sz="900" dirty="0" err="1"/>
+                        <a:t>són</a:t>
+                      </a:r>
+                      <a:r>
+                        <a:rPr lang="es-ES" sz="900" dirty="0"/>
+                        <a:t> </a:t>
+                      </a:r>
+                      <a:r>
+                        <a:rPr lang="es-ES" sz="900" dirty="0" err="1"/>
+                        <a:t>naturals</a:t>
+                      </a:r>
+                      <a:r>
+                        <a:rPr lang="es-ES" sz="900" dirty="0"/>
+                        <a:t> i </a:t>
+                      </a:r>
+                      <a:r>
+                        <a:rPr lang="es-ES" sz="900" dirty="0" err="1"/>
+                        <a:t>tenen</a:t>
+                      </a:r>
+                      <a:r>
+                        <a:rPr lang="es-ES" sz="900" dirty="0"/>
+                        <a:t> un pes i </a:t>
+                      </a:r>
+                      <a:r>
+                        <a:rPr lang="es-ES" sz="900" dirty="0" err="1"/>
+                        <a:t>moment</a:t>
+                      </a:r>
+                      <a:r>
+                        <a:rPr lang="es-ES" sz="900" dirty="0"/>
+                        <a:t> </a:t>
+                      </a:r>
+                      <a:r>
+                        <a:rPr lang="es-ES" sz="900" dirty="0" err="1"/>
+                        <a:t>correcte</a:t>
+                      </a:r>
+                      <a:r>
+                        <a:rPr lang="es-ES" sz="900" dirty="0"/>
+                        <a:t>. A </a:t>
+                      </a:r>
+                      <a:r>
+                        <a:rPr lang="es-ES" sz="900" dirty="0" err="1"/>
+                        <a:t>més</a:t>
+                      </a:r>
+                      <a:r>
+                        <a:rPr lang="es-ES" sz="900" dirty="0"/>
+                        <a:t>, </a:t>
+                      </a:r>
+                      <a:r>
+                        <a:rPr lang="es-ES" sz="900" dirty="0" err="1"/>
+                        <a:t>són</a:t>
+                      </a:r>
+                      <a:r>
+                        <a:rPr lang="es-ES" sz="900" dirty="0"/>
+                        <a:t> </a:t>
+                      </a:r>
+                      <a:r>
+                        <a:rPr lang="es-ES" sz="900" dirty="0" err="1"/>
+                        <a:t>apropiades</a:t>
+                      </a:r>
+                      <a:r>
+                        <a:rPr lang="es-ES" sz="900" dirty="0"/>
+                        <a:t> per la </a:t>
+                      </a:r>
+                      <a:r>
+                        <a:rPr lang="es-ES" sz="900" dirty="0" err="1"/>
+                        <a:t>situació</a:t>
+                      </a:r>
+                      <a:r>
+                        <a:rPr lang="es-ES" sz="900" dirty="0"/>
+                        <a:t> que el jugador té </a:t>
+                      </a:r>
+                      <a:r>
+                        <a:rPr lang="es-ES" sz="900" dirty="0" err="1"/>
+                        <a:t>davant</a:t>
+                      </a:r>
+                      <a:endParaRPr lang="es-ES" sz="900" dirty="0"/>
+                    </a:p>
+                  </a:txBody>
+                  <a:tcPr/>
+                </a:tc>
+                <a:tc>
+                  <a:txBody>
+                    <a:bodyPr/>
+                    <a:lstStyle/>
+                    <a:p>
+                      <a:endParaRPr lang="es-ES" dirty="0"/>
+                    </a:p>
+                  </a:txBody>
+                  <a:tcPr>
+                    <a:solidFill>
+                      <a:srgbClr val="FF0000"/>
+                    </a:solidFill>
+                  </a:tcPr>
+                </a:tc>
+                <a:tc>
+                  <a:txBody>
+                    <a:bodyPr/>
+                    <a:lstStyle/>
+                    <a:p>
+                      <a:endParaRPr lang="es-ES" dirty="0"/>
+                    </a:p>
+                  </a:txBody>
+                  <a:tcPr>
+                    <a:solidFill>
+                      <a:srgbClr val="92D050"/>
+                    </a:solidFill>
+                  </a:tcPr>
+                </a:tc>
+                <a:tc>
+                  <a:txBody>
+                    <a:bodyPr/>
+                    <a:lstStyle/>
+                    <a:p>
+                      <a:endParaRPr lang="es-ES" dirty="0"/>
+                    </a:p>
+                  </a:txBody>
+                  <a:tcPr>
+                    <a:solidFill>
+                      <a:srgbClr val="92D050"/>
+                    </a:solidFill>
+                  </a:tcPr>
+                </a:tc>
+                <a:tc>
+                  <a:txBody>
+                    <a:bodyPr/>
+                    <a:lstStyle/>
+                    <a:p>
+                      <a:endParaRPr lang="es-ES" dirty="0"/>
+                    </a:p>
+                  </a:txBody>
+                  <a:tcPr>
+                    <a:solidFill>
+                      <a:srgbClr val="FF0000"/>
+                    </a:solidFill>
+                  </a:tcPr>
+                </a:tc>
+                <a:tc>
+                  <a:txBody>
+                    <a:bodyPr/>
+                    <a:lstStyle/>
+                    <a:p>
+                      <a:r>
+                        <a:rPr lang="es-ES" dirty="0"/>
+                        <a:t>6</a:t>
+                      </a:r>
+                    </a:p>
+                  </a:txBody>
+                  <a:tcPr/>
+                </a:tc>
+                <a:tc>
+                  <a:txBody>
+                    <a:bodyPr/>
+                    <a:lstStyle/>
+                    <a:p>
+                      <a:r>
+                        <a:rPr lang="es-ES" dirty="0"/>
+                        <a:t>9</a:t>
+                      </a:r>
+                    </a:p>
+                  </a:txBody>
+                  <a:tcPr/>
+                </a:tc>
+                <a:tc>
+                  <a:txBody>
+                    <a:bodyPr/>
+                    <a:lstStyle/>
+                    <a:p>
+                      <a:r>
+                        <a:rPr lang="es-ES" dirty="0"/>
+                        <a:t>9</a:t>
+                      </a:r>
+                    </a:p>
+                  </a:txBody>
+                  <a:tcPr/>
+                </a:tc>
+                <a:extLst>
+                  <a:ext uri="{0D108BD9-81ED-4DB2-BD59-A6C34878D82A}">
+                    <a16:rowId xmlns:a16="http://schemas.microsoft.com/office/drawing/2014/main" val="123987371"/>
+                  </a:ext>
+                </a:extLst>
+              </a:tr>
+              <a:tr h="370840">
+                <a:tc>
+                  <a:txBody>
+                    <a:bodyPr/>
+                    <a:lstStyle/>
+                    <a:p>
+                      <a:r>
+                        <a:rPr lang="es-ES" sz="900" dirty="0" err="1"/>
+                        <a:t>Els</a:t>
+                      </a:r>
+                      <a:r>
+                        <a:rPr lang="es-ES" sz="900" dirty="0"/>
+                        <a:t> </a:t>
+                      </a:r>
+                      <a:r>
+                        <a:rPr lang="es-ES" sz="900" dirty="0" err="1"/>
+                        <a:t>efectes</a:t>
+                      </a:r>
+                      <a:r>
+                        <a:rPr lang="es-ES" sz="900" dirty="0"/>
+                        <a:t> </a:t>
+                      </a:r>
+                      <a:r>
+                        <a:rPr lang="es-ES" sz="900" dirty="0" err="1"/>
+                        <a:t>acústics</a:t>
+                      </a:r>
+                      <a:r>
+                        <a:rPr lang="es-ES" sz="900" dirty="0"/>
+                        <a:t> i </a:t>
+                      </a:r>
+                      <a:r>
+                        <a:rPr lang="es-ES" sz="900" dirty="0" err="1"/>
+                        <a:t>visuals</a:t>
+                      </a:r>
+                      <a:r>
+                        <a:rPr lang="es-ES" sz="900" dirty="0"/>
+                        <a:t> </a:t>
+                      </a:r>
+                      <a:r>
+                        <a:rPr lang="es-ES" sz="900" dirty="0" err="1"/>
+                        <a:t>desperten</a:t>
+                      </a:r>
+                      <a:r>
+                        <a:rPr lang="es-ES" sz="900" dirty="0"/>
+                        <a:t> </a:t>
+                      </a:r>
+                      <a:r>
+                        <a:rPr lang="es-ES" sz="900" dirty="0" err="1"/>
+                        <a:t>l’interès</a:t>
+                      </a:r>
+                      <a:r>
+                        <a:rPr lang="es-ES" sz="900" dirty="0"/>
+                        <a:t> i proporcionen </a:t>
+                      </a:r>
+                      <a:r>
+                        <a:rPr lang="es-ES" sz="900" dirty="0" err="1"/>
+                        <a:t>retroalimentació</a:t>
+                      </a:r>
+                      <a:r>
+                        <a:rPr lang="es-ES" sz="900" dirty="0"/>
+                        <a:t> significativa en el </a:t>
+                      </a:r>
+                      <a:r>
+                        <a:rPr lang="es-ES" sz="900" dirty="0" err="1"/>
+                        <a:t>moment</a:t>
+                      </a:r>
+                      <a:r>
+                        <a:rPr lang="es-ES" sz="900" dirty="0"/>
+                        <a:t> </a:t>
+                      </a:r>
+                      <a:r>
+                        <a:rPr lang="es-ES" sz="900" dirty="0" err="1"/>
+                        <a:t>adequat</a:t>
+                      </a:r>
+                      <a:r>
+                        <a:rPr lang="es-ES" sz="900" dirty="0"/>
+                        <a:t>.</a:t>
+                      </a:r>
+                    </a:p>
+                  </a:txBody>
+                  <a:tcPr/>
+                </a:tc>
+                <a:tc>
+                  <a:txBody>
+                    <a:bodyPr/>
+                    <a:lstStyle/>
+                    <a:p>
+                      <a:endParaRPr lang="es-ES" dirty="0"/>
+                    </a:p>
+                  </a:txBody>
+                  <a:tcPr>
+                    <a:solidFill>
+                      <a:srgbClr val="FF0000"/>
+                    </a:solidFill>
+                  </a:tcPr>
+                </a:tc>
+                <a:tc>
+                  <a:txBody>
+                    <a:bodyPr/>
+                    <a:lstStyle/>
+                    <a:p>
+                      <a:endParaRPr lang="es-ES" dirty="0"/>
+                    </a:p>
+                  </a:txBody>
+                  <a:tcPr>
+                    <a:solidFill>
+                      <a:srgbClr val="FF0000"/>
+                    </a:solidFill>
+                  </a:tcPr>
+                </a:tc>
+                <a:tc>
+                  <a:txBody>
+                    <a:bodyPr/>
+                    <a:lstStyle/>
+                    <a:p>
+                      <a:endParaRPr lang="es-ES" dirty="0"/>
+                    </a:p>
+                  </a:txBody>
+                  <a:tcPr>
+                    <a:solidFill>
+                      <a:srgbClr val="FF0000"/>
+                    </a:solidFill>
+                  </a:tcPr>
+                </a:tc>
+                <a:tc>
+                  <a:txBody>
+                    <a:bodyPr/>
+                    <a:lstStyle/>
+                    <a:p>
+                      <a:endParaRPr lang="es-ES" dirty="0"/>
+                    </a:p>
+                  </a:txBody>
+                  <a:tcPr>
+                    <a:solidFill>
+                      <a:srgbClr val="FF0000"/>
+                    </a:solidFill>
+                  </a:tcPr>
+                </a:tc>
+                <a:tc>
+                  <a:txBody>
+                    <a:bodyPr/>
+                    <a:lstStyle/>
+                    <a:p>
+                      <a:r>
+                        <a:rPr lang="es-ES" dirty="0"/>
+                        <a:t>3</a:t>
+                      </a:r>
+                    </a:p>
+                  </a:txBody>
+                  <a:tcPr/>
+                </a:tc>
+                <a:tc>
+                  <a:txBody>
+                    <a:bodyPr/>
+                    <a:lstStyle/>
+                    <a:p>
+                      <a:r>
+                        <a:rPr lang="es-ES" dirty="0"/>
+                        <a:t>8</a:t>
+                      </a:r>
+                    </a:p>
+                  </a:txBody>
+                  <a:tcPr/>
+                </a:tc>
+                <a:tc>
+                  <a:txBody>
+                    <a:bodyPr/>
+                    <a:lstStyle/>
+                    <a:p>
+                      <a:r>
+                        <a:rPr lang="es-ES" dirty="0"/>
+                        <a:t>8</a:t>
+                      </a:r>
+                    </a:p>
+                  </a:txBody>
+                  <a:tcPr/>
+                </a:tc>
+                <a:extLst>
+                  <a:ext uri="{0D108BD9-81ED-4DB2-BD59-A6C34878D82A}">
+                    <a16:rowId xmlns:a16="http://schemas.microsoft.com/office/drawing/2014/main" val="577386174"/>
+                  </a:ext>
+                </a:extLst>
+              </a:tr>
+              <a:tr h="370840">
+                <a:tc>
+                  <a:txBody>
+                    <a:bodyPr/>
+                    <a:lstStyle/>
+                    <a:p>
+                      <a:r>
+                        <a:rPr lang="es-ES" sz="900" dirty="0"/>
+                        <a:t>El </a:t>
+                      </a:r>
+                      <a:r>
+                        <a:rPr lang="es-ES" sz="900" dirty="0" err="1"/>
+                        <a:t>joc</a:t>
+                      </a:r>
+                      <a:r>
+                        <a:rPr lang="es-ES" sz="900" dirty="0"/>
+                        <a:t> </a:t>
+                      </a:r>
+                      <a:r>
+                        <a:rPr lang="es-ES" sz="900" dirty="0" err="1"/>
+                        <a:t>permet</a:t>
+                      </a:r>
+                      <a:r>
+                        <a:rPr lang="es-ES" sz="900" dirty="0"/>
+                        <a:t> un </a:t>
+                      </a:r>
+                      <a:r>
+                        <a:rPr lang="es-ES" sz="900" dirty="0" err="1"/>
+                        <a:t>nivell</a:t>
+                      </a:r>
+                      <a:r>
+                        <a:rPr lang="es-ES" sz="900" dirty="0"/>
+                        <a:t> </a:t>
+                      </a:r>
+                      <a:r>
+                        <a:rPr lang="es-ES" sz="900" dirty="0" err="1"/>
+                        <a:t>adequat</a:t>
+                      </a:r>
+                      <a:r>
+                        <a:rPr lang="es-ES" sz="900" dirty="0"/>
+                        <a:t> de </a:t>
+                      </a:r>
+                      <a:r>
+                        <a:rPr lang="es-ES" sz="900" dirty="0" err="1"/>
+                        <a:t>personalització</a:t>
+                      </a:r>
+                      <a:r>
+                        <a:rPr lang="es-ES" sz="900" dirty="0"/>
+                        <a:t> en </a:t>
+                      </a:r>
+                      <a:r>
+                        <a:rPr lang="es-ES" sz="900" dirty="0" err="1"/>
+                        <a:t>relació</a:t>
+                      </a:r>
+                      <a:r>
+                        <a:rPr lang="es-ES" sz="900" dirty="0"/>
+                        <a:t> </a:t>
+                      </a:r>
+                      <a:r>
+                        <a:rPr lang="es-ES" sz="900" dirty="0" err="1"/>
+                        <a:t>amb</a:t>
+                      </a:r>
+                      <a:r>
+                        <a:rPr lang="es-ES" sz="900" dirty="0"/>
+                        <a:t> </a:t>
+                      </a:r>
+                      <a:r>
+                        <a:rPr lang="es-ES" sz="900" dirty="0" err="1"/>
+                        <a:t>diferents</a:t>
+                      </a:r>
+                      <a:r>
+                        <a:rPr lang="es-ES" sz="900" dirty="0"/>
+                        <a:t> </a:t>
+                      </a:r>
+                      <a:r>
+                        <a:rPr lang="es-ES" sz="900" dirty="0" err="1"/>
+                        <a:t>aspectes</a:t>
+                      </a:r>
+                      <a:r>
+                        <a:rPr lang="es-ES" sz="900" dirty="0"/>
+                        <a:t> (</a:t>
+                      </a:r>
+                      <a:r>
+                        <a:rPr lang="es-ES" sz="900" dirty="0" err="1"/>
+                        <a:t>Àudio</a:t>
+                      </a:r>
+                      <a:r>
+                        <a:rPr lang="es-ES" sz="900" dirty="0"/>
+                        <a:t>, vídeo…)</a:t>
+                      </a:r>
+                    </a:p>
+                  </a:txBody>
+                  <a:tcPr/>
+                </a:tc>
+                <a:tc>
+                  <a:txBody>
+                    <a:bodyPr/>
+                    <a:lstStyle/>
+                    <a:p>
+                      <a:endParaRPr lang="es-ES" dirty="0"/>
+                    </a:p>
+                  </a:txBody>
+                  <a:tcPr>
+                    <a:solidFill>
+                      <a:srgbClr val="FF0000"/>
+                    </a:solidFill>
+                  </a:tcPr>
+                </a:tc>
+                <a:tc>
+                  <a:txBody>
+                    <a:bodyPr/>
+                    <a:lstStyle/>
+                    <a:p>
+                      <a:endParaRPr lang="es-ES" dirty="0"/>
+                    </a:p>
+                  </a:txBody>
+                  <a:tcPr>
+                    <a:solidFill>
+                      <a:srgbClr val="FF0000"/>
+                    </a:solidFill>
+                  </a:tcPr>
+                </a:tc>
+                <a:tc>
+                  <a:txBody>
+                    <a:bodyPr/>
+                    <a:lstStyle/>
+                    <a:p>
+                      <a:endParaRPr lang="es-ES" dirty="0"/>
+                    </a:p>
+                  </a:txBody>
+                  <a:tcPr>
+                    <a:solidFill>
+                      <a:srgbClr val="FF0000"/>
+                    </a:solidFill>
+                  </a:tcPr>
+                </a:tc>
+                <a:tc>
+                  <a:txBody>
+                    <a:bodyPr/>
+                    <a:lstStyle/>
+                    <a:p>
+                      <a:endParaRPr lang="es-ES" dirty="0"/>
+                    </a:p>
+                  </a:txBody>
+                  <a:tcPr>
+                    <a:solidFill>
+                      <a:srgbClr val="FF0000"/>
+                    </a:solidFill>
+                  </a:tcPr>
+                </a:tc>
+                <a:tc>
+                  <a:txBody>
+                    <a:bodyPr/>
+                    <a:lstStyle/>
+                    <a:p>
+                      <a:r>
+                        <a:rPr lang="es-ES" dirty="0"/>
+                        <a:t>1</a:t>
+                      </a:r>
+                    </a:p>
+                  </a:txBody>
+                  <a:tcPr/>
+                </a:tc>
+                <a:tc>
+                  <a:txBody>
+                    <a:bodyPr/>
+                    <a:lstStyle/>
+                    <a:p>
+                      <a:r>
+                        <a:rPr lang="es-ES" dirty="0"/>
+                        <a:t>6</a:t>
+                      </a:r>
+                    </a:p>
+                  </a:txBody>
+                  <a:tcPr/>
+                </a:tc>
+                <a:tc>
+                  <a:txBody>
+                    <a:bodyPr/>
+                    <a:lstStyle/>
+                    <a:p>
+                      <a:r>
+                        <a:rPr lang="es-ES" dirty="0"/>
+                        <a:t>6</a:t>
+                      </a:r>
+                    </a:p>
+                  </a:txBody>
+                  <a:tcPr/>
+                </a:tc>
+                <a:extLst>
+                  <a:ext uri="{0D108BD9-81ED-4DB2-BD59-A6C34878D82A}">
+                    <a16:rowId xmlns:a16="http://schemas.microsoft.com/office/drawing/2014/main" val="3612494582"/>
+                  </a:ext>
+                </a:extLst>
+              </a:tr>
+            </a:tbl>
+          </a:graphicData>
+        </a:graphic>
+      </p:graphicFrame>
       <p:pic>
         <p:nvPicPr>
           <p:cNvPr id="4" name="Imagen 3"/>
@@ -6536,324 +14804,6 @@
     <p:extLst>
       <p:ext uri="{BB962C8B-B14F-4D97-AF65-F5344CB8AC3E}">
         <p14:creationId xmlns:p14="http://schemas.microsoft.com/office/powerpoint/2010/main" val="452054726"/>
-      </p:ext>
-    </p:extLst>
-  </p:cSld>
-  <p:clrMapOvr>
-    <a:masterClrMapping/>
-  </p:clrMapOvr>
-</p:sld>
-</file>
-
-<file path=ppt/slides/slide5.xml><?xml version="1.0" encoding="utf-8"?>
-<p:sld xmlns:a="http://schemas.openxmlformats.org/drawingml/2006/main" xmlns:r="http://schemas.openxmlformats.org/officeDocument/2006/relationships" xmlns:p="http://schemas.openxmlformats.org/presentationml/2006/main">
-  <p:cSld>
-    <p:spTree>
-      <p:nvGrpSpPr>
-        <p:cNvPr id="1" name=""/>
-        <p:cNvGrpSpPr/>
-        <p:nvPr/>
-      </p:nvGrpSpPr>
-      <p:grpSpPr>
-        <a:xfrm>
-          <a:off x="0" y="0"/>
-          <a:ext cx="0" cy="0"/>
-          <a:chOff x="0" y="0"/>
-          <a:chExt cx="0" cy="0"/>
-        </a:xfrm>
-      </p:grpSpPr>
-      <p:sp>
-        <p:nvSpPr>
-          <p:cNvPr id="2" name="Título 1"/>
-          <p:cNvSpPr>
-            <a:spLocks noGrp="1"/>
-          </p:cNvSpPr>
-          <p:nvPr>
-            <p:ph type="title"/>
-          </p:nvPr>
-        </p:nvSpPr>
-        <p:spPr/>
-        <p:txBody>
-          <a:bodyPr/>
-          <a:lstStyle/>
-          <a:p>
-            <a:endParaRPr lang="es-ES"/>
-          </a:p>
-        </p:txBody>
-      </p:sp>
-      <p:sp>
-        <p:nvSpPr>
-          <p:cNvPr id="3" name="Marcador de contenido 2"/>
-          <p:cNvSpPr>
-            <a:spLocks noGrp="1"/>
-          </p:cNvSpPr>
-          <p:nvPr>
-            <p:ph idx="1"/>
-          </p:nvPr>
-        </p:nvSpPr>
-        <p:spPr/>
-        <p:txBody>
-          <a:bodyPr/>
-          <a:lstStyle/>
-          <a:p>
-            <a:endParaRPr lang="es-ES"/>
-          </a:p>
-        </p:txBody>
-      </p:sp>
-      <p:pic>
-        <p:nvPicPr>
-          <p:cNvPr id="4" name="Imagen 3"/>
-          <p:cNvPicPr>
-            <a:picLocks noChangeAspect="1"/>
-          </p:cNvPicPr>
-          <p:nvPr/>
-        </p:nvPicPr>
-        <p:blipFill>
-          <a:blip r:embed="rId2"/>
-          <a:stretch>
-            <a:fillRect/>
-          </a:stretch>
-        </p:blipFill>
-        <p:spPr>
-          <a:xfrm>
-            <a:off x="10341643" y="452718"/>
-            <a:ext cx="899820" cy="904876"/>
-          </a:xfrm>
-          <a:prstGeom prst="rect">
-            <a:avLst/>
-          </a:prstGeom>
-        </p:spPr>
-      </p:pic>
-    </p:spTree>
-    <p:extLst>
-      <p:ext uri="{BB962C8B-B14F-4D97-AF65-F5344CB8AC3E}">
-        <p14:creationId xmlns:p14="http://schemas.microsoft.com/office/powerpoint/2010/main" val="806089221"/>
-      </p:ext>
-    </p:extLst>
-  </p:cSld>
-  <p:clrMapOvr>
-    <a:masterClrMapping/>
-  </p:clrMapOvr>
-</p:sld>
-</file>
-
-<file path=ppt/slides/slide6.xml><?xml version="1.0" encoding="utf-8"?>
-<p:sld xmlns:a="http://schemas.openxmlformats.org/drawingml/2006/main" xmlns:r="http://schemas.openxmlformats.org/officeDocument/2006/relationships" xmlns:p="http://schemas.openxmlformats.org/presentationml/2006/main">
-  <p:cSld>
-    <p:spTree>
-      <p:nvGrpSpPr>
-        <p:cNvPr id="1" name=""/>
-        <p:cNvGrpSpPr/>
-        <p:nvPr/>
-      </p:nvGrpSpPr>
-      <p:grpSpPr>
-        <a:xfrm>
-          <a:off x="0" y="0"/>
-          <a:ext cx="0" cy="0"/>
-          <a:chOff x="0" y="0"/>
-          <a:chExt cx="0" cy="0"/>
-        </a:xfrm>
-      </p:grpSpPr>
-      <p:sp>
-        <p:nvSpPr>
-          <p:cNvPr id="2" name="Título 1"/>
-          <p:cNvSpPr>
-            <a:spLocks noGrp="1"/>
-          </p:cNvSpPr>
-          <p:nvPr>
-            <p:ph type="title"/>
-          </p:nvPr>
-        </p:nvSpPr>
-        <p:spPr/>
-        <p:txBody>
-          <a:bodyPr/>
-          <a:lstStyle/>
-          <a:p>
-            <a:r>
-              <a:rPr lang="es-ES" b="1" dirty="0" smtClean="0">
-                <a:ln w="9525">
-                  <a:solidFill>
-                    <a:schemeClr val="bg1"/>
-                  </a:solidFill>
-                  <a:prstDash val="solid"/>
-                </a:ln>
-                <a:solidFill>
-                  <a:schemeClr val="tx1"/>
-                </a:solidFill>
-                <a:effectLst>
-                  <a:outerShdw blurRad="12700" dist="38100" dir="2700000" algn="tl" rotWithShape="0">
-                    <a:schemeClr val="bg1">
-                      <a:lumMod val="50000"/>
-                    </a:schemeClr>
-                  </a:outerShdw>
-                </a:effectLst>
-              </a:rPr>
-              <a:t>Recorrido Cognitivo: 		</a:t>
-            </a:r>
-            <a:r>
-              <a:rPr lang="es-ES" sz="3600" b="1" dirty="0" smtClean="0">
-                <a:ln w="9525">
-                  <a:solidFill>
-                    <a:schemeClr val="bg1"/>
-                  </a:solidFill>
-                  <a:prstDash val="solid"/>
-                </a:ln>
-                <a:solidFill>
-                  <a:schemeClr val="tx1"/>
-                </a:solidFill>
-                <a:effectLst>
-                  <a:outerShdw blurRad="12700" dist="38100" dir="2700000" algn="tl" rotWithShape="0">
-                    <a:schemeClr val="bg1">
-                      <a:lumMod val="50000"/>
-                    </a:schemeClr>
-                  </a:outerShdw>
-                </a:effectLst>
-              </a:rPr>
-              <a:t>Lines</a:t>
-            </a:r>
-            <a:endParaRPr lang="es-ES" sz="3600" dirty="0"/>
-          </a:p>
-        </p:txBody>
-      </p:sp>
-      <p:sp>
-        <p:nvSpPr>
-          <p:cNvPr id="3" name="Marcador de contenido 2"/>
-          <p:cNvSpPr>
-            <a:spLocks noGrp="1"/>
-          </p:cNvSpPr>
-          <p:nvPr>
-            <p:ph idx="1"/>
-          </p:nvPr>
-        </p:nvSpPr>
-        <p:spPr/>
-        <p:txBody>
-          <a:bodyPr/>
-          <a:lstStyle/>
-          <a:p>
-            <a:endParaRPr lang="es-ES" dirty="0"/>
-          </a:p>
-        </p:txBody>
-      </p:sp>
-      <p:pic>
-        <p:nvPicPr>
-          <p:cNvPr id="4" name="Imagen 3"/>
-          <p:cNvPicPr>
-            <a:picLocks noChangeAspect="1"/>
-          </p:cNvPicPr>
-          <p:nvPr/>
-        </p:nvPicPr>
-        <p:blipFill>
-          <a:blip r:embed="rId2"/>
-          <a:stretch>
-            <a:fillRect/>
-          </a:stretch>
-        </p:blipFill>
-        <p:spPr>
-          <a:xfrm>
-            <a:off x="10323095" y="452718"/>
-            <a:ext cx="954505" cy="949081"/>
-          </a:xfrm>
-          <a:prstGeom prst="rect">
-            <a:avLst/>
-          </a:prstGeom>
-        </p:spPr>
-      </p:pic>
-    </p:spTree>
-    <p:extLst>
-      <p:ext uri="{BB962C8B-B14F-4D97-AF65-F5344CB8AC3E}">
-        <p14:creationId xmlns:p14="http://schemas.microsoft.com/office/powerpoint/2010/main" val="2696578865"/>
-      </p:ext>
-    </p:extLst>
-  </p:cSld>
-  <p:clrMapOvr>
-    <a:masterClrMapping/>
-  </p:clrMapOvr>
-</p:sld>
-</file>
-
-<file path=ppt/slides/slide7.xml><?xml version="1.0" encoding="utf-8"?>
-<p:sld xmlns:a="http://schemas.openxmlformats.org/drawingml/2006/main" xmlns:r="http://schemas.openxmlformats.org/officeDocument/2006/relationships" xmlns:p="http://schemas.openxmlformats.org/presentationml/2006/main">
-  <p:cSld>
-    <p:spTree>
-      <p:nvGrpSpPr>
-        <p:cNvPr id="1" name=""/>
-        <p:cNvGrpSpPr/>
-        <p:nvPr/>
-      </p:nvGrpSpPr>
-      <p:grpSpPr>
-        <a:xfrm>
-          <a:off x="0" y="0"/>
-          <a:ext cx="0" cy="0"/>
-          <a:chOff x="0" y="0"/>
-          <a:chExt cx="0" cy="0"/>
-        </a:xfrm>
-      </p:grpSpPr>
-      <p:sp>
-        <p:nvSpPr>
-          <p:cNvPr id="2" name="Título 1"/>
-          <p:cNvSpPr>
-            <a:spLocks noGrp="1"/>
-          </p:cNvSpPr>
-          <p:nvPr>
-            <p:ph type="title"/>
-          </p:nvPr>
-        </p:nvSpPr>
-        <p:spPr/>
-        <p:txBody>
-          <a:bodyPr/>
-          <a:lstStyle/>
-          <a:p>
-            <a:endParaRPr lang="es-ES"/>
-          </a:p>
-        </p:txBody>
-      </p:sp>
-      <p:sp>
-        <p:nvSpPr>
-          <p:cNvPr id="3" name="Marcador de contenido 2"/>
-          <p:cNvSpPr>
-            <a:spLocks noGrp="1"/>
-          </p:cNvSpPr>
-          <p:nvPr>
-            <p:ph idx="1"/>
-          </p:nvPr>
-        </p:nvSpPr>
-        <p:spPr/>
-        <p:txBody>
-          <a:bodyPr/>
-          <a:lstStyle/>
-          <a:p>
-            <a:endParaRPr lang="es-ES"/>
-          </a:p>
-        </p:txBody>
-      </p:sp>
-      <p:pic>
-        <p:nvPicPr>
-          <p:cNvPr id="4" name="Imagen 3"/>
-          <p:cNvPicPr>
-            <a:picLocks noChangeAspect="1"/>
-          </p:cNvPicPr>
-          <p:nvPr/>
-        </p:nvPicPr>
-        <p:blipFill>
-          <a:blip r:embed="rId2"/>
-          <a:stretch>
-            <a:fillRect/>
-          </a:stretch>
-        </p:blipFill>
-        <p:spPr>
-          <a:xfrm>
-            <a:off x="10323095" y="452718"/>
-            <a:ext cx="954505" cy="949081"/>
-          </a:xfrm>
-          <a:prstGeom prst="rect">
-            <a:avLst/>
-          </a:prstGeom>
-        </p:spPr>
-      </p:pic>
-    </p:spTree>
-    <p:extLst>
-      <p:ext uri="{BB962C8B-B14F-4D97-AF65-F5344CB8AC3E}">
-        <p14:creationId xmlns:p14="http://schemas.microsoft.com/office/powerpoint/2010/main" val="2725393338"/>
       </p:ext>
     </p:extLst>
   </p:cSld>

--- a/IDI/Presentacio.pptx
+++ b/IDI/Presentacio.pptx
@@ -15,9 +15,11 @@
     <p:sldId id="267" r:id="rId9"/>
     <p:sldId id="259" r:id="rId10"/>
     <p:sldId id="260" r:id="rId11"/>
-    <p:sldId id="261" r:id="rId12"/>
-    <p:sldId id="262" r:id="rId13"/>
-    <p:sldId id="268" r:id="rId14"/>
+    <p:sldId id="269" r:id="rId12"/>
+    <p:sldId id="261" r:id="rId13"/>
+    <p:sldId id="262" r:id="rId14"/>
+    <p:sldId id="268" r:id="rId15"/>
+    <p:sldId id="270" r:id="rId16"/>
   </p:sldIdLst>
   <p:sldSz cx="12192000" cy="6858000"/>
   <p:notesSz cx="6858000" cy="9144000"/>
@@ -307,7 +309,7 @@
           <a:p>
             <a:fld id="{3817F6F1-6B00-4783-8D4D-89C642407FEC}" type="datetimeFigureOut">
               <a:rPr lang="es-ES" smtClean="0"/>
-              <a:t>15/12/2019</a:t>
+              <a:t>16/12/2019</a:t>
             </a:fld>
             <a:endParaRPr lang="es-ES"/>
           </a:p>
@@ -582,7 +584,7 @@
           <a:p>
             <a:fld id="{3817F6F1-6B00-4783-8D4D-89C642407FEC}" type="datetimeFigureOut">
               <a:rPr lang="es-ES" smtClean="0"/>
-              <a:t>15/12/2019</a:t>
+              <a:t>16/12/2019</a:t>
             </a:fld>
             <a:endParaRPr lang="es-ES"/>
           </a:p>
@@ -776,7 +778,7 @@
           <a:p>
             <a:fld id="{3817F6F1-6B00-4783-8D4D-89C642407FEC}" type="datetimeFigureOut">
               <a:rPr lang="es-ES" smtClean="0"/>
-              <a:t>15/12/2019</a:t>
+              <a:t>16/12/2019</a:t>
             </a:fld>
             <a:endParaRPr lang="es-ES"/>
           </a:p>
@@ -1044,7 +1046,7 @@
           <a:p>
             <a:fld id="{3817F6F1-6B00-4783-8D4D-89C642407FEC}" type="datetimeFigureOut">
               <a:rPr lang="es-ES" smtClean="0"/>
-              <a:t>15/12/2019</a:t>
+              <a:t>16/12/2019</a:t>
             </a:fld>
             <a:endParaRPr lang="es-ES"/>
           </a:p>
@@ -1376,7 +1378,7 @@
           <a:p>
             <a:fld id="{3817F6F1-6B00-4783-8D4D-89C642407FEC}" type="datetimeFigureOut">
               <a:rPr lang="es-ES" smtClean="0"/>
-              <a:t>15/12/2019</a:t>
+              <a:t>16/12/2019</a:t>
             </a:fld>
             <a:endParaRPr lang="es-ES"/>
           </a:p>
@@ -1986,7 +1988,7 @@
           <a:p>
             <a:fld id="{3817F6F1-6B00-4783-8D4D-89C642407FEC}" type="datetimeFigureOut">
               <a:rPr lang="es-ES" smtClean="0"/>
-              <a:t>15/12/2019</a:t>
+              <a:t>16/12/2019</a:t>
             </a:fld>
             <a:endParaRPr lang="es-ES"/>
           </a:p>
@@ -2833,7 +2835,7 @@
           <a:p>
             <a:fld id="{3817F6F1-6B00-4783-8D4D-89C642407FEC}" type="datetimeFigureOut">
               <a:rPr lang="es-ES" smtClean="0"/>
-              <a:t>15/12/2019</a:t>
+              <a:t>16/12/2019</a:t>
             </a:fld>
             <a:endParaRPr lang="es-ES"/>
           </a:p>
@@ -3003,7 +3005,7 @@
           <a:p>
             <a:fld id="{3817F6F1-6B00-4783-8D4D-89C642407FEC}" type="datetimeFigureOut">
               <a:rPr lang="es-ES" smtClean="0"/>
-              <a:t>15/12/2019</a:t>
+              <a:t>16/12/2019</a:t>
             </a:fld>
             <a:endParaRPr lang="es-ES"/>
           </a:p>
@@ -3183,7 +3185,7 @@
           <a:p>
             <a:fld id="{3817F6F1-6B00-4783-8D4D-89C642407FEC}" type="datetimeFigureOut">
               <a:rPr lang="es-ES" smtClean="0"/>
-              <a:t>15/12/2019</a:t>
+              <a:t>16/12/2019</a:t>
             </a:fld>
             <a:endParaRPr lang="es-ES"/>
           </a:p>
@@ -3353,7 +3355,7 @@
           <a:p>
             <a:fld id="{3817F6F1-6B00-4783-8D4D-89C642407FEC}" type="datetimeFigureOut">
               <a:rPr lang="es-ES" smtClean="0"/>
-              <a:t>15/12/2019</a:t>
+              <a:t>16/12/2019</a:t>
             </a:fld>
             <a:endParaRPr lang="es-ES"/>
           </a:p>
@@ -3597,7 +3599,7 @@
           <a:p>
             <a:fld id="{3817F6F1-6B00-4783-8D4D-89C642407FEC}" type="datetimeFigureOut">
               <a:rPr lang="es-ES" smtClean="0"/>
-              <a:t>15/12/2019</a:t>
+              <a:t>16/12/2019</a:t>
             </a:fld>
             <a:endParaRPr lang="es-ES"/>
           </a:p>
@@ -3889,7 +3891,7 @@
           <a:p>
             <a:fld id="{3817F6F1-6B00-4783-8D4D-89C642407FEC}" type="datetimeFigureOut">
               <a:rPr lang="es-ES" smtClean="0"/>
-              <a:t>15/12/2019</a:t>
+              <a:t>16/12/2019</a:t>
             </a:fld>
             <a:endParaRPr lang="es-ES"/>
           </a:p>
@@ -4327,7 +4329,7 @@
           <a:p>
             <a:fld id="{3817F6F1-6B00-4783-8D4D-89C642407FEC}" type="datetimeFigureOut">
               <a:rPr lang="es-ES" smtClean="0"/>
-              <a:t>15/12/2019</a:t>
+              <a:t>16/12/2019</a:t>
             </a:fld>
             <a:endParaRPr lang="es-ES"/>
           </a:p>
@@ -4445,7 +4447,7 @@
           <a:p>
             <a:fld id="{3817F6F1-6B00-4783-8D4D-89C642407FEC}" type="datetimeFigureOut">
               <a:rPr lang="es-ES" smtClean="0"/>
-              <a:t>15/12/2019</a:t>
+              <a:t>16/12/2019</a:t>
             </a:fld>
             <a:endParaRPr lang="es-ES"/>
           </a:p>
@@ -4540,7 +4542,7 @@
           <a:p>
             <a:fld id="{3817F6F1-6B00-4783-8D4D-89C642407FEC}" type="datetimeFigureOut">
               <a:rPr lang="es-ES" smtClean="0"/>
-              <a:t>15/12/2019</a:t>
+              <a:t>16/12/2019</a:t>
             </a:fld>
             <a:endParaRPr lang="es-ES"/>
           </a:p>
@@ -4819,7 +4821,7 @@
           <a:p>
             <a:fld id="{3817F6F1-6B00-4783-8D4D-89C642407FEC}" type="datetimeFigureOut">
               <a:rPr lang="es-ES" smtClean="0"/>
-              <a:t>15/12/2019</a:t>
+              <a:t>16/12/2019</a:t>
             </a:fld>
             <a:endParaRPr lang="es-ES"/>
           </a:p>
@@ -5094,7 +5096,7 @@
           <a:p>
             <a:fld id="{3817F6F1-6B00-4783-8D4D-89C642407FEC}" type="datetimeFigureOut">
               <a:rPr lang="es-ES" smtClean="0"/>
-              <a:t>15/12/2019</a:t>
+              <a:t>16/12/2019</a:t>
             </a:fld>
             <a:endParaRPr lang="es-ES"/>
           </a:p>
@@ -5523,7 +5525,7 @@
           <a:p>
             <a:fld id="{3817F6F1-6B00-4783-8D4D-89C642407FEC}" type="datetimeFigureOut">
               <a:rPr lang="es-ES" smtClean="0"/>
-              <a:t>15/12/2019</a:t>
+              <a:t>16/12/2019</a:t>
             </a:fld>
             <a:endParaRPr lang="es-ES"/>
           </a:p>
@@ -7331,6 +7333,247 @@
           <a:chExt cx="0" cy="0"/>
         </a:xfrm>
       </p:grpSpPr>
+      <p:pic>
+        <p:nvPicPr>
+          <p:cNvPr id="1026" name="Picture 2" descr="Related image"/>
+          <p:cNvPicPr>
+            <a:picLocks noChangeAspect="1" noChangeArrowheads="1"/>
+          </p:cNvPicPr>
+          <p:nvPr/>
+        </p:nvPicPr>
+        <p:blipFill>
+          <a:blip r:embed="rId2">
+            <a:extLst>
+              <a:ext uri="{28A0092B-C50C-407E-A947-70E740481C1C}">
+                <a14:useLocalDpi xmlns:a14="http://schemas.microsoft.com/office/drawing/2010/main" val="0"/>
+              </a:ext>
+            </a:extLst>
+          </a:blip>
+          <a:srcRect/>
+          <a:stretch>
+            <a:fillRect/>
+          </a:stretch>
+        </p:blipFill>
+        <p:spPr bwMode="auto">
+          <a:xfrm>
+            <a:off x="460375" y="312738"/>
+            <a:ext cx="5446439" cy="3326070"/>
+          </a:xfrm>
+          <a:prstGeom prst="rect">
+            <a:avLst/>
+          </a:prstGeom>
+          <a:noFill/>
+          <a:extLst>
+            <a:ext uri="{909E8E84-426E-40DD-AFC4-6F175D3DCCD1}">
+              <a14:hiddenFill xmlns:a14="http://schemas.microsoft.com/office/drawing/2010/main">
+                <a:solidFill>
+                  <a:srgbClr val="FFFFFF"/>
+                </a:solidFill>
+              </a14:hiddenFill>
+            </a:ext>
+          </a:extLst>
+        </p:spPr>
+      </p:pic>
+      <p:pic>
+        <p:nvPicPr>
+          <p:cNvPr id="5" name="Imagen 4"/>
+          <p:cNvPicPr>
+            <a:picLocks noChangeAspect="1"/>
+          </p:cNvPicPr>
+          <p:nvPr/>
+        </p:nvPicPr>
+        <p:blipFill>
+          <a:blip r:embed="rId3"/>
+          <a:stretch>
+            <a:fillRect/>
+          </a:stretch>
+        </p:blipFill>
+        <p:spPr>
+          <a:xfrm>
+            <a:off x="10341643" y="452718"/>
+            <a:ext cx="899820" cy="904876"/>
+          </a:xfrm>
+          <a:prstGeom prst="rect">
+            <a:avLst/>
+          </a:prstGeom>
+        </p:spPr>
+      </p:pic>
+      <p:sp>
+        <p:nvSpPr>
+          <p:cNvPr id="7" name="AutoShape 8" descr="Image result for real gorilla simulator"/>
+          <p:cNvSpPr>
+            <a:spLocks noChangeAspect="1" noChangeArrowheads="1"/>
+          </p:cNvSpPr>
+          <p:nvPr/>
+        </p:nvSpPr>
+        <p:spPr bwMode="auto">
+          <a:xfrm>
+            <a:off x="155575" y="-1150938"/>
+            <a:ext cx="4286250" cy="2409826"/>
+          </a:xfrm>
+          <a:prstGeom prst="rect">
+            <a:avLst/>
+          </a:prstGeom>
+          <a:noFill/>
+          <a:extLst>
+            <a:ext uri="{909E8E84-426E-40DD-AFC4-6F175D3DCCD1}">
+              <a14:hiddenFill xmlns:a14="http://schemas.microsoft.com/office/drawing/2010/main">
+                <a:solidFill>
+                  <a:srgbClr val="FFFFFF"/>
+                </a:solidFill>
+              </a14:hiddenFill>
+            </a:ext>
+          </a:extLst>
+        </p:spPr>
+        <p:txBody>
+          <a:bodyPr vert="horz" wrap="square" lIns="91440" tIns="45720" rIns="91440" bIns="45720" numCol="1" anchor="t" anchorCtr="0" compatLnSpc="1">
+            <a:prstTxWarp prst="textNoShape">
+              <a:avLst/>
+            </a:prstTxWarp>
+          </a:bodyPr>
+          <a:lstStyle/>
+          <a:p>
+            <a:endParaRPr lang="es-ES"/>
+          </a:p>
+        </p:txBody>
+      </p:sp>
+      <p:sp>
+        <p:nvSpPr>
+          <p:cNvPr id="8" name="AutoShape 10" descr="Image result for real gorilla simulator"/>
+          <p:cNvSpPr>
+            <a:spLocks noChangeAspect="1" noChangeArrowheads="1"/>
+          </p:cNvSpPr>
+          <p:nvPr/>
+        </p:nvSpPr>
+        <p:spPr bwMode="auto">
+          <a:xfrm>
+            <a:off x="460375" y="160337"/>
+            <a:ext cx="304800" cy="304801"/>
+          </a:xfrm>
+          <a:prstGeom prst="rect">
+            <a:avLst/>
+          </a:prstGeom>
+          <a:noFill/>
+          <a:extLst>
+            <a:ext uri="{909E8E84-426E-40DD-AFC4-6F175D3DCCD1}">
+              <a14:hiddenFill xmlns:a14="http://schemas.microsoft.com/office/drawing/2010/main">
+                <a:solidFill>
+                  <a:srgbClr val="FFFFFF"/>
+                </a:solidFill>
+              </a14:hiddenFill>
+            </a:ext>
+          </a:extLst>
+        </p:spPr>
+        <p:txBody>
+          <a:bodyPr vert="horz" wrap="square" lIns="91440" tIns="45720" rIns="91440" bIns="45720" numCol="1" anchor="t" anchorCtr="0" compatLnSpc="1">
+            <a:prstTxWarp prst="textNoShape">
+              <a:avLst/>
+            </a:prstTxWarp>
+          </a:bodyPr>
+          <a:lstStyle/>
+          <a:p>
+            <a:endParaRPr lang="es-ES"/>
+          </a:p>
+        </p:txBody>
+      </p:sp>
+      <p:pic>
+        <p:nvPicPr>
+          <p:cNvPr id="10" name="Imagen 9"/>
+          <p:cNvPicPr>
+            <a:picLocks noChangeAspect="1"/>
+          </p:cNvPicPr>
+          <p:nvPr/>
+        </p:nvPicPr>
+        <p:blipFill rotWithShape="1">
+          <a:blip r:embed="rId4">
+            <a:extLst>
+              <a:ext uri="{28A0092B-C50C-407E-A947-70E740481C1C}">
+                <a14:useLocalDpi xmlns:a14="http://schemas.microsoft.com/office/drawing/2010/main" val="0"/>
+              </a:ext>
+            </a:extLst>
+          </a:blip>
+          <a:srcRect l="18844"/>
+          <a:stretch/>
+        </p:blipFill>
+        <p:spPr>
+          <a:xfrm>
+            <a:off x="6293125" y="2328957"/>
+            <a:ext cx="4498428" cy="2924504"/>
+          </a:xfrm>
+          <a:prstGeom prst="rect">
+            <a:avLst/>
+          </a:prstGeom>
+        </p:spPr>
+      </p:pic>
+      <p:pic>
+        <p:nvPicPr>
+          <p:cNvPr id="1038" name="Picture 14" descr="Image result for real gorilla simulator"/>
+          <p:cNvPicPr>
+            <a:picLocks noChangeAspect="1" noChangeArrowheads="1"/>
+          </p:cNvPicPr>
+          <p:nvPr/>
+        </p:nvPicPr>
+        <p:blipFill rotWithShape="1">
+          <a:blip r:embed="rId5">
+            <a:extLst>
+              <a:ext uri="{28A0092B-C50C-407E-A947-70E740481C1C}">
+                <a14:useLocalDpi xmlns:a14="http://schemas.microsoft.com/office/drawing/2010/main" val="0"/>
+              </a:ext>
+            </a:extLst>
+          </a:blip>
+          <a:srcRect l="21789" t="383" r="-431" b="-383"/>
+          <a:stretch/>
+        </p:blipFill>
+        <p:spPr bwMode="auto">
+          <a:xfrm>
+            <a:off x="1265976" y="3791209"/>
+            <a:ext cx="3835235" cy="2743201"/>
+          </a:xfrm>
+          <a:prstGeom prst="rect">
+            <a:avLst/>
+          </a:prstGeom>
+          <a:noFill/>
+          <a:extLst>
+            <a:ext uri="{909E8E84-426E-40DD-AFC4-6F175D3DCCD1}">
+              <a14:hiddenFill xmlns:a14="http://schemas.microsoft.com/office/drawing/2010/main">
+                <a:solidFill>
+                  <a:srgbClr val="FFFFFF"/>
+                </a:solidFill>
+              </a14:hiddenFill>
+            </a:ext>
+          </a:extLst>
+        </p:spPr>
+      </p:pic>
+    </p:spTree>
+    <p:extLst>
+      <p:ext uri="{BB962C8B-B14F-4D97-AF65-F5344CB8AC3E}">
+        <p14:creationId xmlns:p14="http://schemas.microsoft.com/office/powerpoint/2010/main" val="598383975"/>
+      </p:ext>
+    </p:extLst>
+  </p:cSld>
+  <p:clrMapOvr>
+    <a:masterClrMapping/>
+  </p:clrMapOvr>
+</p:sld>
+</file>
+
+<file path=ppt/slides/slide12.xml><?xml version="1.0" encoding="utf-8"?>
+<p:sld xmlns:a="http://schemas.openxmlformats.org/drawingml/2006/main" xmlns:r="http://schemas.openxmlformats.org/officeDocument/2006/relationships" xmlns:p="http://schemas.openxmlformats.org/presentationml/2006/main">
+  <p:cSld>
+    <p:spTree>
+      <p:nvGrpSpPr>
+        <p:cNvPr id="1" name=""/>
+        <p:cNvGrpSpPr/>
+        <p:nvPr/>
+      </p:nvGrpSpPr>
+      <p:grpSpPr>
+        <a:xfrm>
+          <a:off x="0" y="0"/>
+          <a:ext cx="0" cy="0"/>
+          <a:chOff x="0" y="0"/>
+          <a:chExt cx="0" cy="0"/>
+        </a:xfrm>
+      </p:grpSpPr>
       <p:sp>
         <p:nvSpPr>
           <p:cNvPr id="2" name="Título 1"/>
@@ -8434,7 +8677,7 @@
 </p:sld>
 </file>
 
-<file path=ppt/slides/slide12.xml><?xml version="1.0" encoding="utf-8"?>
+<file path=ppt/slides/slide13.xml><?xml version="1.0" encoding="utf-8"?>
 <p:sld xmlns:a="http://schemas.openxmlformats.org/drawingml/2006/main" xmlns:r="http://schemas.openxmlformats.org/officeDocument/2006/relationships" xmlns:p="http://schemas.openxmlformats.org/presentationml/2006/main">
   <p:cSld>
     <p:spTree>
@@ -9512,7 +9755,7 @@
 </p:sld>
 </file>
 
-<file path=ppt/slides/slide13.xml><?xml version="1.0" encoding="utf-8"?>
+<file path=ppt/slides/slide14.xml><?xml version="1.0" encoding="utf-8"?>
 <p:sld xmlns:a="http://schemas.openxmlformats.org/drawingml/2006/main" xmlns:r="http://schemas.openxmlformats.org/officeDocument/2006/relationships" xmlns:p="http://schemas.openxmlformats.org/presentationml/2006/main">
   <p:cSld>
     <p:spTree>
@@ -10446,10 +10689,148 @@
           </a:graphicData>
         </a:graphic>
       </p:graphicFrame>
+      <p:pic>
+        <p:nvPicPr>
+          <p:cNvPr id="6" name="Imagen 5"/>
+          <p:cNvPicPr>
+            <a:picLocks noChangeAspect="1"/>
+          </p:cNvPicPr>
+          <p:nvPr/>
+        </p:nvPicPr>
+        <p:blipFill>
+          <a:blip r:embed="rId2"/>
+          <a:stretch>
+            <a:fillRect/>
+          </a:stretch>
+        </p:blipFill>
+        <p:spPr>
+          <a:xfrm>
+            <a:off x="10323095" y="452718"/>
+            <a:ext cx="954505" cy="949081"/>
+          </a:xfrm>
+          <a:prstGeom prst="rect">
+            <a:avLst/>
+          </a:prstGeom>
+        </p:spPr>
+      </p:pic>
     </p:spTree>
     <p:extLst>
       <p:ext uri="{BB962C8B-B14F-4D97-AF65-F5344CB8AC3E}">
         <p14:creationId xmlns:p14="http://schemas.microsoft.com/office/powerpoint/2010/main" val="2607820407"/>
+      </p:ext>
+    </p:extLst>
+  </p:cSld>
+  <p:clrMapOvr>
+    <a:masterClrMapping/>
+  </p:clrMapOvr>
+</p:sld>
+</file>
+
+<file path=ppt/slides/slide15.xml><?xml version="1.0" encoding="utf-8"?>
+<p:sld xmlns:a="http://schemas.openxmlformats.org/drawingml/2006/main" xmlns:r="http://schemas.openxmlformats.org/officeDocument/2006/relationships" xmlns:p="http://schemas.openxmlformats.org/presentationml/2006/main">
+  <p:cSld>
+    <p:spTree>
+      <p:nvGrpSpPr>
+        <p:cNvPr id="1" name=""/>
+        <p:cNvGrpSpPr/>
+        <p:nvPr/>
+      </p:nvGrpSpPr>
+      <p:grpSpPr>
+        <a:xfrm>
+          <a:off x="0" y="0"/>
+          <a:ext cx="0" cy="0"/>
+          <a:chOff x="0" y="0"/>
+          <a:chExt cx="0" cy="0"/>
+        </a:xfrm>
+      </p:grpSpPr>
+      <p:pic>
+        <p:nvPicPr>
+          <p:cNvPr id="5" name="Imagen 4"/>
+          <p:cNvPicPr>
+            <a:picLocks noChangeAspect="1"/>
+          </p:cNvPicPr>
+          <p:nvPr/>
+        </p:nvPicPr>
+        <p:blipFill>
+          <a:blip r:embed="rId2" cstate="print">
+            <a:extLst>
+              <a:ext uri="{28A0092B-C50C-407E-A947-70E740481C1C}">
+                <a14:useLocalDpi xmlns:a14="http://schemas.microsoft.com/office/drawing/2010/main" val="0"/>
+              </a:ext>
+            </a:extLst>
+          </a:blip>
+          <a:stretch>
+            <a:fillRect/>
+          </a:stretch>
+        </p:blipFill>
+        <p:spPr>
+          <a:xfrm>
+            <a:off x="315310" y="245678"/>
+            <a:ext cx="5256344" cy="2956693"/>
+          </a:xfrm>
+          <a:prstGeom prst="rect">
+            <a:avLst/>
+          </a:prstGeom>
+        </p:spPr>
+      </p:pic>
+      <p:pic>
+        <p:nvPicPr>
+          <p:cNvPr id="6" name="Imagen 5"/>
+          <p:cNvPicPr>
+            <a:picLocks noChangeAspect="1"/>
+          </p:cNvPicPr>
+          <p:nvPr/>
+        </p:nvPicPr>
+        <p:blipFill>
+          <a:blip r:embed="rId3" cstate="print">
+            <a:extLst>
+              <a:ext uri="{28A0092B-C50C-407E-A947-70E740481C1C}">
+                <a14:useLocalDpi xmlns:a14="http://schemas.microsoft.com/office/drawing/2010/main" val="0"/>
+              </a:ext>
+            </a:extLst>
+          </a:blip>
+          <a:stretch>
+            <a:fillRect/>
+          </a:stretch>
+        </p:blipFill>
+        <p:spPr>
+          <a:xfrm>
+            <a:off x="5853096" y="3202371"/>
+            <a:ext cx="6106510" cy="3434912"/>
+          </a:xfrm>
+          <a:prstGeom prst="rect">
+            <a:avLst/>
+          </a:prstGeom>
+        </p:spPr>
+      </p:pic>
+      <p:pic>
+        <p:nvPicPr>
+          <p:cNvPr id="7" name="Imagen 6"/>
+          <p:cNvPicPr>
+            <a:picLocks noChangeAspect="1"/>
+          </p:cNvPicPr>
+          <p:nvPr/>
+        </p:nvPicPr>
+        <p:blipFill>
+          <a:blip r:embed="rId4"/>
+          <a:stretch>
+            <a:fillRect/>
+          </a:stretch>
+        </p:blipFill>
+        <p:spPr>
+          <a:xfrm>
+            <a:off x="10323095" y="452718"/>
+            <a:ext cx="954505" cy="949081"/>
+          </a:xfrm>
+          <a:prstGeom prst="rect">
+            <a:avLst/>
+          </a:prstGeom>
+        </p:spPr>
+      </p:pic>
+    </p:spTree>
+    <p:extLst>
+      <p:ext uri="{BB962C8B-B14F-4D97-AF65-F5344CB8AC3E}">
+        <p14:creationId xmlns:p14="http://schemas.microsoft.com/office/powerpoint/2010/main" val="146922087"/>
       </p:ext>
     </p:extLst>
   </p:cSld>
@@ -11376,6 +11757,36 @@
           </a:graphicData>
         </a:graphic>
       </p:graphicFrame>
+      <p:pic>
+        <p:nvPicPr>
+          <p:cNvPr id="5" name="Marcador de contenido 4"/>
+          <p:cNvPicPr>
+            <a:picLocks noChangeAspect="1"/>
+          </p:cNvPicPr>
+          <p:nvPr/>
+        </p:nvPicPr>
+        <p:blipFill>
+          <a:blip r:embed="rId2">
+            <a:extLst>
+              <a:ext uri="{28A0092B-C50C-407E-A947-70E740481C1C}">
+                <a14:useLocalDpi xmlns:a14="http://schemas.microsoft.com/office/drawing/2010/main" val="0"/>
+              </a:ext>
+            </a:extLst>
+          </a:blip>
+          <a:stretch>
+            <a:fillRect/>
+          </a:stretch>
+        </p:blipFill>
+        <p:spPr>
+          <a:xfrm>
+            <a:off x="10310138" y="308338"/>
+            <a:ext cx="956958" cy="942746"/>
+          </a:xfrm>
+          <a:prstGeom prst="rect">
+            <a:avLst/>
+          </a:prstGeom>
+        </p:spPr>
+      </p:pic>
     </p:spTree>
     <p:extLst>
       <p:ext uri="{BB962C8B-B14F-4D97-AF65-F5344CB8AC3E}">
@@ -11408,31 +11819,6 @@
       </p:grpSpPr>
       <p:sp>
         <p:nvSpPr>
-          <p:cNvPr id="2" name="Título 1">
-            <a:extLst>
-              <a:ext uri="{FF2B5EF4-FFF2-40B4-BE49-F238E27FC236}">
-                <a16:creationId xmlns:a16="http://schemas.microsoft.com/office/drawing/2014/main" id="{5CBA2F7A-D93B-4F9E-9E37-FC9A1BC2790C}"/>
-              </a:ext>
-            </a:extLst>
-          </p:cNvPr>
-          <p:cNvSpPr>
-            <a:spLocks noGrp="1"/>
-          </p:cNvSpPr>
-          <p:nvPr>
-            <p:ph type="title"/>
-          </p:nvPr>
-        </p:nvSpPr>
-        <p:spPr/>
-        <p:txBody>
-          <a:bodyPr/>
-          <a:lstStyle/>
-          <a:p>
-            <a:endParaRPr lang="es-ES"/>
-          </a:p>
-        </p:txBody>
-      </p:sp>
-      <p:sp>
-        <p:nvSpPr>
           <p:cNvPr id="6" name="Marcador de contenido 5">
             <a:extLst>
               <a:ext uri="{FF2B5EF4-FFF2-40B4-BE49-F238E27FC236}">
@@ -11517,6 +11903,36 @@
           </a:p>
         </p:txBody>
       </p:sp>
+      <p:pic>
+        <p:nvPicPr>
+          <p:cNvPr id="4" name="Marcador de contenido 4"/>
+          <p:cNvPicPr>
+            <a:picLocks noChangeAspect="1"/>
+          </p:cNvPicPr>
+          <p:nvPr/>
+        </p:nvPicPr>
+        <p:blipFill>
+          <a:blip r:embed="rId2">
+            <a:extLst>
+              <a:ext uri="{28A0092B-C50C-407E-A947-70E740481C1C}">
+                <a14:useLocalDpi xmlns:a14="http://schemas.microsoft.com/office/drawing/2010/main" val="0"/>
+              </a:ext>
+            </a:extLst>
+          </a:blip>
+          <a:stretch>
+            <a:fillRect/>
+          </a:stretch>
+        </p:blipFill>
+        <p:spPr>
+          <a:xfrm>
+            <a:off x="10310138" y="308338"/>
+            <a:ext cx="956958" cy="942746"/>
+          </a:xfrm>
+          <a:prstGeom prst="rect">
+            <a:avLst/>
+          </a:prstGeom>
+        </p:spPr>
+      </p:pic>
     </p:spTree>
     <p:extLst>
       <p:ext uri="{BB962C8B-B14F-4D97-AF65-F5344CB8AC3E}">
@@ -12907,31 +13323,6 @@
           <a:chExt cx="0" cy="0"/>
         </a:xfrm>
       </p:grpSpPr>
-      <p:sp>
-        <p:nvSpPr>
-          <p:cNvPr id="2" name="Título 1">
-            <a:extLst>
-              <a:ext uri="{FF2B5EF4-FFF2-40B4-BE49-F238E27FC236}">
-                <a16:creationId xmlns:a16="http://schemas.microsoft.com/office/drawing/2014/main" id="{83280482-1CE0-4B89-86D2-EA1ECCFC4561}"/>
-              </a:ext>
-            </a:extLst>
-          </p:cNvPr>
-          <p:cNvSpPr>
-            <a:spLocks noGrp="1"/>
-          </p:cNvSpPr>
-          <p:nvPr>
-            <p:ph type="title"/>
-          </p:nvPr>
-        </p:nvSpPr>
-        <p:spPr/>
-        <p:txBody>
-          <a:bodyPr/>
-          <a:lstStyle/>
-          <a:p>
-            <a:endParaRPr lang="es-ES"/>
-          </a:p>
-        </p:txBody>
-      </p:sp>
       <p:pic>
         <p:nvPicPr>
           <p:cNvPr id="5" name="Marcador de contenido 4">
@@ -12962,7 +13353,7 @@
         </p:blipFill>
         <p:spPr>
           <a:xfrm>
-            <a:off x="6258186" y="1064266"/>
+            <a:off x="6313441" y="3765424"/>
             <a:ext cx="5485876" cy="2742938"/>
           </a:xfrm>
         </p:spPr>
@@ -12995,8 +13386,38 @@
         </p:blipFill>
         <p:spPr>
           <a:xfrm>
-            <a:off x="231187" y="3376589"/>
+            <a:off x="210167" y="276037"/>
             <a:ext cx="6512653" cy="3256327"/>
+          </a:xfrm>
+          <a:prstGeom prst="rect">
+            <a:avLst/>
+          </a:prstGeom>
+        </p:spPr>
+      </p:pic>
+      <p:pic>
+        <p:nvPicPr>
+          <p:cNvPr id="6" name="Marcador de contenido 4"/>
+          <p:cNvPicPr>
+            <a:picLocks noChangeAspect="1"/>
+          </p:cNvPicPr>
+          <p:nvPr/>
+        </p:nvPicPr>
+        <p:blipFill>
+          <a:blip r:embed="rId4">
+            <a:extLst>
+              <a:ext uri="{28A0092B-C50C-407E-A947-70E740481C1C}">
+                <a14:useLocalDpi xmlns:a14="http://schemas.microsoft.com/office/drawing/2010/main" val="0"/>
+              </a:ext>
+            </a:extLst>
+          </a:blip>
+          <a:stretch>
+            <a:fillRect/>
+          </a:stretch>
+        </p:blipFill>
+        <p:spPr>
+          <a:xfrm>
+            <a:off x="10310138" y="308338"/>
+            <a:ext cx="956958" cy="942746"/>
           </a:xfrm>
           <a:prstGeom prst="rect">
             <a:avLst/>
